--- a/lessons/D_Loops_Logicals_Functions/A_Functions.pptx
+++ b/lessons/D_Loops_Logicals_Functions/A_Functions.pptx
@@ -5,10 +5,28 @@
     <p:sldMasterId id="2147483660" r:id="rId1"/>
   </p:sldMasterIdLst>
   <p:notesMasterIdLst>
-    <p:notesMasterId r:id="rId3"/>
+    <p:notesMasterId r:id="rId21"/>
   </p:notesMasterIdLst>
   <p:sldIdLst>
     <p:sldId id="377" r:id="rId2"/>
+    <p:sldId id="622" r:id="rId3"/>
+    <p:sldId id="623" r:id="rId4"/>
+    <p:sldId id="378" r:id="rId5"/>
+    <p:sldId id="625" r:id="rId6"/>
+    <p:sldId id="624" r:id="rId7"/>
+    <p:sldId id="626" r:id="rId8"/>
+    <p:sldId id="629" r:id="rId9"/>
+    <p:sldId id="628" r:id="rId10"/>
+    <p:sldId id="630" r:id="rId11"/>
+    <p:sldId id="627" r:id="rId12"/>
+    <p:sldId id="631" r:id="rId13"/>
+    <p:sldId id="632" r:id="rId14"/>
+    <p:sldId id="633" r:id="rId15"/>
+    <p:sldId id="634" r:id="rId16"/>
+    <p:sldId id="635" r:id="rId17"/>
+    <p:sldId id="636" r:id="rId18"/>
+    <p:sldId id="638" r:id="rId19"/>
+    <p:sldId id="639" r:id="rId20"/>
   </p:sldIdLst>
   <p:sldSz cx="9144000" cy="6858000" type="screen4x3"/>
   <p:notesSz cx="6858000" cy="9144000"/>
@@ -211,7 +229,7 @@
           <a:p>
             <a:fld id="{B0C0A60C-850A-4EA4-9C14-A8FE98B94505}" type="datetimeFigureOut">
               <a:rPr lang="en-US" smtClean="0"/>
-              <a:t>5/18/23</a:t>
+              <a:t>5/19/23</a:t>
             </a:fld>
             <a:endParaRPr lang="en-US"/>
           </a:p>
@@ -610,7 +628,7 @@
           <a:p>
             <a:fld id="{5738B90E-0779-4C36-915C-6F05FCD89456}" type="datetime1">
               <a:rPr lang="en-US" smtClean="0"/>
-              <a:t>5/18/23</a:t>
+              <a:t>5/19/23</a:t>
             </a:fld>
             <a:endParaRPr lang="en-US"/>
           </a:p>
@@ -793,7 +811,7 @@
           <a:p>
             <a:fld id="{7B9EA29D-D431-42FE-B7B6-AAE4454C77D3}" type="datetime1">
               <a:rPr lang="en-US" smtClean="0"/>
-              <a:t>5/18/23</a:t>
+              <a:t>5/19/23</a:t>
             </a:fld>
             <a:endParaRPr lang="en-US"/>
           </a:p>
@@ -1036,7 +1054,7 @@
           <a:p>
             <a:fld id="{690D8A1E-EA8F-46C1-B891-AE0C00D9C314}" type="datetime1">
               <a:rPr lang="en-US" smtClean="0"/>
-              <a:t>5/18/23</a:t>
+              <a:t>5/19/23</a:t>
             </a:fld>
             <a:endParaRPr lang="en-US"/>
           </a:p>
@@ -1295,7 +1313,7 @@
           <a:p>
             <a:fld id="{D753EFC8-4232-4598-94F6-94C0EBAFC469}" type="datetime1">
               <a:rPr lang="en-US" smtClean="0"/>
-              <a:t>5/18/23</a:t>
+              <a:t>5/19/23</a:t>
             </a:fld>
             <a:endParaRPr lang="en-US"/>
           </a:p>
@@ -1575,7 +1593,7 @@
           <a:p>
             <a:fld id="{F3161074-1C18-4AE7-957D-F18524378C85}" type="datetime1">
               <a:rPr lang="en-US" smtClean="0"/>
-              <a:t>5/18/23</a:t>
+              <a:t>5/19/23</a:t>
             </a:fld>
             <a:endParaRPr lang="en-US"/>
           </a:p>
@@ -1814,7 +1832,7 @@
           <a:p>
             <a:fld id="{69BE256C-8D9A-4404-B47D-41A1AE514425}" type="datetime1">
               <a:rPr lang="en-US" smtClean="0"/>
-              <a:t>5/18/23</a:t>
+              <a:t>5/19/23</a:t>
             </a:fld>
             <a:endParaRPr lang="en-US"/>
           </a:p>
@@ -2213,7 +2231,7 @@
           <a:p>
             <a:fld id="{66CB2154-9035-4012-8189-BAAB61C5A5EE}" type="datetime1">
               <a:rPr lang="en-US" smtClean="0"/>
-              <a:t>5/18/23</a:t>
+              <a:t>5/19/23</a:t>
             </a:fld>
             <a:endParaRPr lang="en-US"/>
           </a:p>
@@ -2370,7 +2388,7 @@
           <a:p>
             <a:fld id="{6700A58B-DD98-43D0-B791-721480A02982}" type="datetime1">
               <a:rPr lang="en-US" smtClean="0"/>
-              <a:t>5/18/23</a:t>
+              <a:t>5/19/23</a:t>
             </a:fld>
             <a:endParaRPr lang="en-US"/>
           </a:p>
@@ -2527,7 +2545,7 @@
           <a:p>
             <a:fld id="{7DB6E382-4F61-4E24-BE1A-377EC83D0E3A}" type="datetime1">
               <a:rPr lang="en-US" smtClean="0"/>
-              <a:t>5/18/23</a:t>
+              <a:t>5/19/23</a:t>
             </a:fld>
             <a:endParaRPr lang="en-US"/>
           </a:p>
@@ -2803,7 +2821,7 @@
           <a:p>
             <a:fld id="{4142EED6-FC16-45B9-B8C4-2BC5DBA88325}" type="datetime1">
               <a:rPr lang="en-US" smtClean="0"/>
-              <a:t>5/18/23</a:t>
+              <a:t>5/19/23</a:t>
             </a:fld>
             <a:endParaRPr lang="en-US"/>
           </a:p>
@@ -3086,7 +3104,7 @@
           <a:p>
             <a:fld id="{DF59512B-4F1D-43D7-8819-2F53FEF69650}" type="datetime1">
               <a:rPr lang="en-US" smtClean="0"/>
-              <a:t>5/18/23</a:t>
+              <a:t>5/19/23</a:t>
             </a:fld>
             <a:endParaRPr lang="en-US"/>
           </a:p>
@@ -3327,7 +3345,7 @@
           <a:p>
             <a:fld id="{08437B94-E2BF-44DC-ADC5-B05FC9934E9D}" type="datetime1">
               <a:rPr lang="en-US" smtClean="0"/>
-              <a:t>5/18/23</a:t>
+              <a:t>5/19/23</a:t>
             </a:fld>
             <a:endParaRPr lang="en-US"/>
           </a:p>
@@ -3794,7 +3812,7 @@
           <a:p>
             <a:fld id="{6700A58B-DD98-43D0-B791-721480A02982}" type="datetime1">
               <a:rPr lang="en-US" smtClean="0"/>
-              <a:t>5/18/23</a:t>
+              <a:t>5/19/23</a:t>
             </a:fld>
             <a:endParaRPr lang="en-US"/>
           </a:p>
@@ -3823,21 +3841,8 @@
           <a:p>
             <a:r>
               <a:rPr lang="en-US" dirty="0"/>
-              <a:t>http://adv-</a:t>
-            </a:r>
-            <a:r>
-              <a:rPr lang="en-US" dirty="0" err="1"/>
-              <a:t>r.had.co.nz</a:t>
-            </a:r>
-            <a:r>
-              <a:rPr lang="en-US" dirty="0"/>
-              <a:t>/</a:t>
-            </a:r>
-            <a:r>
-              <a:rPr lang="en-US" dirty="0" err="1"/>
-              <a:t>Functions.html</a:t>
-            </a:r>
-            <a:endParaRPr lang="en-US" dirty="0"/>
+              <a:t>Captain Obvious, you know functions…</a:t>
+            </a:r>
           </a:p>
         </p:txBody>
       </p:sp>
@@ -3899,10 +3904,7055 @@
           </a:p>
         </p:txBody>
       </p:sp>
+      <p:pic>
+        <p:nvPicPr>
+          <p:cNvPr id="7" name="Picture 6">
+            <a:extLst>
+              <a:ext uri="{FF2B5EF4-FFF2-40B4-BE49-F238E27FC236}">
+                <a16:creationId xmlns:a16="http://schemas.microsoft.com/office/drawing/2014/main" id="{0BB5FB80-B7CD-D6F1-4B2F-17A5DDAFD97D}"/>
+              </a:ext>
+            </a:extLst>
+          </p:cNvPr>
+          <p:cNvPicPr>
+            <a:picLocks noChangeAspect="1"/>
+          </p:cNvPicPr>
+          <p:nvPr/>
+        </p:nvPicPr>
+        <p:blipFill>
+          <a:blip r:embed="rId2"/>
+          <a:stretch>
+            <a:fillRect/>
+          </a:stretch>
+        </p:blipFill>
+        <p:spPr>
+          <a:xfrm>
+            <a:off x="3984731" y="1608549"/>
+            <a:ext cx="4530619" cy="4477407"/>
+          </a:xfrm>
+          <a:prstGeom prst="rect">
+            <a:avLst/>
+          </a:prstGeom>
+        </p:spPr>
+      </p:pic>
+      <p:sp>
+        <p:nvSpPr>
+          <p:cNvPr id="9" name="TextBox 8">
+            <a:extLst>
+              <a:ext uri="{FF2B5EF4-FFF2-40B4-BE49-F238E27FC236}">
+                <a16:creationId xmlns:a16="http://schemas.microsoft.com/office/drawing/2014/main" id="{0F66DE97-F58C-63F7-1E88-D11BD975D2A0}"/>
+              </a:ext>
+            </a:extLst>
+          </p:cNvPr>
+          <p:cNvSpPr txBox="1"/>
+          <p:nvPr/>
+        </p:nvSpPr>
+        <p:spPr>
+          <a:xfrm>
+            <a:off x="400050" y="2828835"/>
+            <a:ext cx="3584681" cy="1200329"/>
+          </a:xfrm>
+          <a:prstGeom prst="rect">
+            <a:avLst/>
+          </a:prstGeom>
+          <a:noFill/>
+        </p:spPr>
+        <p:txBody>
+          <a:bodyPr wrap="square">
+            <a:spAutoFit/>
+          </a:bodyPr>
+          <a:lstStyle/>
+          <a:p>
+            <a:r>
+              <a:rPr lang="en-US" dirty="0">
+                <a:latin typeface="Consolas" panose="020B0609020204030204" pitchFamily="49" charset="0"/>
+                <a:cs typeface="Consolas" panose="020B0609020204030204" pitchFamily="49" charset="0"/>
+              </a:rPr>
+              <a:t>library(ggplot2)</a:t>
+            </a:r>
+          </a:p>
+          <a:p>
+            <a:r>
+              <a:rPr lang="en-US" dirty="0">
+                <a:latin typeface="Consolas" panose="020B0609020204030204" pitchFamily="49" charset="0"/>
+                <a:cs typeface="Consolas" panose="020B0609020204030204" pitchFamily="49" charset="0"/>
+              </a:rPr>
+              <a:t>data("</a:t>
+            </a:r>
+            <a:r>
+              <a:rPr lang="en-US" dirty="0" err="1">
+                <a:latin typeface="Consolas" panose="020B0609020204030204" pitchFamily="49" charset="0"/>
+                <a:cs typeface="Consolas" panose="020B0609020204030204" pitchFamily="49" charset="0"/>
+              </a:rPr>
+              <a:t>mtcars</a:t>
+            </a:r>
+            <a:r>
+              <a:rPr lang="en-US" dirty="0">
+                <a:latin typeface="Consolas" panose="020B0609020204030204" pitchFamily="49" charset="0"/>
+                <a:cs typeface="Consolas" panose="020B0609020204030204" pitchFamily="49" charset="0"/>
+              </a:rPr>
+              <a:t>")</a:t>
+            </a:r>
+          </a:p>
+          <a:p>
+            <a:r>
+              <a:rPr lang="en-US" dirty="0">
+                <a:latin typeface="Consolas" panose="020B0609020204030204" pitchFamily="49" charset="0"/>
+                <a:cs typeface="Consolas" panose="020B0609020204030204" pitchFamily="49" charset="0"/>
+              </a:rPr>
+              <a:t>head(</a:t>
+            </a:r>
+            <a:r>
+              <a:rPr lang="en-US" dirty="0" err="1">
+                <a:latin typeface="Consolas" panose="020B0609020204030204" pitchFamily="49" charset="0"/>
+                <a:cs typeface="Consolas" panose="020B0609020204030204" pitchFamily="49" charset="0"/>
+              </a:rPr>
+              <a:t>mtcars</a:t>
+            </a:r>
+            <a:r>
+              <a:rPr lang="en-US" dirty="0">
+                <a:latin typeface="Consolas" panose="020B0609020204030204" pitchFamily="49" charset="0"/>
+                <a:cs typeface="Consolas" panose="020B0609020204030204" pitchFamily="49" charset="0"/>
+              </a:rPr>
+              <a:t>)</a:t>
+            </a:r>
+          </a:p>
+          <a:p>
+            <a:r>
+              <a:rPr lang="en-US" dirty="0">
+                <a:latin typeface="Consolas" panose="020B0609020204030204" pitchFamily="49" charset="0"/>
+                <a:cs typeface="Consolas" panose="020B0609020204030204" pitchFamily="49" charset="0"/>
+              </a:rPr>
+              <a:t>sample(1:nrow(</a:t>
+            </a:r>
+            <a:r>
+              <a:rPr lang="en-US" dirty="0" err="1">
+                <a:latin typeface="Consolas" panose="020B0609020204030204" pitchFamily="49" charset="0"/>
+                <a:cs typeface="Consolas" panose="020B0609020204030204" pitchFamily="49" charset="0"/>
+              </a:rPr>
+              <a:t>mtcars</a:t>
+            </a:r>
+            <a:r>
+              <a:rPr lang="en-US" dirty="0">
+                <a:latin typeface="Consolas" panose="020B0609020204030204" pitchFamily="49" charset="0"/>
+                <a:cs typeface="Consolas" panose="020B0609020204030204" pitchFamily="49" charset="0"/>
+              </a:rPr>
+              <a:t>),10)</a:t>
+            </a:r>
+          </a:p>
+        </p:txBody>
+      </p:sp>
+      <p:sp>
+        <p:nvSpPr>
+          <p:cNvPr id="10" name="TextBox 9">
+            <a:extLst>
+              <a:ext uri="{FF2B5EF4-FFF2-40B4-BE49-F238E27FC236}">
+                <a16:creationId xmlns:a16="http://schemas.microsoft.com/office/drawing/2014/main" id="{BF06530F-9F9E-2AC6-4EEB-7F39C0BBB89E}"/>
+              </a:ext>
+            </a:extLst>
+          </p:cNvPr>
+          <p:cNvSpPr txBox="1"/>
+          <p:nvPr/>
+        </p:nvSpPr>
+        <p:spPr>
+          <a:xfrm>
+            <a:off x="4220585" y="6085956"/>
+            <a:ext cx="4294765" cy="400110"/>
+          </a:xfrm>
+          <a:prstGeom prst="rect">
+            <a:avLst/>
+          </a:prstGeom>
+          <a:noFill/>
+        </p:spPr>
+        <p:txBody>
+          <a:bodyPr wrap="none" rtlCol="0">
+            <a:spAutoFit/>
+          </a:bodyPr>
+          <a:lstStyle/>
+          <a:p>
+            <a:pPr algn="r"/>
+            <a:r>
+              <a:rPr lang="en-US" sz="1000" dirty="0"/>
+              <a:t>Stable Diffusion w/portrait+1:</a:t>
+            </a:r>
+          </a:p>
+          <a:p>
+            <a:pPr algn="r"/>
+            <a:r>
+              <a:rPr lang="en-US" sz="1000" dirty="0"/>
+              <a:t>captain obvious, photorealistic, , Realistic, Realistic, Canon50, Dynamic Lighting</a:t>
+            </a:r>
+          </a:p>
+        </p:txBody>
+      </p:sp>
     </p:spTree>
     <p:extLst>
       <p:ext uri="{BB962C8B-B14F-4D97-AF65-F5344CB8AC3E}">
         <p14:creationId xmlns:p14="http://schemas.microsoft.com/office/powerpoint/2010/main" val="2986605411"/>
+      </p:ext>
+    </p:extLst>
+  </p:cSld>
+  <p:clrMapOvr>
+    <a:masterClrMapping/>
+  </p:clrMapOvr>
+</p:sld>
+</file>
+
+<file path=ppt/slides/slide10.xml><?xml version="1.0" encoding="utf-8"?>
+<p:sld xmlns:a="http://schemas.openxmlformats.org/drawingml/2006/main" xmlns:r="http://schemas.openxmlformats.org/officeDocument/2006/relationships" xmlns:p="http://schemas.openxmlformats.org/presentationml/2006/main">
+  <p:cSld>
+    <p:spTree>
+      <p:nvGrpSpPr>
+        <p:cNvPr id="1" name=""/>
+        <p:cNvGrpSpPr/>
+        <p:nvPr/>
+      </p:nvGrpSpPr>
+      <p:grpSpPr>
+        <a:xfrm>
+          <a:off x="0" y="0"/>
+          <a:ext cx="0" cy="0"/>
+          <a:chOff x="0" y="0"/>
+          <a:chExt cx="0" cy="0"/>
+        </a:xfrm>
+      </p:grpSpPr>
+      <p:sp>
+        <p:nvSpPr>
+          <p:cNvPr id="2" name="Date Placeholder 1">
+            <a:extLst>
+              <a:ext uri="{FF2B5EF4-FFF2-40B4-BE49-F238E27FC236}">
+                <a16:creationId xmlns:a16="http://schemas.microsoft.com/office/drawing/2014/main" id="{D8F2A6C2-62DC-79C4-A908-433E05FC1C4B}"/>
+              </a:ext>
+            </a:extLst>
+          </p:cNvPr>
+          <p:cNvSpPr>
+            <a:spLocks noGrp="1"/>
+          </p:cNvSpPr>
+          <p:nvPr>
+            <p:ph type="dt" sz="half" idx="10"/>
+          </p:nvPr>
+        </p:nvSpPr>
+        <p:spPr/>
+        <p:txBody>
+          <a:bodyPr/>
+          <a:lstStyle/>
+          <a:p>
+            <a:fld id="{6700A58B-DD98-43D0-B791-721480A02982}" type="datetime1">
+              <a:rPr lang="en-US" smtClean="0"/>
+              <a:t>5/19/23</a:t>
+            </a:fld>
+            <a:endParaRPr lang="en-US"/>
+          </a:p>
+        </p:txBody>
+      </p:sp>
+      <p:sp>
+        <p:nvSpPr>
+          <p:cNvPr id="3" name="Title 2">
+            <a:extLst>
+              <a:ext uri="{FF2B5EF4-FFF2-40B4-BE49-F238E27FC236}">
+                <a16:creationId xmlns:a16="http://schemas.microsoft.com/office/drawing/2014/main" id="{E93829F7-A00D-440E-7708-D14BBFDCBA67}"/>
+              </a:ext>
+            </a:extLst>
+          </p:cNvPr>
+          <p:cNvSpPr>
+            <a:spLocks noGrp="1"/>
+          </p:cNvSpPr>
+          <p:nvPr>
+            <p:ph type="title"/>
+          </p:nvPr>
+        </p:nvSpPr>
+        <p:spPr>
+          <a:xfrm>
+            <a:off x="236483" y="365126"/>
+            <a:ext cx="8278867" cy="591477"/>
+          </a:xfrm>
+        </p:spPr>
+        <p:txBody>
+          <a:bodyPr/>
+          <a:lstStyle/>
+          <a:p>
+            <a:r>
+              <a:rPr lang="en-US" dirty="0"/>
+              <a:t>You can check these components with functions</a:t>
+            </a:r>
+          </a:p>
+        </p:txBody>
+      </p:sp>
+      <p:sp>
+        <p:nvSpPr>
+          <p:cNvPr id="4" name="Slide Number Placeholder 3">
+            <a:extLst>
+              <a:ext uri="{FF2B5EF4-FFF2-40B4-BE49-F238E27FC236}">
+                <a16:creationId xmlns:a16="http://schemas.microsoft.com/office/drawing/2014/main" id="{32EE4436-9C87-2ABB-491C-9198C7F5F1F0}"/>
+              </a:ext>
+            </a:extLst>
+          </p:cNvPr>
+          <p:cNvSpPr>
+            <a:spLocks noGrp="1"/>
+          </p:cNvSpPr>
+          <p:nvPr>
+            <p:ph type="sldNum" sz="quarter" idx="12"/>
+          </p:nvPr>
+        </p:nvSpPr>
+        <p:spPr/>
+        <p:txBody>
+          <a:bodyPr/>
+          <a:lstStyle/>
+          <a:p>
+            <a:fld id="{37290FF7-652B-4475-AEAB-8B1A5D23AE09}" type="slidenum">
+              <a:rPr lang="en-US" smtClean="0"/>
+              <a:t>10</a:t>
+            </a:fld>
+            <a:endParaRPr lang="en-US"/>
+          </a:p>
+        </p:txBody>
+      </p:sp>
+      <p:sp>
+        <p:nvSpPr>
+          <p:cNvPr id="5" name="Footer Placeholder 4">
+            <a:extLst>
+              <a:ext uri="{FF2B5EF4-FFF2-40B4-BE49-F238E27FC236}">
+                <a16:creationId xmlns:a16="http://schemas.microsoft.com/office/drawing/2014/main" id="{DF90FA53-606D-CD23-C317-DADF22083B91}"/>
+              </a:ext>
+            </a:extLst>
+          </p:cNvPr>
+          <p:cNvSpPr>
+            <a:spLocks noGrp="1"/>
+          </p:cNvSpPr>
+          <p:nvPr>
+            <p:ph type="ftr" sz="quarter" idx="3"/>
+          </p:nvPr>
+        </p:nvSpPr>
+        <p:spPr/>
+        <p:txBody>
+          <a:bodyPr/>
+          <a:lstStyle/>
+          <a:p>
+            <a:r>
+              <a:rPr lang="en-US"/>
+              <a:t>Kwartler</a:t>
+            </a:r>
+            <a:endParaRPr lang="en-US" dirty="0"/>
+          </a:p>
+        </p:txBody>
+      </p:sp>
+      <p:pic>
+        <p:nvPicPr>
+          <p:cNvPr id="6" name="Picture 5">
+            <a:extLst>
+              <a:ext uri="{FF2B5EF4-FFF2-40B4-BE49-F238E27FC236}">
+                <a16:creationId xmlns:a16="http://schemas.microsoft.com/office/drawing/2014/main" id="{82E65306-0E24-ADF3-D673-280A548E0DE1}"/>
+              </a:ext>
+            </a:extLst>
+          </p:cNvPr>
+          <p:cNvPicPr>
+            <a:picLocks noChangeAspect="1"/>
+          </p:cNvPicPr>
+          <p:nvPr/>
+        </p:nvPicPr>
+        <p:blipFill>
+          <a:blip r:embed="rId2"/>
+          <a:stretch>
+            <a:fillRect/>
+          </a:stretch>
+        </p:blipFill>
+        <p:spPr>
+          <a:xfrm>
+            <a:off x="1730266" y="3236501"/>
+            <a:ext cx="5858237" cy="897978"/>
+          </a:xfrm>
+          <a:prstGeom prst="rect">
+            <a:avLst/>
+          </a:prstGeom>
+        </p:spPr>
+      </p:pic>
+    </p:spTree>
+    <p:extLst>
+      <p:ext uri="{BB962C8B-B14F-4D97-AF65-F5344CB8AC3E}">
+        <p14:creationId xmlns:p14="http://schemas.microsoft.com/office/powerpoint/2010/main" val="4072442029"/>
+      </p:ext>
+    </p:extLst>
+  </p:cSld>
+  <p:clrMapOvr>
+    <a:masterClrMapping/>
+  </p:clrMapOvr>
+</p:sld>
+</file>
+
+<file path=ppt/slides/slide11.xml><?xml version="1.0" encoding="utf-8"?>
+<p:sld xmlns:a="http://schemas.openxmlformats.org/drawingml/2006/main" xmlns:r="http://schemas.openxmlformats.org/officeDocument/2006/relationships" xmlns:p="http://schemas.openxmlformats.org/presentationml/2006/main">
+  <p:cSld>
+    <p:spTree>
+      <p:nvGrpSpPr>
+        <p:cNvPr id="1" name=""/>
+        <p:cNvGrpSpPr/>
+        <p:nvPr/>
+      </p:nvGrpSpPr>
+      <p:grpSpPr>
+        <a:xfrm>
+          <a:off x="0" y="0"/>
+          <a:ext cx="0" cy="0"/>
+          <a:chOff x="0" y="0"/>
+          <a:chExt cx="0" cy="0"/>
+        </a:xfrm>
+      </p:grpSpPr>
+      <p:sp>
+        <p:nvSpPr>
+          <p:cNvPr id="2" name="Date Placeholder 1">
+            <a:extLst>
+              <a:ext uri="{FF2B5EF4-FFF2-40B4-BE49-F238E27FC236}">
+                <a16:creationId xmlns:a16="http://schemas.microsoft.com/office/drawing/2014/main" id="{43A20570-4AB4-68F8-C922-E3195FD8D6EC}"/>
+              </a:ext>
+            </a:extLst>
+          </p:cNvPr>
+          <p:cNvSpPr>
+            <a:spLocks noGrp="1"/>
+          </p:cNvSpPr>
+          <p:nvPr>
+            <p:ph type="dt" sz="half" idx="10"/>
+          </p:nvPr>
+        </p:nvSpPr>
+        <p:spPr/>
+        <p:txBody>
+          <a:bodyPr/>
+          <a:lstStyle/>
+          <a:p>
+            <a:fld id="{6700A58B-DD98-43D0-B791-721480A02982}" type="datetime1">
+              <a:rPr lang="en-US" smtClean="0"/>
+              <a:t>5/19/23</a:t>
+            </a:fld>
+            <a:endParaRPr lang="en-US"/>
+          </a:p>
+        </p:txBody>
+      </p:sp>
+      <p:sp>
+        <p:nvSpPr>
+          <p:cNvPr id="3" name="Title 2">
+            <a:extLst>
+              <a:ext uri="{FF2B5EF4-FFF2-40B4-BE49-F238E27FC236}">
+                <a16:creationId xmlns:a16="http://schemas.microsoft.com/office/drawing/2014/main" id="{0437977D-004E-7811-6DBC-13BB74379CF8}"/>
+              </a:ext>
+            </a:extLst>
+          </p:cNvPr>
+          <p:cNvSpPr>
+            <a:spLocks noGrp="1"/>
+          </p:cNvSpPr>
+          <p:nvPr>
+            <p:ph type="title"/>
+          </p:nvPr>
+        </p:nvSpPr>
+        <p:spPr/>
+        <p:txBody>
+          <a:bodyPr/>
+          <a:lstStyle/>
+          <a:p>
+            <a:r>
+              <a:rPr lang="en-US" dirty="0"/>
+              <a:t>There is an exception.  “primitive” functions</a:t>
+            </a:r>
+          </a:p>
+        </p:txBody>
+      </p:sp>
+      <p:sp>
+        <p:nvSpPr>
+          <p:cNvPr id="4" name="Slide Number Placeholder 3">
+            <a:extLst>
+              <a:ext uri="{FF2B5EF4-FFF2-40B4-BE49-F238E27FC236}">
+                <a16:creationId xmlns:a16="http://schemas.microsoft.com/office/drawing/2014/main" id="{5FE4BB52-D0B4-8999-C498-76FD1D80D92A}"/>
+              </a:ext>
+            </a:extLst>
+          </p:cNvPr>
+          <p:cNvSpPr>
+            <a:spLocks noGrp="1"/>
+          </p:cNvSpPr>
+          <p:nvPr>
+            <p:ph type="sldNum" sz="quarter" idx="12"/>
+          </p:nvPr>
+        </p:nvSpPr>
+        <p:spPr/>
+        <p:txBody>
+          <a:bodyPr/>
+          <a:lstStyle/>
+          <a:p>
+            <a:fld id="{37290FF7-652B-4475-AEAB-8B1A5D23AE09}" type="slidenum">
+              <a:rPr lang="en-US" smtClean="0"/>
+              <a:t>11</a:t>
+            </a:fld>
+            <a:endParaRPr lang="en-US"/>
+          </a:p>
+        </p:txBody>
+      </p:sp>
+      <p:sp>
+        <p:nvSpPr>
+          <p:cNvPr id="5" name="Footer Placeholder 4">
+            <a:extLst>
+              <a:ext uri="{FF2B5EF4-FFF2-40B4-BE49-F238E27FC236}">
+                <a16:creationId xmlns:a16="http://schemas.microsoft.com/office/drawing/2014/main" id="{DC835D81-7540-BAAE-1B8C-FA55924BD517}"/>
+              </a:ext>
+            </a:extLst>
+          </p:cNvPr>
+          <p:cNvSpPr>
+            <a:spLocks noGrp="1"/>
+          </p:cNvSpPr>
+          <p:nvPr>
+            <p:ph type="ftr" sz="quarter" idx="3"/>
+          </p:nvPr>
+        </p:nvSpPr>
+        <p:spPr/>
+        <p:txBody>
+          <a:bodyPr/>
+          <a:lstStyle/>
+          <a:p>
+            <a:r>
+              <a:rPr lang="en-US"/>
+              <a:t>Kwartler</a:t>
+            </a:r>
+            <a:endParaRPr lang="en-US" dirty="0"/>
+          </a:p>
+        </p:txBody>
+      </p:sp>
+      <p:sp>
+        <p:nvSpPr>
+          <p:cNvPr id="6" name="Rectangle 5">
+            <a:extLst>
+              <a:ext uri="{FF2B5EF4-FFF2-40B4-BE49-F238E27FC236}">
+                <a16:creationId xmlns:a16="http://schemas.microsoft.com/office/drawing/2014/main" id="{47547DC1-B292-053E-47E0-5892CE3681F8}"/>
+              </a:ext>
+            </a:extLst>
+          </p:cNvPr>
+          <p:cNvSpPr/>
+          <p:nvPr/>
+        </p:nvSpPr>
+        <p:spPr>
+          <a:xfrm>
+            <a:off x="2271220" y="2273077"/>
+            <a:ext cx="4601560" cy="2041743"/>
+          </a:xfrm>
+          <a:prstGeom prst="rect">
+            <a:avLst/>
+          </a:prstGeom>
+          <a:solidFill>
+            <a:schemeClr val="accent6"/>
+          </a:solidFill>
+          <a:ln>
+            <a:noFill/>
+          </a:ln>
+        </p:spPr>
+        <p:style>
+          <a:lnRef idx="2">
+            <a:schemeClr val="accent1">
+              <a:shade val="50000"/>
+            </a:schemeClr>
+          </a:lnRef>
+          <a:fillRef idx="1">
+            <a:schemeClr val="accent1"/>
+          </a:fillRef>
+          <a:effectRef idx="0">
+            <a:schemeClr val="accent1"/>
+          </a:effectRef>
+          <a:fontRef idx="minor">
+            <a:schemeClr val="lt1"/>
+          </a:fontRef>
+        </p:style>
+        <p:txBody>
+          <a:bodyPr rot="0" spcFirstLastPara="0" vertOverflow="overflow" horzOverflow="overflow" vert="horz" wrap="square" lIns="91440" tIns="45720" rIns="91440" bIns="45720" numCol="1" spcCol="0" rtlCol="0" fromWordArt="0" anchor="ctr" anchorCtr="0" forceAA="0" compatLnSpc="1">
+            <a:prstTxWarp prst="textNoShape">
+              <a:avLst/>
+            </a:prstTxWarp>
+            <a:noAutofit/>
+          </a:bodyPr>
+          <a:lstStyle/>
+          <a:p>
+            <a:pPr algn="ctr"/>
+            <a:r>
+              <a:rPr lang="en-US" sz="2000" u="sng" dirty="0">
+                <a:solidFill>
+                  <a:schemeClr val="bg1"/>
+                </a:solidFill>
+              </a:rPr>
+              <a:t>Primitive Function:</a:t>
+            </a:r>
+          </a:p>
+          <a:p>
+            <a:pPr marL="342900" indent="-342900">
+              <a:buFont typeface="Arial" panose="020B0604020202020204" pitchFamily="34" charset="0"/>
+              <a:buChar char="•"/>
+            </a:pPr>
+            <a:endParaRPr lang="en-US" sz="2000" dirty="0">
+              <a:solidFill>
+                <a:schemeClr val="bg1"/>
+              </a:solidFill>
+            </a:endParaRPr>
+          </a:p>
+          <a:p>
+            <a:pPr marL="342900" indent="-342900">
+              <a:buFont typeface="Arial" panose="020B0604020202020204" pitchFamily="34" charset="0"/>
+              <a:buChar char="•"/>
+            </a:pPr>
+            <a:r>
+              <a:rPr lang="en-US" sz="2000" dirty="0">
+                <a:solidFill>
+                  <a:schemeClr val="bg1"/>
+                </a:solidFill>
+              </a:rPr>
+              <a:t>They call C to be FAST.</a:t>
+            </a:r>
+          </a:p>
+        </p:txBody>
+      </p:sp>
+    </p:spTree>
+    <p:extLst>
+      <p:ext uri="{BB962C8B-B14F-4D97-AF65-F5344CB8AC3E}">
+        <p14:creationId xmlns:p14="http://schemas.microsoft.com/office/powerpoint/2010/main" val="3807057933"/>
+      </p:ext>
+    </p:extLst>
+  </p:cSld>
+  <p:clrMapOvr>
+    <a:masterClrMapping/>
+  </p:clrMapOvr>
+</p:sld>
+</file>
+
+<file path=ppt/slides/slide12.xml><?xml version="1.0" encoding="utf-8"?>
+<p:sld xmlns:a="http://schemas.openxmlformats.org/drawingml/2006/main" xmlns:r="http://schemas.openxmlformats.org/officeDocument/2006/relationships" xmlns:p="http://schemas.openxmlformats.org/presentationml/2006/main">
+  <p:cSld>
+    <p:spTree>
+      <p:nvGrpSpPr>
+        <p:cNvPr id="1" name=""/>
+        <p:cNvGrpSpPr/>
+        <p:nvPr/>
+      </p:nvGrpSpPr>
+      <p:grpSpPr>
+        <a:xfrm>
+          <a:off x="0" y="0"/>
+          <a:ext cx="0" cy="0"/>
+          <a:chOff x="0" y="0"/>
+          <a:chExt cx="0" cy="0"/>
+        </a:xfrm>
+      </p:grpSpPr>
+      <p:sp>
+        <p:nvSpPr>
+          <p:cNvPr id="2" name="Date Placeholder 1">
+            <a:extLst>
+              <a:ext uri="{FF2B5EF4-FFF2-40B4-BE49-F238E27FC236}">
+                <a16:creationId xmlns:a16="http://schemas.microsoft.com/office/drawing/2014/main" id="{93141CBD-EFD7-3D0B-B36A-3F8A1B55F213}"/>
+              </a:ext>
+            </a:extLst>
+          </p:cNvPr>
+          <p:cNvSpPr>
+            <a:spLocks noGrp="1"/>
+          </p:cNvSpPr>
+          <p:nvPr>
+            <p:ph type="dt" sz="half" idx="10"/>
+          </p:nvPr>
+        </p:nvSpPr>
+        <p:spPr/>
+        <p:txBody>
+          <a:bodyPr/>
+          <a:lstStyle/>
+          <a:p>
+            <a:fld id="{6700A58B-DD98-43D0-B791-721480A02982}" type="datetime1">
+              <a:rPr lang="en-US" smtClean="0"/>
+              <a:t>5/19/23</a:t>
+            </a:fld>
+            <a:endParaRPr lang="en-US"/>
+          </a:p>
+        </p:txBody>
+      </p:sp>
+      <p:sp>
+        <p:nvSpPr>
+          <p:cNvPr id="3" name="Title 2">
+            <a:extLst>
+              <a:ext uri="{FF2B5EF4-FFF2-40B4-BE49-F238E27FC236}">
+                <a16:creationId xmlns:a16="http://schemas.microsoft.com/office/drawing/2014/main" id="{34169786-8A8A-7ADA-95CD-504F27A64473}"/>
+              </a:ext>
+            </a:extLst>
+          </p:cNvPr>
+          <p:cNvSpPr>
+            <a:spLocks noGrp="1"/>
+          </p:cNvSpPr>
+          <p:nvPr>
+            <p:ph type="title"/>
+          </p:nvPr>
+        </p:nvSpPr>
+        <p:spPr/>
+        <p:txBody>
+          <a:bodyPr/>
+          <a:lstStyle/>
+          <a:p>
+            <a:endParaRPr lang="en-US"/>
+          </a:p>
+        </p:txBody>
+      </p:sp>
+      <p:sp>
+        <p:nvSpPr>
+          <p:cNvPr id="4" name="Slide Number Placeholder 3">
+            <a:extLst>
+              <a:ext uri="{FF2B5EF4-FFF2-40B4-BE49-F238E27FC236}">
+                <a16:creationId xmlns:a16="http://schemas.microsoft.com/office/drawing/2014/main" id="{2A3462CB-C084-6FFB-61D9-F0284543D2C2}"/>
+              </a:ext>
+            </a:extLst>
+          </p:cNvPr>
+          <p:cNvSpPr>
+            <a:spLocks noGrp="1"/>
+          </p:cNvSpPr>
+          <p:nvPr>
+            <p:ph type="sldNum" sz="quarter" idx="12"/>
+          </p:nvPr>
+        </p:nvSpPr>
+        <p:spPr/>
+        <p:txBody>
+          <a:bodyPr/>
+          <a:lstStyle/>
+          <a:p>
+            <a:fld id="{37290FF7-652B-4475-AEAB-8B1A5D23AE09}" type="slidenum">
+              <a:rPr lang="en-US" smtClean="0"/>
+              <a:t>12</a:t>
+            </a:fld>
+            <a:endParaRPr lang="en-US"/>
+          </a:p>
+        </p:txBody>
+      </p:sp>
+      <p:sp>
+        <p:nvSpPr>
+          <p:cNvPr id="5" name="Footer Placeholder 4">
+            <a:extLst>
+              <a:ext uri="{FF2B5EF4-FFF2-40B4-BE49-F238E27FC236}">
+                <a16:creationId xmlns:a16="http://schemas.microsoft.com/office/drawing/2014/main" id="{71395354-FAB5-6EDB-B671-D19FBD8FA78A}"/>
+              </a:ext>
+            </a:extLst>
+          </p:cNvPr>
+          <p:cNvSpPr>
+            <a:spLocks noGrp="1"/>
+          </p:cNvSpPr>
+          <p:nvPr>
+            <p:ph type="ftr" sz="quarter" idx="3"/>
+          </p:nvPr>
+        </p:nvSpPr>
+        <p:spPr/>
+        <p:txBody>
+          <a:bodyPr/>
+          <a:lstStyle/>
+          <a:p>
+            <a:r>
+              <a:rPr lang="en-US"/>
+              <a:t>Kwartler</a:t>
+            </a:r>
+            <a:endParaRPr lang="en-US" dirty="0"/>
+          </a:p>
+        </p:txBody>
+      </p:sp>
+      <p:pic>
+        <p:nvPicPr>
+          <p:cNvPr id="6" name="Picture 5">
+            <a:extLst>
+              <a:ext uri="{FF2B5EF4-FFF2-40B4-BE49-F238E27FC236}">
+                <a16:creationId xmlns:a16="http://schemas.microsoft.com/office/drawing/2014/main" id="{A8EA2846-64A7-8C4B-E4B7-41B49E4CAFBE}"/>
+              </a:ext>
+            </a:extLst>
+          </p:cNvPr>
+          <p:cNvPicPr>
+            <a:picLocks noChangeAspect="1"/>
+          </p:cNvPicPr>
+          <p:nvPr/>
+        </p:nvPicPr>
+        <p:blipFill>
+          <a:blip r:embed="rId2"/>
+          <a:stretch>
+            <a:fillRect/>
+          </a:stretch>
+        </p:blipFill>
+        <p:spPr>
+          <a:xfrm>
+            <a:off x="1558284" y="2299138"/>
+            <a:ext cx="5756916" cy="2259724"/>
+          </a:xfrm>
+          <a:prstGeom prst="rect">
+            <a:avLst/>
+          </a:prstGeom>
+        </p:spPr>
+      </p:pic>
+    </p:spTree>
+    <p:extLst>
+      <p:ext uri="{BB962C8B-B14F-4D97-AF65-F5344CB8AC3E}">
+        <p14:creationId xmlns:p14="http://schemas.microsoft.com/office/powerpoint/2010/main" val="4138814856"/>
+      </p:ext>
+    </p:extLst>
+  </p:cSld>
+  <p:clrMapOvr>
+    <a:masterClrMapping/>
+  </p:clrMapOvr>
+</p:sld>
+</file>
+
+<file path=ppt/slides/slide13.xml><?xml version="1.0" encoding="utf-8"?>
+<p:sld xmlns:a="http://schemas.openxmlformats.org/drawingml/2006/main" xmlns:r="http://schemas.openxmlformats.org/officeDocument/2006/relationships" xmlns:p="http://schemas.openxmlformats.org/presentationml/2006/main">
+  <p:cSld>
+    <p:spTree>
+      <p:nvGrpSpPr>
+        <p:cNvPr id="1" name=""/>
+        <p:cNvGrpSpPr/>
+        <p:nvPr/>
+      </p:nvGrpSpPr>
+      <p:grpSpPr>
+        <a:xfrm>
+          <a:off x="0" y="0"/>
+          <a:ext cx="0" cy="0"/>
+          <a:chOff x="0" y="0"/>
+          <a:chExt cx="0" cy="0"/>
+        </a:xfrm>
+      </p:grpSpPr>
+      <p:sp>
+        <p:nvSpPr>
+          <p:cNvPr id="2" name="Date Placeholder 1">
+            <a:extLst>
+              <a:ext uri="{FF2B5EF4-FFF2-40B4-BE49-F238E27FC236}">
+                <a16:creationId xmlns:a16="http://schemas.microsoft.com/office/drawing/2014/main" id="{E9E34019-4560-F544-BA5D-DA5995EB798D}"/>
+              </a:ext>
+            </a:extLst>
+          </p:cNvPr>
+          <p:cNvSpPr>
+            <a:spLocks noGrp="1"/>
+          </p:cNvSpPr>
+          <p:nvPr>
+            <p:ph type="dt" sz="half" idx="10"/>
+          </p:nvPr>
+        </p:nvSpPr>
+        <p:spPr/>
+        <p:txBody>
+          <a:bodyPr/>
+          <a:lstStyle/>
+          <a:p>
+            <a:fld id="{6700A58B-DD98-43D0-B791-721480A02982}" type="datetime1">
+              <a:rPr lang="en-US" smtClean="0"/>
+              <a:t>5/19/23</a:t>
+            </a:fld>
+            <a:endParaRPr lang="en-US"/>
+          </a:p>
+        </p:txBody>
+      </p:sp>
+      <p:sp>
+        <p:nvSpPr>
+          <p:cNvPr id="3" name="Title 2">
+            <a:extLst>
+              <a:ext uri="{FF2B5EF4-FFF2-40B4-BE49-F238E27FC236}">
+                <a16:creationId xmlns:a16="http://schemas.microsoft.com/office/drawing/2014/main" id="{F66F8745-48AB-55F5-21F6-35CDC8C29472}"/>
+              </a:ext>
+            </a:extLst>
+          </p:cNvPr>
+          <p:cNvSpPr>
+            <a:spLocks noGrp="1"/>
+          </p:cNvSpPr>
+          <p:nvPr>
+            <p:ph type="title"/>
+          </p:nvPr>
+        </p:nvSpPr>
+        <p:spPr>
+          <a:xfrm>
+            <a:off x="141890" y="365126"/>
+            <a:ext cx="8860220" cy="591477"/>
+          </a:xfrm>
+        </p:spPr>
+        <p:txBody>
+          <a:bodyPr/>
+          <a:lstStyle/>
+          <a:p>
+            <a:r>
+              <a:rPr lang="en-US" sz="2400" dirty="0"/>
+              <a:t>There are a lot of supporting functions that aren’t that helpful IMHO.</a:t>
+            </a:r>
+          </a:p>
+        </p:txBody>
+      </p:sp>
+      <p:sp>
+        <p:nvSpPr>
+          <p:cNvPr id="4" name="Slide Number Placeholder 3">
+            <a:extLst>
+              <a:ext uri="{FF2B5EF4-FFF2-40B4-BE49-F238E27FC236}">
+                <a16:creationId xmlns:a16="http://schemas.microsoft.com/office/drawing/2014/main" id="{587B56F6-58FB-0149-660A-B7279D7F5572}"/>
+              </a:ext>
+            </a:extLst>
+          </p:cNvPr>
+          <p:cNvSpPr>
+            <a:spLocks noGrp="1"/>
+          </p:cNvSpPr>
+          <p:nvPr>
+            <p:ph type="sldNum" sz="quarter" idx="12"/>
+          </p:nvPr>
+        </p:nvSpPr>
+        <p:spPr/>
+        <p:txBody>
+          <a:bodyPr/>
+          <a:lstStyle/>
+          <a:p>
+            <a:fld id="{37290FF7-652B-4475-AEAB-8B1A5D23AE09}" type="slidenum">
+              <a:rPr lang="en-US" smtClean="0"/>
+              <a:t>13</a:t>
+            </a:fld>
+            <a:endParaRPr lang="en-US"/>
+          </a:p>
+        </p:txBody>
+      </p:sp>
+      <p:sp>
+        <p:nvSpPr>
+          <p:cNvPr id="5" name="Footer Placeholder 4">
+            <a:extLst>
+              <a:ext uri="{FF2B5EF4-FFF2-40B4-BE49-F238E27FC236}">
+                <a16:creationId xmlns:a16="http://schemas.microsoft.com/office/drawing/2014/main" id="{E9659784-A47B-DCE7-B63A-976C85955B6A}"/>
+              </a:ext>
+            </a:extLst>
+          </p:cNvPr>
+          <p:cNvSpPr>
+            <a:spLocks noGrp="1"/>
+          </p:cNvSpPr>
+          <p:nvPr>
+            <p:ph type="ftr" sz="quarter" idx="3"/>
+          </p:nvPr>
+        </p:nvSpPr>
+        <p:spPr/>
+        <p:txBody>
+          <a:bodyPr/>
+          <a:lstStyle/>
+          <a:p>
+            <a:r>
+              <a:rPr lang="en-US"/>
+              <a:t>Kwartler</a:t>
+            </a:r>
+            <a:endParaRPr lang="en-US" dirty="0"/>
+          </a:p>
+        </p:txBody>
+      </p:sp>
+      <p:sp>
+        <p:nvSpPr>
+          <p:cNvPr id="7" name="TextBox 6">
+            <a:extLst>
+              <a:ext uri="{FF2B5EF4-FFF2-40B4-BE49-F238E27FC236}">
+                <a16:creationId xmlns:a16="http://schemas.microsoft.com/office/drawing/2014/main" id="{4DA514AE-E158-E6CD-A9BF-D3EC8E5D1FA0}"/>
+              </a:ext>
+            </a:extLst>
+          </p:cNvPr>
+          <p:cNvSpPr txBox="1"/>
+          <p:nvPr/>
+        </p:nvSpPr>
+        <p:spPr>
+          <a:xfrm>
+            <a:off x="1340069" y="2333325"/>
+            <a:ext cx="6463862" cy="1477328"/>
+          </a:xfrm>
+          <a:prstGeom prst="rect">
+            <a:avLst/>
+          </a:prstGeom>
+          <a:noFill/>
+        </p:spPr>
+        <p:txBody>
+          <a:bodyPr wrap="square">
+            <a:spAutoFit/>
+          </a:bodyPr>
+          <a:lstStyle/>
+          <a:p>
+            <a:r>
+              <a:rPr lang="en-US" dirty="0">
+                <a:latin typeface="Consolas" panose="020B0609020204030204" pitchFamily="49" charset="0"/>
+                <a:cs typeface="Consolas" panose="020B0609020204030204" pitchFamily="49" charset="0"/>
+              </a:rPr>
+              <a:t># Get all information from a package</a:t>
+            </a:r>
+          </a:p>
+          <a:p>
+            <a:r>
+              <a:rPr lang="en-US" dirty="0" err="1">
+                <a:latin typeface="Consolas" panose="020B0609020204030204" pitchFamily="49" charset="0"/>
+                <a:cs typeface="Consolas" panose="020B0609020204030204" pitchFamily="49" charset="0"/>
+              </a:rPr>
+              <a:t>bjs</a:t>
+            </a:r>
+            <a:r>
+              <a:rPr lang="en-US" dirty="0">
+                <a:latin typeface="Consolas" panose="020B0609020204030204" pitchFamily="49" charset="0"/>
+                <a:cs typeface="Consolas" panose="020B0609020204030204" pitchFamily="49" charset="0"/>
+              </a:rPr>
+              <a:t>  &lt;-</a:t>
+            </a:r>
+            <a:r>
+              <a:rPr lang="en-US" dirty="0">
+                <a:solidFill>
+                  <a:srgbClr val="DD1144"/>
+                </a:solidFill>
+                <a:effectLst/>
+                <a:latin typeface="Consolas" panose="020B0609020204030204" pitchFamily="49" charset="0"/>
+                <a:cs typeface="Consolas" panose="020B0609020204030204" pitchFamily="49" charset="0"/>
+              </a:rPr>
+              <a:t> </a:t>
+            </a:r>
+            <a:r>
+              <a:rPr lang="en-US" b="1" dirty="0" err="1">
+                <a:solidFill>
+                  <a:srgbClr val="555555"/>
+                </a:solidFill>
+                <a:effectLst/>
+                <a:latin typeface="Consolas" panose="020B0609020204030204" pitchFamily="49" charset="0"/>
+                <a:cs typeface="Consolas" panose="020B0609020204030204" pitchFamily="49" charset="0"/>
+              </a:rPr>
+              <a:t>mget</a:t>
+            </a:r>
+            <a:r>
+              <a:rPr lang="en-US" dirty="0">
+                <a:latin typeface="Consolas" panose="020B0609020204030204" pitchFamily="49" charset="0"/>
+                <a:cs typeface="Consolas" panose="020B0609020204030204" pitchFamily="49" charset="0"/>
+              </a:rPr>
+              <a:t>(</a:t>
+            </a:r>
+            <a:r>
+              <a:rPr lang="en-US" b="1" dirty="0">
+                <a:solidFill>
+                  <a:srgbClr val="555555"/>
+                </a:solidFill>
+                <a:effectLst/>
+                <a:latin typeface="Consolas" panose="020B0609020204030204" pitchFamily="49" charset="0"/>
+                <a:cs typeface="Consolas" panose="020B0609020204030204" pitchFamily="49" charset="0"/>
+              </a:rPr>
+              <a:t>ls</a:t>
+            </a:r>
+            <a:r>
+              <a:rPr lang="en-US" dirty="0">
+                <a:latin typeface="Consolas" panose="020B0609020204030204" pitchFamily="49" charset="0"/>
+                <a:cs typeface="Consolas" panose="020B0609020204030204" pitchFamily="49" charset="0"/>
+              </a:rPr>
+              <a:t>(</a:t>
+            </a:r>
+            <a:r>
+              <a:rPr lang="en-US" dirty="0">
+                <a:solidFill>
+                  <a:srgbClr val="DD1144"/>
+                </a:solidFill>
+                <a:effectLst/>
+                <a:latin typeface="Consolas" panose="020B0609020204030204" pitchFamily="49" charset="0"/>
+                <a:cs typeface="Consolas" panose="020B0609020204030204" pitchFamily="49" charset="0"/>
+              </a:rPr>
+              <a:t>"</a:t>
+            </a:r>
+            <a:r>
+              <a:rPr lang="en-US" dirty="0" err="1">
+                <a:solidFill>
+                  <a:srgbClr val="DD1144"/>
+                </a:solidFill>
+                <a:effectLst/>
+                <a:latin typeface="Consolas" panose="020B0609020204030204" pitchFamily="49" charset="0"/>
+                <a:cs typeface="Consolas" panose="020B0609020204030204" pitchFamily="49" charset="0"/>
+              </a:rPr>
+              <a:t>package:base</a:t>
+            </a:r>
+            <a:r>
+              <a:rPr lang="en-US" dirty="0">
+                <a:solidFill>
+                  <a:srgbClr val="DD1144"/>
+                </a:solidFill>
+                <a:effectLst/>
+                <a:latin typeface="Consolas" panose="020B0609020204030204" pitchFamily="49" charset="0"/>
+                <a:cs typeface="Consolas" panose="020B0609020204030204" pitchFamily="49" charset="0"/>
+              </a:rPr>
+              <a:t>"</a:t>
+            </a:r>
+            <a:r>
+              <a:rPr lang="en-US" dirty="0">
+                <a:latin typeface="Consolas" panose="020B0609020204030204" pitchFamily="49" charset="0"/>
+                <a:cs typeface="Consolas" panose="020B0609020204030204" pitchFamily="49" charset="0"/>
+              </a:rPr>
+              <a:t>), </a:t>
+            </a:r>
+            <a:r>
+              <a:rPr lang="en-US" dirty="0">
+                <a:solidFill>
+                  <a:srgbClr val="902000"/>
+                </a:solidFill>
+                <a:effectLst/>
+                <a:latin typeface="Consolas" panose="020B0609020204030204" pitchFamily="49" charset="0"/>
+                <a:cs typeface="Consolas" panose="020B0609020204030204" pitchFamily="49" charset="0"/>
+              </a:rPr>
+              <a:t>inherits =</a:t>
+            </a:r>
+            <a:r>
+              <a:rPr lang="en-US" dirty="0">
+                <a:latin typeface="Consolas" panose="020B0609020204030204" pitchFamily="49" charset="0"/>
+                <a:cs typeface="Consolas" panose="020B0609020204030204" pitchFamily="49" charset="0"/>
+              </a:rPr>
+              <a:t> </a:t>
+            </a:r>
+            <a:r>
+              <a:rPr lang="en-US" dirty="0">
+                <a:solidFill>
+                  <a:srgbClr val="007020"/>
+                </a:solidFill>
+                <a:effectLst/>
+                <a:latin typeface="Consolas" panose="020B0609020204030204" pitchFamily="49" charset="0"/>
+                <a:cs typeface="Consolas" panose="020B0609020204030204" pitchFamily="49" charset="0"/>
+              </a:rPr>
+              <a:t>TRUE</a:t>
+            </a:r>
+            <a:r>
+              <a:rPr lang="en-US" dirty="0">
+                <a:latin typeface="Consolas" panose="020B0609020204030204" pitchFamily="49" charset="0"/>
+                <a:cs typeface="Consolas" panose="020B0609020204030204" pitchFamily="49" charset="0"/>
+              </a:rPr>
+              <a:t>) </a:t>
+            </a:r>
+          </a:p>
+          <a:p>
+            <a:endParaRPr lang="en-US" dirty="0">
+              <a:latin typeface="Consolas" panose="020B0609020204030204" pitchFamily="49" charset="0"/>
+              <a:cs typeface="Consolas" panose="020B0609020204030204" pitchFamily="49" charset="0"/>
+            </a:endParaRPr>
+          </a:p>
+          <a:p>
+            <a:r>
+              <a:rPr lang="en-US" dirty="0">
+                <a:latin typeface="Consolas" panose="020B0609020204030204" pitchFamily="49" charset="0"/>
+                <a:cs typeface="Consolas" panose="020B0609020204030204" pitchFamily="49" charset="0"/>
+              </a:rPr>
+              <a:t># Filter down to just function class objects</a:t>
+            </a:r>
+          </a:p>
+          <a:p>
+            <a:r>
+              <a:rPr lang="en-US" dirty="0">
+                <a:latin typeface="Consolas" panose="020B0609020204030204" pitchFamily="49" charset="0"/>
+                <a:cs typeface="Consolas" panose="020B0609020204030204" pitchFamily="49" charset="0"/>
+              </a:rPr>
+              <a:t>funs &lt;-</a:t>
+            </a:r>
+            <a:r>
+              <a:rPr lang="en-US" dirty="0">
+                <a:solidFill>
+                  <a:srgbClr val="DD1144"/>
+                </a:solidFill>
+                <a:effectLst/>
+                <a:latin typeface="Consolas" panose="020B0609020204030204" pitchFamily="49" charset="0"/>
+                <a:cs typeface="Consolas" panose="020B0609020204030204" pitchFamily="49" charset="0"/>
+              </a:rPr>
+              <a:t> </a:t>
+            </a:r>
+            <a:r>
+              <a:rPr lang="en-US" b="1" dirty="0">
+                <a:solidFill>
+                  <a:srgbClr val="555555"/>
+                </a:solidFill>
+                <a:effectLst/>
+                <a:latin typeface="Consolas" panose="020B0609020204030204" pitchFamily="49" charset="0"/>
+                <a:cs typeface="Consolas" panose="020B0609020204030204" pitchFamily="49" charset="0"/>
+              </a:rPr>
+              <a:t>Filter</a:t>
+            </a:r>
+            <a:r>
+              <a:rPr lang="en-US" dirty="0">
+                <a:latin typeface="Consolas" panose="020B0609020204030204" pitchFamily="49" charset="0"/>
+                <a:cs typeface="Consolas" panose="020B0609020204030204" pitchFamily="49" charset="0"/>
+              </a:rPr>
+              <a:t>(</a:t>
+            </a:r>
+            <a:r>
+              <a:rPr lang="en-US" dirty="0" err="1">
+                <a:latin typeface="Consolas" panose="020B0609020204030204" pitchFamily="49" charset="0"/>
+                <a:cs typeface="Consolas" panose="020B0609020204030204" pitchFamily="49" charset="0"/>
+              </a:rPr>
+              <a:t>is.function</a:t>
+            </a:r>
+            <a:r>
+              <a:rPr lang="en-US" dirty="0">
+                <a:latin typeface="Consolas" panose="020B0609020204030204" pitchFamily="49" charset="0"/>
+                <a:cs typeface="Consolas" panose="020B0609020204030204" pitchFamily="49" charset="0"/>
+              </a:rPr>
+              <a:t>, </a:t>
+            </a:r>
+            <a:r>
+              <a:rPr lang="en-US" dirty="0" err="1">
+                <a:latin typeface="Consolas" panose="020B0609020204030204" pitchFamily="49" charset="0"/>
+                <a:cs typeface="Consolas" panose="020B0609020204030204" pitchFamily="49" charset="0"/>
+              </a:rPr>
+              <a:t>objs</a:t>
+            </a:r>
+            <a:r>
+              <a:rPr lang="en-US" dirty="0">
+                <a:latin typeface="Consolas" panose="020B0609020204030204" pitchFamily="49" charset="0"/>
+                <a:cs typeface="Consolas" panose="020B0609020204030204" pitchFamily="49" charset="0"/>
+              </a:rPr>
+              <a:t>)</a:t>
+            </a:r>
+          </a:p>
+        </p:txBody>
+      </p:sp>
+      <p:sp>
+        <p:nvSpPr>
+          <p:cNvPr id="8" name="Rectangle 7">
+            <a:extLst>
+              <a:ext uri="{FF2B5EF4-FFF2-40B4-BE49-F238E27FC236}">
+                <a16:creationId xmlns:a16="http://schemas.microsoft.com/office/drawing/2014/main" id="{42E4A7D5-1DFA-F939-3152-C5EF373663D6}"/>
+              </a:ext>
+            </a:extLst>
+          </p:cNvPr>
+          <p:cNvSpPr/>
+          <p:nvPr/>
+        </p:nvSpPr>
+        <p:spPr>
+          <a:xfrm>
+            <a:off x="240631" y="5345069"/>
+            <a:ext cx="8686800" cy="614371"/>
+          </a:xfrm>
+          <a:prstGeom prst="rect">
+            <a:avLst/>
+          </a:prstGeom>
+          <a:solidFill>
+            <a:schemeClr val="accent2"/>
+          </a:solidFill>
+          <a:ln>
+            <a:noFill/>
+          </a:ln>
+        </p:spPr>
+        <p:style>
+          <a:lnRef idx="2">
+            <a:schemeClr val="accent1">
+              <a:shade val="50000"/>
+            </a:schemeClr>
+          </a:lnRef>
+          <a:fillRef idx="1">
+            <a:schemeClr val="accent1"/>
+          </a:fillRef>
+          <a:effectRef idx="0">
+            <a:schemeClr val="accent1"/>
+          </a:effectRef>
+          <a:fontRef idx="minor">
+            <a:schemeClr val="lt1"/>
+          </a:fontRef>
+        </p:style>
+        <p:txBody>
+          <a:bodyPr rtlCol="0" anchor="ctr"/>
+          <a:lstStyle/>
+          <a:p>
+            <a:pPr algn="ctr"/>
+            <a:r>
+              <a:rPr lang="en-US" sz="2400" dirty="0">
+                <a:solidFill>
+                  <a:schemeClr val="bg1"/>
+                </a:solidFill>
+              </a:rPr>
+              <a:t>It’s easier to look at package documentation.</a:t>
+            </a:r>
+            <a:endParaRPr lang="en-US" sz="2400" b="1" u="sng" dirty="0">
+              <a:solidFill>
+                <a:schemeClr val="accent1"/>
+              </a:solidFill>
+            </a:endParaRPr>
+          </a:p>
+        </p:txBody>
+      </p:sp>
+    </p:spTree>
+    <p:extLst>
+      <p:ext uri="{BB962C8B-B14F-4D97-AF65-F5344CB8AC3E}">
+        <p14:creationId xmlns:p14="http://schemas.microsoft.com/office/powerpoint/2010/main" val="4265851707"/>
+      </p:ext>
+    </p:extLst>
+  </p:cSld>
+  <p:clrMapOvr>
+    <a:masterClrMapping/>
+  </p:clrMapOvr>
+</p:sld>
+</file>
+
+<file path=ppt/slides/slide14.xml><?xml version="1.0" encoding="utf-8"?>
+<p:sld xmlns:a="http://schemas.openxmlformats.org/drawingml/2006/main" xmlns:r="http://schemas.openxmlformats.org/officeDocument/2006/relationships" xmlns:p="http://schemas.openxmlformats.org/presentationml/2006/main">
+  <p:cSld>
+    <p:spTree>
+      <p:nvGrpSpPr>
+        <p:cNvPr id="1" name=""/>
+        <p:cNvGrpSpPr/>
+        <p:nvPr/>
+      </p:nvGrpSpPr>
+      <p:grpSpPr>
+        <a:xfrm>
+          <a:off x="0" y="0"/>
+          <a:ext cx="0" cy="0"/>
+          <a:chOff x="0" y="0"/>
+          <a:chExt cx="0" cy="0"/>
+        </a:xfrm>
+      </p:grpSpPr>
+      <p:sp>
+        <p:nvSpPr>
+          <p:cNvPr id="2" name="Date Placeholder 1">
+            <a:extLst>
+              <a:ext uri="{FF2B5EF4-FFF2-40B4-BE49-F238E27FC236}">
+                <a16:creationId xmlns:a16="http://schemas.microsoft.com/office/drawing/2014/main" id="{FCB4674F-741C-AF0E-D421-E6517F2133AE}"/>
+              </a:ext>
+            </a:extLst>
+          </p:cNvPr>
+          <p:cNvSpPr>
+            <a:spLocks noGrp="1"/>
+          </p:cNvSpPr>
+          <p:nvPr>
+            <p:ph type="dt" sz="half" idx="10"/>
+          </p:nvPr>
+        </p:nvSpPr>
+        <p:spPr/>
+        <p:txBody>
+          <a:bodyPr/>
+          <a:lstStyle/>
+          <a:p>
+            <a:fld id="{6700A58B-DD98-43D0-B791-721480A02982}" type="datetime1">
+              <a:rPr lang="en-US" smtClean="0"/>
+              <a:t>5/19/23</a:t>
+            </a:fld>
+            <a:endParaRPr lang="en-US"/>
+          </a:p>
+        </p:txBody>
+      </p:sp>
+      <p:sp>
+        <p:nvSpPr>
+          <p:cNvPr id="3" name="Title 2">
+            <a:extLst>
+              <a:ext uri="{FF2B5EF4-FFF2-40B4-BE49-F238E27FC236}">
+                <a16:creationId xmlns:a16="http://schemas.microsoft.com/office/drawing/2014/main" id="{B84C27C9-961E-8655-D698-614DF737DB66}"/>
+              </a:ext>
+            </a:extLst>
+          </p:cNvPr>
+          <p:cNvSpPr>
+            <a:spLocks noGrp="1"/>
+          </p:cNvSpPr>
+          <p:nvPr>
+            <p:ph type="title"/>
+          </p:nvPr>
+        </p:nvSpPr>
+        <p:spPr>
+          <a:xfrm>
+            <a:off x="236483" y="365126"/>
+            <a:ext cx="8702565" cy="591477"/>
+          </a:xfrm>
+        </p:spPr>
+        <p:txBody>
+          <a:bodyPr/>
+          <a:lstStyle/>
+          <a:p>
+            <a:r>
+              <a:rPr lang="en-US" sz="2400" dirty="0"/>
+              <a:t>As you get more advanced you will need to make custom functions</a:t>
+            </a:r>
+          </a:p>
+        </p:txBody>
+      </p:sp>
+      <p:sp>
+        <p:nvSpPr>
+          <p:cNvPr id="4" name="Slide Number Placeholder 3">
+            <a:extLst>
+              <a:ext uri="{FF2B5EF4-FFF2-40B4-BE49-F238E27FC236}">
+                <a16:creationId xmlns:a16="http://schemas.microsoft.com/office/drawing/2014/main" id="{86A5BAF0-4B20-2D1E-85A8-E1ECA717B094}"/>
+              </a:ext>
+            </a:extLst>
+          </p:cNvPr>
+          <p:cNvSpPr>
+            <a:spLocks noGrp="1"/>
+          </p:cNvSpPr>
+          <p:nvPr>
+            <p:ph type="sldNum" sz="quarter" idx="12"/>
+          </p:nvPr>
+        </p:nvSpPr>
+        <p:spPr/>
+        <p:txBody>
+          <a:bodyPr/>
+          <a:lstStyle/>
+          <a:p>
+            <a:fld id="{37290FF7-652B-4475-AEAB-8B1A5D23AE09}" type="slidenum">
+              <a:rPr lang="en-US" smtClean="0"/>
+              <a:t>14</a:t>
+            </a:fld>
+            <a:endParaRPr lang="en-US"/>
+          </a:p>
+        </p:txBody>
+      </p:sp>
+      <p:sp>
+        <p:nvSpPr>
+          <p:cNvPr id="5" name="Footer Placeholder 4">
+            <a:extLst>
+              <a:ext uri="{FF2B5EF4-FFF2-40B4-BE49-F238E27FC236}">
+                <a16:creationId xmlns:a16="http://schemas.microsoft.com/office/drawing/2014/main" id="{34B382AB-0CBC-9DDF-559B-973887ABA128}"/>
+              </a:ext>
+            </a:extLst>
+          </p:cNvPr>
+          <p:cNvSpPr>
+            <a:spLocks noGrp="1"/>
+          </p:cNvSpPr>
+          <p:nvPr>
+            <p:ph type="ftr" sz="quarter" idx="3"/>
+          </p:nvPr>
+        </p:nvSpPr>
+        <p:spPr/>
+        <p:txBody>
+          <a:bodyPr/>
+          <a:lstStyle/>
+          <a:p>
+            <a:r>
+              <a:rPr lang="en-US"/>
+              <a:t>Kwartler</a:t>
+            </a:r>
+            <a:endParaRPr lang="en-US" dirty="0"/>
+          </a:p>
+        </p:txBody>
+      </p:sp>
+      <p:sp>
+        <p:nvSpPr>
+          <p:cNvPr id="6" name="TextBox 5">
+            <a:extLst>
+              <a:ext uri="{FF2B5EF4-FFF2-40B4-BE49-F238E27FC236}">
+                <a16:creationId xmlns:a16="http://schemas.microsoft.com/office/drawing/2014/main" id="{324EA006-6D72-B1CA-BBF7-977701C99FED}"/>
+              </a:ext>
+            </a:extLst>
+          </p:cNvPr>
+          <p:cNvSpPr txBox="1"/>
+          <p:nvPr/>
+        </p:nvSpPr>
+        <p:spPr>
+          <a:xfrm>
+            <a:off x="236483" y="2502315"/>
+            <a:ext cx="3856640" cy="1754326"/>
+          </a:xfrm>
+          <a:prstGeom prst="rect">
+            <a:avLst/>
+          </a:prstGeom>
+          <a:noFill/>
+        </p:spPr>
+        <p:txBody>
+          <a:bodyPr wrap="square">
+            <a:spAutoFit/>
+          </a:bodyPr>
+          <a:lstStyle/>
+          <a:p>
+            <a:pPr marL="285750" indent="-285750">
+              <a:buFont typeface="Arial" panose="020B0604020202020204" pitchFamily="34" charset="0"/>
+              <a:buChar char="•"/>
+            </a:pPr>
+            <a:r>
+              <a:rPr lang="en-US" dirty="0">
+                <a:cs typeface="Consolas" panose="020B0609020204030204" pitchFamily="49" charset="0"/>
+              </a:rPr>
+              <a:t>Makes code reusable</a:t>
+            </a:r>
+          </a:p>
+          <a:p>
+            <a:pPr marL="285750" indent="-285750">
+              <a:buFont typeface="Arial" panose="020B0604020202020204" pitchFamily="34" charset="0"/>
+              <a:buChar char="•"/>
+            </a:pPr>
+            <a:r>
+              <a:rPr lang="en-US" dirty="0">
+                <a:cs typeface="Consolas" panose="020B0609020204030204" pitchFamily="49" charset="0"/>
+              </a:rPr>
+              <a:t>More robust/less error prone because code is consistently applied </a:t>
+            </a:r>
+            <a:r>
+              <a:rPr lang="en-US" i="1" dirty="0">
+                <a:cs typeface="Consolas" panose="020B0609020204030204" pitchFamily="49" charset="0"/>
+              </a:rPr>
+              <a:t>–no more copy/paste</a:t>
+            </a:r>
+          </a:p>
+          <a:p>
+            <a:pPr marL="285750" indent="-285750">
+              <a:buFont typeface="Arial" panose="020B0604020202020204" pitchFamily="34" charset="0"/>
+              <a:buChar char="•"/>
+            </a:pPr>
+            <a:r>
+              <a:rPr lang="en-US" dirty="0">
+                <a:cs typeface="Consolas" panose="020B0609020204030204" pitchFamily="49" charset="0"/>
+              </a:rPr>
+              <a:t>Readability/auditing is easier</a:t>
+            </a:r>
+          </a:p>
+          <a:p>
+            <a:endParaRPr lang="en-US" dirty="0">
+              <a:cs typeface="Consolas" panose="020B0609020204030204" pitchFamily="49" charset="0"/>
+            </a:endParaRPr>
+          </a:p>
+        </p:txBody>
+      </p:sp>
+      <p:sp>
+        <p:nvSpPr>
+          <p:cNvPr id="8" name="TextBox 7">
+            <a:extLst>
+              <a:ext uri="{FF2B5EF4-FFF2-40B4-BE49-F238E27FC236}">
+                <a16:creationId xmlns:a16="http://schemas.microsoft.com/office/drawing/2014/main" id="{E3C572F6-8760-1F04-D7D2-E3442C4ADA2B}"/>
+              </a:ext>
+            </a:extLst>
+          </p:cNvPr>
+          <p:cNvSpPr txBox="1"/>
+          <p:nvPr/>
+        </p:nvSpPr>
+        <p:spPr>
+          <a:xfrm>
+            <a:off x="3566044" y="6100396"/>
+            <a:ext cx="5440913" cy="400110"/>
+          </a:xfrm>
+          <a:prstGeom prst="rect">
+            <a:avLst/>
+          </a:prstGeom>
+          <a:noFill/>
+        </p:spPr>
+        <p:txBody>
+          <a:bodyPr wrap="none" rtlCol="0">
+            <a:spAutoFit/>
+          </a:bodyPr>
+          <a:lstStyle/>
+          <a:p>
+            <a:pPr algn="r"/>
+            <a:r>
+              <a:rPr lang="en-US" sz="1000" dirty="0"/>
+              <a:t>Stable Diffusion w/</a:t>
+            </a:r>
+            <a:r>
+              <a:rPr lang="en-US" sz="1000" dirty="0" err="1"/>
+              <a:t>inkpunk</a:t>
+            </a:r>
+            <a:endParaRPr lang="en-US" sz="1000" dirty="0"/>
+          </a:p>
+          <a:p>
+            <a:pPr algn="r"/>
+            <a:r>
+              <a:rPr lang="en-US" sz="1000" dirty="0"/>
+              <a:t>computer wizard data scientist, photorealistic, , Realistic, Realistic, Canon50, Dynamic Lighting, funny</a:t>
+            </a:r>
+          </a:p>
+        </p:txBody>
+      </p:sp>
+      <p:pic>
+        <p:nvPicPr>
+          <p:cNvPr id="9" name="Picture 8">
+            <a:extLst>
+              <a:ext uri="{FF2B5EF4-FFF2-40B4-BE49-F238E27FC236}">
+                <a16:creationId xmlns:a16="http://schemas.microsoft.com/office/drawing/2014/main" id="{BD438BEF-DA25-ECA0-EB7F-8529ADB70407}"/>
+              </a:ext>
+            </a:extLst>
+          </p:cNvPr>
+          <p:cNvPicPr>
+            <a:picLocks noChangeAspect="1"/>
+          </p:cNvPicPr>
+          <p:nvPr/>
+        </p:nvPicPr>
+        <p:blipFill>
+          <a:blip r:embed="rId2"/>
+          <a:stretch>
+            <a:fillRect/>
+          </a:stretch>
+        </p:blipFill>
+        <p:spPr>
+          <a:xfrm>
+            <a:off x="4469483" y="1658002"/>
+            <a:ext cx="4469565" cy="4477407"/>
+          </a:xfrm>
+          <a:prstGeom prst="rect">
+            <a:avLst/>
+          </a:prstGeom>
+        </p:spPr>
+      </p:pic>
+    </p:spTree>
+    <p:extLst>
+      <p:ext uri="{BB962C8B-B14F-4D97-AF65-F5344CB8AC3E}">
+        <p14:creationId xmlns:p14="http://schemas.microsoft.com/office/powerpoint/2010/main" val="3270194625"/>
+      </p:ext>
+    </p:extLst>
+  </p:cSld>
+  <p:clrMapOvr>
+    <a:masterClrMapping/>
+  </p:clrMapOvr>
+</p:sld>
+</file>
+
+<file path=ppt/slides/slide15.xml><?xml version="1.0" encoding="utf-8"?>
+<p:sld xmlns:a="http://schemas.openxmlformats.org/drawingml/2006/main" xmlns:r="http://schemas.openxmlformats.org/officeDocument/2006/relationships" xmlns:p="http://schemas.openxmlformats.org/presentationml/2006/main">
+  <p:cSld>
+    <p:spTree>
+      <p:nvGrpSpPr>
+        <p:cNvPr id="1" name=""/>
+        <p:cNvGrpSpPr/>
+        <p:nvPr/>
+      </p:nvGrpSpPr>
+      <p:grpSpPr>
+        <a:xfrm>
+          <a:off x="0" y="0"/>
+          <a:ext cx="0" cy="0"/>
+          <a:chOff x="0" y="0"/>
+          <a:chExt cx="0" cy="0"/>
+        </a:xfrm>
+      </p:grpSpPr>
+      <p:sp>
+        <p:nvSpPr>
+          <p:cNvPr id="2" name="Date Placeholder 1">
+            <a:extLst>
+              <a:ext uri="{FF2B5EF4-FFF2-40B4-BE49-F238E27FC236}">
+                <a16:creationId xmlns:a16="http://schemas.microsoft.com/office/drawing/2014/main" id="{FAA016B5-48EA-2E87-A21F-A3AE2A7160A1}"/>
+              </a:ext>
+            </a:extLst>
+          </p:cNvPr>
+          <p:cNvSpPr>
+            <a:spLocks noGrp="1"/>
+          </p:cNvSpPr>
+          <p:nvPr>
+            <p:ph type="dt" sz="half" idx="10"/>
+          </p:nvPr>
+        </p:nvSpPr>
+        <p:spPr/>
+        <p:txBody>
+          <a:bodyPr/>
+          <a:lstStyle/>
+          <a:p>
+            <a:fld id="{6700A58B-DD98-43D0-B791-721480A02982}" type="datetime1">
+              <a:rPr lang="en-US" smtClean="0"/>
+              <a:t>5/19/23</a:t>
+            </a:fld>
+            <a:endParaRPr lang="en-US"/>
+          </a:p>
+        </p:txBody>
+      </p:sp>
+      <p:sp>
+        <p:nvSpPr>
+          <p:cNvPr id="3" name="Title 2">
+            <a:extLst>
+              <a:ext uri="{FF2B5EF4-FFF2-40B4-BE49-F238E27FC236}">
+                <a16:creationId xmlns:a16="http://schemas.microsoft.com/office/drawing/2014/main" id="{E513B9B7-ECCB-9FCE-B357-07990A6B6105}"/>
+              </a:ext>
+            </a:extLst>
+          </p:cNvPr>
+          <p:cNvSpPr>
+            <a:spLocks noGrp="1"/>
+          </p:cNvSpPr>
+          <p:nvPr>
+            <p:ph type="title"/>
+          </p:nvPr>
+        </p:nvSpPr>
+        <p:spPr/>
+        <p:txBody>
+          <a:bodyPr/>
+          <a:lstStyle/>
+          <a:p>
+            <a:r>
+              <a:rPr lang="en-US" dirty="0"/>
+              <a:t>Components to make a function</a:t>
+            </a:r>
+          </a:p>
+        </p:txBody>
+      </p:sp>
+      <p:sp>
+        <p:nvSpPr>
+          <p:cNvPr id="4" name="Slide Number Placeholder 3">
+            <a:extLst>
+              <a:ext uri="{FF2B5EF4-FFF2-40B4-BE49-F238E27FC236}">
+                <a16:creationId xmlns:a16="http://schemas.microsoft.com/office/drawing/2014/main" id="{CC0BD786-2B7D-F097-F10F-B4DC00166FAA}"/>
+              </a:ext>
+            </a:extLst>
+          </p:cNvPr>
+          <p:cNvSpPr>
+            <a:spLocks noGrp="1"/>
+          </p:cNvSpPr>
+          <p:nvPr>
+            <p:ph type="sldNum" sz="quarter" idx="12"/>
+          </p:nvPr>
+        </p:nvSpPr>
+        <p:spPr/>
+        <p:txBody>
+          <a:bodyPr/>
+          <a:lstStyle/>
+          <a:p>
+            <a:fld id="{37290FF7-652B-4475-AEAB-8B1A5D23AE09}" type="slidenum">
+              <a:rPr lang="en-US" smtClean="0"/>
+              <a:t>15</a:t>
+            </a:fld>
+            <a:endParaRPr lang="en-US"/>
+          </a:p>
+        </p:txBody>
+      </p:sp>
+      <p:sp>
+        <p:nvSpPr>
+          <p:cNvPr id="5" name="Footer Placeholder 4">
+            <a:extLst>
+              <a:ext uri="{FF2B5EF4-FFF2-40B4-BE49-F238E27FC236}">
+                <a16:creationId xmlns:a16="http://schemas.microsoft.com/office/drawing/2014/main" id="{03ACA81F-6EEA-0A72-8447-488864950092}"/>
+              </a:ext>
+            </a:extLst>
+          </p:cNvPr>
+          <p:cNvSpPr>
+            <a:spLocks noGrp="1"/>
+          </p:cNvSpPr>
+          <p:nvPr>
+            <p:ph type="ftr" sz="quarter" idx="3"/>
+          </p:nvPr>
+        </p:nvSpPr>
+        <p:spPr/>
+        <p:txBody>
+          <a:bodyPr/>
+          <a:lstStyle/>
+          <a:p>
+            <a:r>
+              <a:rPr lang="en-US"/>
+              <a:t>Kwartler</a:t>
+            </a:r>
+            <a:endParaRPr lang="en-US" dirty="0"/>
+          </a:p>
+        </p:txBody>
+      </p:sp>
+      <p:sp>
+        <p:nvSpPr>
+          <p:cNvPr id="6" name="Rectangle 5">
+            <a:extLst>
+              <a:ext uri="{FF2B5EF4-FFF2-40B4-BE49-F238E27FC236}">
+                <a16:creationId xmlns:a16="http://schemas.microsoft.com/office/drawing/2014/main" id="{7E1259A0-4325-D0EB-CE79-7D09DB7D4420}"/>
+              </a:ext>
+            </a:extLst>
+          </p:cNvPr>
+          <p:cNvSpPr/>
+          <p:nvPr/>
+        </p:nvSpPr>
+        <p:spPr>
+          <a:xfrm>
+            <a:off x="767091" y="1844288"/>
+            <a:ext cx="1298192" cy="591478"/>
+          </a:xfrm>
+          <a:prstGeom prst="rect">
+            <a:avLst/>
+          </a:prstGeom>
+          <a:solidFill>
+            <a:schemeClr val="accent6"/>
+          </a:solidFill>
+          <a:ln>
+            <a:noFill/>
+          </a:ln>
+        </p:spPr>
+        <p:style>
+          <a:lnRef idx="2">
+            <a:schemeClr val="accent1">
+              <a:shade val="50000"/>
+            </a:schemeClr>
+          </a:lnRef>
+          <a:fillRef idx="1">
+            <a:schemeClr val="accent1"/>
+          </a:fillRef>
+          <a:effectRef idx="0">
+            <a:schemeClr val="accent1"/>
+          </a:effectRef>
+          <a:fontRef idx="minor">
+            <a:schemeClr val="lt1"/>
+          </a:fontRef>
+        </p:style>
+        <p:txBody>
+          <a:bodyPr rot="0" spcFirstLastPara="0" vertOverflow="overflow" horzOverflow="overflow" vert="horz" wrap="square" lIns="91440" tIns="45720" rIns="91440" bIns="45720" numCol="1" spcCol="0" rtlCol="0" fromWordArt="0" anchor="ctr" anchorCtr="0" forceAA="0" compatLnSpc="1">
+            <a:prstTxWarp prst="textNoShape">
+              <a:avLst/>
+            </a:prstTxWarp>
+            <a:noAutofit/>
+          </a:bodyPr>
+          <a:lstStyle/>
+          <a:p>
+            <a:pPr algn="ctr"/>
+            <a:r>
+              <a:rPr lang="en-US" sz="2000" u="sng" dirty="0">
+                <a:solidFill>
+                  <a:schemeClr val="bg1"/>
+                </a:solidFill>
+              </a:rPr>
+              <a:t>1. Name it</a:t>
+            </a:r>
+            <a:endParaRPr lang="en-US" sz="2000" dirty="0">
+              <a:solidFill>
+                <a:schemeClr val="bg1"/>
+              </a:solidFill>
+            </a:endParaRPr>
+          </a:p>
+        </p:txBody>
+      </p:sp>
+      <p:sp>
+        <p:nvSpPr>
+          <p:cNvPr id="7" name="TextBox 6">
+            <a:extLst>
+              <a:ext uri="{FF2B5EF4-FFF2-40B4-BE49-F238E27FC236}">
+                <a16:creationId xmlns:a16="http://schemas.microsoft.com/office/drawing/2014/main" id="{A34F6F4C-0F21-E3A9-6D11-D6E45B060394}"/>
+              </a:ext>
+            </a:extLst>
+          </p:cNvPr>
+          <p:cNvSpPr txBox="1"/>
+          <p:nvPr/>
+        </p:nvSpPr>
+        <p:spPr>
+          <a:xfrm>
+            <a:off x="2164094" y="1844288"/>
+            <a:ext cx="776175" cy="523220"/>
+          </a:xfrm>
+          <a:prstGeom prst="rect">
+            <a:avLst/>
+          </a:prstGeom>
+          <a:noFill/>
+        </p:spPr>
+        <p:txBody>
+          <a:bodyPr wrap="none" rtlCol="0">
+            <a:spAutoFit/>
+          </a:bodyPr>
+          <a:lstStyle/>
+          <a:p>
+            <a:r>
+              <a:rPr lang="en-US" sz="2800" dirty="0">
+                <a:latin typeface="Consolas" panose="020B0609020204030204" pitchFamily="49" charset="0"/>
+                <a:cs typeface="Consolas" panose="020B0609020204030204" pitchFamily="49" charset="0"/>
+              </a:rPr>
+              <a:t>&lt;- </a:t>
+            </a:r>
+          </a:p>
+        </p:txBody>
+      </p:sp>
+      <p:sp>
+        <p:nvSpPr>
+          <p:cNvPr id="8" name="Rectangle 7">
+            <a:extLst>
+              <a:ext uri="{FF2B5EF4-FFF2-40B4-BE49-F238E27FC236}">
+                <a16:creationId xmlns:a16="http://schemas.microsoft.com/office/drawing/2014/main" id="{57CC4192-19F6-E105-4B2F-F48516BD1050}"/>
+              </a:ext>
+            </a:extLst>
+          </p:cNvPr>
+          <p:cNvSpPr/>
+          <p:nvPr/>
+        </p:nvSpPr>
+        <p:spPr>
+          <a:xfrm>
+            <a:off x="240631" y="5345069"/>
+            <a:ext cx="8686800" cy="943024"/>
+          </a:xfrm>
+          <a:prstGeom prst="rect">
+            <a:avLst/>
+          </a:prstGeom>
+          <a:solidFill>
+            <a:schemeClr val="accent2"/>
+          </a:solidFill>
+          <a:ln>
+            <a:noFill/>
+          </a:ln>
+        </p:spPr>
+        <p:style>
+          <a:lnRef idx="2">
+            <a:schemeClr val="accent1">
+              <a:shade val="50000"/>
+            </a:schemeClr>
+          </a:lnRef>
+          <a:fillRef idx="1">
+            <a:schemeClr val="accent1"/>
+          </a:fillRef>
+          <a:effectRef idx="0">
+            <a:schemeClr val="accent1"/>
+          </a:effectRef>
+          <a:fontRef idx="minor">
+            <a:schemeClr val="lt1"/>
+          </a:fontRef>
+        </p:style>
+        <p:txBody>
+          <a:bodyPr rtlCol="0" anchor="ctr"/>
+          <a:lstStyle/>
+          <a:p>
+            <a:pPr algn="ctr"/>
+            <a:r>
+              <a:rPr lang="en-US" sz="1600" dirty="0">
+                <a:solidFill>
+                  <a:schemeClr val="bg1"/>
+                </a:solidFill>
+              </a:rPr>
+              <a:t>Best practices: </a:t>
+            </a:r>
+          </a:p>
+          <a:p>
+            <a:pPr algn="ctr"/>
+            <a:r>
+              <a:rPr lang="en-US" sz="1600" dirty="0">
+                <a:solidFill>
+                  <a:schemeClr val="bg1"/>
+                </a:solidFill>
+              </a:rPr>
+              <a:t>Use a verb for the action its doing.</a:t>
+            </a:r>
+          </a:p>
+          <a:p>
+            <a:pPr algn="ctr"/>
+            <a:r>
+              <a:rPr lang="en-US" sz="1600" dirty="0">
+                <a:solidFill>
+                  <a:schemeClr val="bg1"/>
+                </a:solidFill>
+              </a:rPr>
+              <a:t>Use something descriptive/non-generic. </a:t>
+            </a:r>
+            <a:endParaRPr lang="en-US" sz="1600" b="1" u="sng" dirty="0">
+              <a:solidFill>
+                <a:schemeClr val="accent1"/>
+              </a:solidFill>
+            </a:endParaRPr>
+          </a:p>
+        </p:txBody>
+      </p:sp>
+    </p:spTree>
+    <p:extLst>
+      <p:ext uri="{BB962C8B-B14F-4D97-AF65-F5344CB8AC3E}">
+        <p14:creationId xmlns:p14="http://schemas.microsoft.com/office/powerpoint/2010/main" val="3685761661"/>
+      </p:ext>
+    </p:extLst>
+  </p:cSld>
+  <p:clrMapOvr>
+    <a:masterClrMapping/>
+  </p:clrMapOvr>
+</p:sld>
+</file>
+
+<file path=ppt/slides/slide16.xml><?xml version="1.0" encoding="utf-8"?>
+<p:sld xmlns:a="http://schemas.openxmlformats.org/drawingml/2006/main" xmlns:r="http://schemas.openxmlformats.org/officeDocument/2006/relationships" xmlns:p="http://schemas.openxmlformats.org/presentationml/2006/main">
+  <p:cSld>
+    <p:spTree>
+      <p:nvGrpSpPr>
+        <p:cNvPr id="1" name=""/>
+        <p:cNvGrpSpPr/>
+        <p:nvPr/>
+      </p:nvGrpSpPr>
+      <p:grpSpPr>
+        <a:xfrm>
+          <a:off x="0" y="0"/>
+          <a:ext cx="0" cy="0"/>
+          <a:chOff x="0" y="0"/>
+          <a:chExt cx="0" cy="0"/>
+        </a:xfrm>
+      </p:grpSpPr>
+      <p:sp>
+        <p:nvSpPr>
+          <p:cNvPr id="2" name="Date Placeholder 1">
+            <a:extLst>
+              <a:ext uri="{FF2B5EF4-FFF2-40B4-BE49-F238E27FC236}">
+                <a16:creationId xmlns:a16="http://schemas.microsoft.com/office/drawing/2014/main" id="{FAA016B5-48EA-2E87-A21F-A3AE2A7160A1}"/>
+              </a:ext>
+            </a:extLst>
+          </p:cNvPr>
+          <p:cNvSpPr>
+            <a:spLocks noGrp="1"/>
+          </p:cNvSpPr>
+          <p:nvPr>
+            <p:ph type="dt" sz="half" idx="10"/>
+          </p:nvPr>
+        </p:nvSpPr>
+        <p:spPr/>
+        <p:txBody>
+          <a:bodyPr/>
+          <a:lstStyle/>
+          <a:p>
+            <a:fld id="{6700A58B-DD98-43D0-B791-721480A02982}" type="datetime1">
+              <a:rPr lang="en-US" smtClean="0"/>
+              <a:t>5/19/23</a:t>
+            </a:fld>
+            <a:endParaRPr lang="en-US"/>
+          </a:p>
+        </p:txBody>
+      </p:sp>
+      <p:sp>
+        <p:nvSpPr>
+          <p:cNvPr id="3" name="Title 2">
+            <a:extLst>
+              <a:ext uri="{FF2B5EF4-FFF2-40B4-BE49-F238E27FC236}">
+                <a16:creationId xmlns:a16="http://schemas.microsoft.com/office/drawing/2014/main" id="{E513B9B7-ECCB-9FCE-B357-07990A6B6105}"/>
+              </a:ext>
+            </a:extLst>
+          </p:cNvPr>
+          <p:cNvSpPr>
+            <a:spLocks noGrp="1"/>
+          </p:cNvSpPr>
+          <p:nvPr>
+            <p:ph type="title"/>
+          </p:nvPr>
+        </p:nvSpPr>
+        <p:spPr/>
+        <p:txBody>
+          <a:bodyPr/>
+          <a:lstStyle/>
+          <a:p>
+            <a:r>
+              <a:rPr lang="en-US" dirty="0"/>
+              <a:t>Declare it as a function with inputs</a:t>
+            </a:r>
+          </a:p>
+        </p:txBody>
+      </p:sp>
+      <p:sp>
+        <p:nvSpPr>
+          <p:cNvPr id="4" name="Slide Number Placeholder 3">
+            <a:extLst>
+              <a:ext uri="{FF2B5EF4-FFF2-40B4-BE49-F238E27FC236}">
+                <a16:creationId xmlns:a16="http://schemas.microsoft.com/office/drawing/2014/main" id="{CC0BD786-2B7D-F097-F10F-B4DC00166FAA}"/>
+              </a:ext>
+            </a:extLst>
+          </p:cNvPr>
+          <p:cNvSpPr>
+            <a:spLocks noGrp="1"/>
+          </p:cNvSpPr>
+          <p:nvPr>
+            <p:ph type="sldNum" sz="quarter" idx="12"/>
+          </p:nvPr>
+        </p:nvSpPr>
+        <p:spPr/>
+        <p:txBody>
+          <a:bodyPr/>
+          <a:lstStyle/>
+          <a:p>
+            <a:fld id="{37290FF7-652B-4475-AEAB-8B1A5D23AE09}" type="slidenum">
+              <a:rPr lang="en-US" smtClean="0"/>
+              <a:t>16</a:t>
+            </a:fld>
+            <a:endParaRPr lang="en-US"/>
+          </a:p>
+        </p:txBody>
+      </p:sp>
+      <p:sp>
+        <p:nvSpPr>
+          <p:cNvPr id="5" name="Footer Placeholder 4">
+            <a:extLst>
+              <a:ext uri="{FF2B5EF4-FFF2-40B4-BE49-F238E27FC236}">
+                <a16:creationId xmlns:a16="http://schemas.microsoft.com/office/drawing/2014/main" id="{03ACA81F-6EEA-0A72-8447-488864950092}"/>
+              </a:ext>
+            </a:extLst>
+          </p:cNvPr>
+          <p:cNvSpPr>
+            <a:spLocks noGrp="1"/>
+          </p:cNvSpPr>
+          <p:nvPr>
+            <p:ph type="ftr" sz="quarter" idx="3"/>
+          </p:nvPr>
+        </p:nvSpPr>
+        <p:spPr/>
+        <p:txBody>
+          <a:bodyPr/>
+          <a:lstStyle/>
+          <a:p>
+            <a:r>
+              <a:rPr lang="en-US"/>
+              <a:t>Kwartler</a:t>
+            </a:r>
+            <a:endParaRPr lang="en-US" dirty="0"/>
+          </a:p>
+        </p:txBody>
+      </p:sp>
+      <p:sp>
+        <p:nvSpPr>
+          <p:cNvPr id="6" name="Rectangle 5">
+            <a:extLst>
+              <a:ext uri="{FF2B5EF4-FFF2-40B4-BE49-F238E27FC236}">
+                <a16:creationId xmlns:a16="http://schemas.microsoft.com/office/drawing/2014/main" id="{7E1259A0-4325-D0EB-CE79-7D09DB7D4420}"/>
+              </a:ext>
+            </a:extLst>
+          </p:cNvPr>
+          <p:cNvSpPr/>
+          <p:nvPr/>
+        </p:nvSpPr>
+        <p:spPr>
+          <a:xfrm>
+            <a:off x="767091" y="1844288"/>
+            <a:ext cx="1298192" cy="591478"/>
+          </a:xfrm>
+          <a:prstGeom prst="rect">
+            <a:avLst/>
+          </a:prstGeom>
+          <a:solidFill>
+            <a:schemeClr val="accent6"/>
+          </a:solidFill>
+          <a:ln>
+            <a:noFill/>
+          </a:ln>
+        </p:spPr>
+        <p:style>
+          <a:lnRef idx="2">
+            <a:schemeClr val="accent1">
+              <a:shade val="50000"/>
+            </a:schemeClr>
+          </a:lnRef>
+          <a:fillRef idx="1">
+            <a:schemeClr val="accent1"/>
+          </a:fillRef>
+          <a:effectRef idx="0">
+            <a:schemeClr val="accent1"/>
+          </a:effectRef>
+          <a:fontRef idx="minor">
+            <a:schemeClr val="lt1"/>
+          </a:fontRef>
+        </p:style>
+        <p:txBody>
+          <a:bodyPr rot="0" spcFirstLastPara="0" vertOverflow="overflow" horzOverflow="overflow" vert="horz" wrap="square" lIns="91440" tIns="45720" rIns="91440" bIns="45720" numCol="1" spcCol="0" rtlCol="0" fromWordArt="0" anchor="ctr" anchorCtr="0" forceAA="0" compatLnSpc="1">
+            <a:prstTxWarp prst="textNoShape">
+              <a:avLst/>
+            </a:prstTxWarp>
+            <a:noAutofit/>
+          </a:bodyPr>
+          <a:lstStyle/>
+          <a:p>
+            <a:pPr algn="ctr"/>
+            <a:r>
+              <a:rPr lang="en-US" sz="2000" u="sng" dirty="0">
+                <a:solidFill>
+                  <a:schemeClr val="bg1"/>
+                </a:solidFill>
+              </a:rPr>
+              <a:t>1. Name it</a:t>
+            </a:r>
+            <a:endParaRPr lang="en-US" sz="2000" dirty="0">
+              <a:solidFill>
+                <a:schemeClr val="bg1"/>
+              </a:solidFill>
+            </a:endParaRPr>
+          </a:p>
+        </p:txBody>
+      </p:sp>
+      <p:sp>
+        <p:nvSpPr>
+          <p:cNvPr id="7" name="TextBox 6">
+            <a:extLst>
+              <a:ext uri="{FF2B5EF4-FFF2-40B4-BE49-F238E27FC236}">
+                <a16:creationId xmlns:a16="http://schemas.microsoft.com/office/drawing/2014/main" id="{A34F6F4C-0F21-E3A9-6D11-D6E45B060394}"/>
+              </a:ext>
+            </a:extLst>
+          </p:cNvPr>
+          <p:cNvSpPr txBox="1"/>
+          <p:nvPr/>
+        </p:nvSpPr>
+        <p:spPr>
+          <a:xfrm>
+            <a:off x="2164094" y="1844288"/>
+            <a:ext cx="579005" cy="523220"/>
+          </a:xfrm>
+          <a:prstGeom prst="rect">
+            <a:avLst/>
+          </a:prstGeom>
+          <a:noFill/>
+        </p:spPr>
+        <p:txBody>
+          <a:bodyPr wrap="none" rtlCol="0">
+            <a:spAutoFit/>
+          </a:bodyPr>
+          <a:lstStyle/>
+          <a:p>
+            <a:r>
+              <a:rPr lang="en-US" sz="2800" dirty="0">
+                <a:latin typeface="Consolas" panose="020B0609020204030204" pitchFamily="49" charset="0"/>
+                <a:cs typeface="Consolas" panose="020B0609020204030204" pitchFamily="49" charset="0"/>
+              </a:rPr>
+              <a:t>&lt;-</a:t>
+            </a:r>
+          </a:p>
+        </p:txBody>
+      </p:sp>
+      <p:sp>
+        <p:nvSpPr>
+          <p:cNvPr id="8" name="Rectangle 7">
+            <a:extLst>
+              <a:ext uri="{FF2B5EF4-FFF2-40B4-BE49-F238E27FC236}">
+                <a16:creationId xmlns:a16="http://schemas.microsoft.com/office/drawing/2014/main" id="{57CC4192-19F6-E105-4B2F-F48516BD1050}"/>
+              </a:ext>
+            </a:extLst>
+          </p:cNvPr>
+          <p:cNvSpPr/>
+          <p:nvPr/>
+        </p:nvSpPr>
+        <p:spPr>
+          <a:xfrm>
+            <a:off x="240631" y="5345069"/>
+            <a:ext cx="8686800" cy="943024"/>
+          </a:xfrm>
+          <a:prstGeom prst="rect">
+            <a:avLst/>
+          </a:prstGeom>
+          <a:solidFill>
+            <a:schemeClr val="accent2"/>
+          </a:solidFill>
+          <a:ln>
+            <a:noFill/>
+          </a:ln>
+        </p:spPr>
+        <p:style>
+          <a:lnRef idx="2">
+            <a:schemeClr val="accent1">
+              <a:shade val="50000"/>
+            </a:schemeClr>
+          </a:lnRef>
+          <a:fillRef idx="1">
+            <a:schemeClr val="accent1"/>
+          </a:fillRef>
+          <a:effectRef idx="0">
+            <a:schemeClr val="accent1"/>
+          </a:effectRef>
+          <a:fontRef idx="minor">
+            <a:schemeClr val="lt1"/>
+          </a:fontRef>
+        </p:style>
+        <p:txBody>
+          <a:bodyPr rtlCol="0" anchor="ctr"/>
+          <a:lstStyle/>
+          <a:p>
+            <a:pPr algn="ctr"/>
+            <a:r>
+              <a:rPr lang="en-US" sz="1600" dirty="0">
+                <a:solidFill>
+                  <a:schemeClr val="bg1"/>
+                </a:solidFill>
+              </a:rPr>
+              <a:t>Best practices: </a:t>
+            </a:r>
+          </a:p>
+          <a:p>
+            <a:pPr algn="ctr"/>
+            <a:r>
+              <a:rPr lang="en-US" sz="1600" dirty="0">
+                <a:solidFill>
+                  <a:schemeClr val="bg1"/>
+                </a:solidFill>
+              </a:rPr>
+              <a:t>Non-generic input names</a:t>
+            </a:r>
+          </a:p>
+          <a:p>
+            <a:pPr algn="ctr"/>
+            <a:r>
+              <a:rPr lang="en-US" sz="1600" dirty="0">
+                <a:solidFill>
+                  <a:schemeClr val="bg1"/>
+                </a:solidFill>
+              </a:rPr>
+              <a:t>Add defaults when appropriate.</a:t>
+            </a:r>
+            <a:endParaRPr lang="en-US" sz="1600" dirty="0">
+              <a:solidFill>
+                <a:schemeClr val="accent1"/>
+              </a:solidFill>
+            </a:endParaRPr>
+          </a:p>
+        </p:txBody>
+      </p:sp>
+      <p:sp>
+        <p:nvSpPr>
+          <p:cNvPr id="10" name="Rectangle 9">
+            <a:extLst>
+              <a:ext uri="{FF2B5EF4-FFF2-40B4-BE49-F238E27FC236}">
+                <a16:creationId xmlns:a16="http://schemas.microsoft.com/office/drawing/2014/main" id="{6EA5B38E-B545-3974-8DF1-D29570A09BD7}"/>
+              </a:ext>
+            </a:extLst>
+          </p:cNvPr>
+          <p:cNvSpPr/>
+          <p:nvPr/>
+        </p:nvSpPr>
+        <p:spPr>
+          <a:xfrm>
+            <a:off x="2841910" y="1810159"/>
+            <a:ext cx="2166325" cy="591478"/>
+          </a:xfrm>
+          <a:prstGeom prst="rect">
+            <a:avLst/>
+          </a:prstGeom>
+          <a:solidFill>
+            <a:schemeClr val="accent6"/>
+          </a:solidFill>
+          <a:ln>
+            <a:noFill/>
+          </a:ln>
+        </p:spPr>
+        <p:style>
+          <a:lnRef idx="2">
+            <a:schemeClr val="accent1">
+              <a:shade val="50000"/>
+            </a:schemeClr>
+          </a:lnRef>
+          <a:fillRef idx="1">
+            <a:schemeClr val="accent1"/>
+          </a:fillRef>
+          <a:effectRef idx="0">
+            <a:schemeClr val="accent1"/>
+          </a:effectRef>
+          <a:fontRef idx="minor">
+            <a:schemeClr val="lt1"/>
+          </a:fontRef>
+        </p:style>
+        <p:txBody>
+          <a:bodyPr rot="0" spcFirstLastPara="0" vertOverflow="overflow" horzOverflow="overflow" vert="horz" wrap="square" lIns="91440" tIns="45720" rIns="91440" bIns="45720" numCol="1" spcCol="0" rtlCol="0" fromWordArt="0" anchor="ctr" anchorCtr="0" forceAA="0" compatLnSpc="1">
+            <a:prstTxWarp prst="textNoShape">
+              <a:avLst/>
+            </a:prstTxWarp>
+            <a:noAutofit/>
+          </a:bodyPr>
+          <a:lstStyle/>
+          <a:p>
+            <a:pPr algn="ctr"/>
+            <a:r>
+              <a:rPr lang="en-US" sz="2000" u="sng" dirty="0">
+                <a:solidFill>
+                  <a:schemeClr val="bg1"/>
+                </a:solidFill>
+              </a:rPr>
+              <a:t>2. function(…)</a:t>
+            </a:r>
+            <a:endParaRPr lang="en-US" sz="2000" dirty="0">
+              <a:solidFill>
+                <a:schemeClr val="bg1"/>
+              </a:solidFill>
+            </a:endParaRPr>
+          </a:p>
+        </p:txBody>
+      </p:sp>
+    </p:spTree>
+    <p:extLst>
+      <p:ext uri="{BB962C8B-B14F-4D97-AF65-F5344CB8AC3E}">
+        <p14:creationId xmlns:p14="http://schemas.microsoft.com/office/powerpoint/2010/main" val="903670559"/>
+      </p:ext>
+    </p:extLst>
+  </p:cSld>
+  <p:clrMapOvr>
+    <a:masterClrMapping/>
+  </p:clrMapOvr>
+</p:sld>
+</file>
+
+<file path=ppt/slides/slide17.xml><?xml version="1.0" encoding="utf-8"?>
+<p:sld xmlns:a="http://schemas.openxmlformats.org/drawingml/2006/main" xmlns:r="http://schemas.openxmlformats.org/officeDocument/2006/relationships" xmlns:p="http://schemas.openxmlformats.org/presentationml/2006/main">
+  <p:cSld>
+    <p:spTree>
+      <p:nvGrpSpPr>
+        <p:cNvPr id="1" name=""/>
+        <p:cNvGrpSpPr/>
+        <p:nvPr/>
+      </p:nvGrpSpPr>
+      <p:grpSpPr>
+        <a:xfrm>
+          <a:off x="0" y="0"/>
+          <a:ext cx="0" cy="0"/>
+          <a:chOff x="0" y="0"/>
+          <a:chExt cx="0" cy="0"/>
+        </a:xfrm>
+      </p:grpSpPr>
+      <p:sp>
+        <p:nvSpPr>
+          <p:cNvPr id="2" name="Date Placeholder 1">
+            <a:extLst>
+              <a:ext uri="{FF2B5EF4-FFF2-40B4-BE49-F238E27FC236}">
+                <a16:creationId xmlns:a16="http://schemas.microsoft.com/office/drawing/2014/main" id="{FAA016B5-48EA-2E87-A21F-A3AE2A7160A1}"/>
+              </a:ext>
+            </a:extLst>
+          </p:cNvPr>
+          <p:cNvSpPr>
+            <a:spLocks noGrp="1"/>
+          </p:cNvSpPr>
+          <p:nvPr>
+            <p:ph type="dt" sz="half" idx="10"/>
+          </p:nvPr>
+        </p:nvSpPr>
+        <p:spPr/>
+        <p:txBody>
+          <a:bodyPr/>
+          <a:lstStyle/>
+          <a:p>
+            <a:fld id="{6700A58B-DD98-43D0-B791-721480A02982}" type="datetime1">
+              <a:rPr lang="en-US" smtClean="0"/>
+              <a:t>5/19/23</a:t>
+            </a:fld>
+            <a:endParaRPr lang="en-US"/>
+          </a:p>
+        </p:txBody>
+      </p:sp>
+      <p:sp>
+        <p:nvSpPr>
+          <p:cNvPr id="3" name="Title 2">
+            <a:extLst>
+              <a:ext uri="{FF2B5EF4-FFF2-40B4-BE49-F238E27FC236}">
+                <a16:creationId xmlns:a16="http://schemas.microsoft.com/office/drawing/2014/main" id="{E513B9B7-ECCB-9FCE-B357-07990A6B6105}"/>
+              </a:ext>
+            </a:extLst>
+          </p:cNvPr>
+          <p:cNvSpPr>
+            <a:spLocks noGrp="1"/>
+          </p:cNvSpPr>
+          <p:nvPr>
+            <p:ph type="title"/>
+          </p:nvPr>
+        </p:nvSpPr>
+        <p:spPr/>
+        <p:txBody>
+          <a:bodyPr/>
+          <a:lstStyle/>
+          <a:p>
+            <a:r>
+              <a:rPr lang="en-US" dirty="0"/>
+              <a:t>Declare it as a function with inputs</a:t>
+            </a:r>
+          </a:p>
+        </p:txBody>
+      </p:sp>
+      <p:sp>
+        <p:nvSpPr>
+          <p:cNvPr id="4" name="Slide Number Placeholder 3">
+            <a:extLst>
+              <a:ext uri="{FF2B5EF4-FFF2-40B4-BE49-F238E27FC236}">
+                <a16:creationId xmlns:a16="http://schemas.microsoft.com/office/drawing/2014/main" id="{CC0BD786-2B7D-F097-F10F-B4DC00166FAA}"/>
+              </a:ext>
+            </a:extLst>
+          </p:cNvPr>
+          <p:cNvSpPr>
+            <a:spLocks noGrp="1"/>
+          </p:cNvSpPr>
+          <p:nvPr>
+            <p:ph type="sldNum" sz="quarter" idx="12"/>
+          </p:nvPr>
+        </p:nvSpPr>
+        <p:spPr/>
+        <p:txBody>
+          <a:bodyPr/>
+          <a:lstStyle/>
+          <a:p>
+            <a:fld id="{37290FF7-652B-4475-AEAB-8B1A5D23AE09}" type="slidenum">
+              <a:rPr lang="en-US" smtClean="0"/>
+              <a:t>17</a:t>
+            </a:fld>
+            <a:endParaRPr lang="en-US"/>
+          </a:p>
+        </p:txBody>
+      </p:sp>
+      <p:sp>
+        <p:nvSpPr>
+          <p:cNvPr id="5" name="Footer Placeholder 4">
+            <a:extLst>
+              <a:ext uri="{FF2B5EF4-FFF2-40B4-BE49-F238E27FC236}">
+                <a16:creationId xmlns:a16="http://schemas.microsoft.com/office/drawing/2014/main" id="{03ACA81F-6EEA-0A72-8447-488864950092}"/>
+              </a:ext>
+            </a:extLst>
+          </p:cNvPr>
+          <p:cNvSpPr>
+            <a:spLocks noGrp="1"/>
+          </p:cNvSpPr>
+          <p:nvPr>
+            <p:ph type="ftr" sz="quarter" idx="3"/>
+          </p:nvPr>
+        </p:nvSpPr>
+        <p:spPr/>
+        <p:txBody>
+          <a:bodyPr/>
+          <a:lstStyle/>
+          <a:p>
+            <a:r>
+              <a:rPr lang="en-US"/>
+              <a:t>Kwartler</a:t>
+            </a:r>
+            <a:endParaRPr lang="en-US" dirty="0"/>
+          </a:p>
+        </p:txBody>
+      </p:sp>
+      <p:sp>
+        <p:nvSpPr>
+          <p:cNvPr id="6" name="Rectangle 5">
+            <a:extLst>
+              <a:ext uri="{FF2B5EF4-FFF2-40B4-BE49-F238E27FC236}">
+                <a16:creationId xmlns:a16="http://schemas.microsoft.com/office/drawing/2014/main" id="{7E1259A0-4325-D0EB-CE79-7D09DB7D4420}"/>
+              </a:ext>
+            </a:extLst>
+          </p:cNvPr>
+          <p:cNvSpPr/>
+          <p:nvPr/>
+        </p:nvSpPr>
+        <p:spPr>
+          <a:xfrm>
+            <a:off x="767091" y="1844288"/>
+            <a:ext cx="1298192" cy="591478"/>
+          </a:xfrm>
+          <a:prstGeom prst="rect">
+            <a:avLst/>
+          </a:prstGeom>
+          <a:solidFill>
+            <a:schemeClr val="accent6"/>
+          </a:solidFill>
+          <a:ln>
+            <a:noFill/>
+          </a:ln>
+        </p:spPr>
+        <p:style>
+          <a:lnRef idx="2">
+            <a:schemeClr val="accent1">
+              <a:shade val="50000"/>
+            </a:schemeClr>
+          </a:lnRef>
+          <a:fillRef idx="1">
+            <a:schemeClr val="accent1"/>
+          </a:fillRef>
+          <a:effectRef idx="0">
+            <a:schemeClr val="accent1"/>
+          </a:effectRef>
+          <a:fontRef idx="minor">
+            <a:schemeClr val="lt1"/>
+          </a:fontRef>
+        </p:style>
+        <p:txBody>
+          <a:bodyPr rot="0" spcFirstLastPara="0" vertOverflow="overflow" horzOverflow="overflow" vert="horz" wrap="square" lIns="91440" tIns="45720" rIns="91440" bIns="45720" numCol="1" spcCol="0" rtlCol="0" fromWordArt="0" anchor="ctr" anchorCtr="0" forceAA="0" compatLnSpc="1">
+            <a:prstTxWarp prst="textNoShape">
+              <a:avLst/>
+            </a:prstTxWarp>
+            <a:noAutofit/>
+          </a:bodyPr>
+          <a:lstStyle/>
+          <a:p>
+            <a:pPr algn="ctr"/>
+            <a:r>
+              <a:rPr lang="en-US" sz="2000" u="sng" dirty="0">
+                <a:solidFill>
+                  <a:schemeClr val="bg1"/>
+                </a:solidFill>
+              </a:rPr>
+              <a:t>1. Name it</a:t>
+            </a:r>
+            <a:endParaRPr lang="en-US" sz="2000" dirty="0">
+              <a:solidFill>
+                <a:schemeClr val="bg1"/>
+              </a:solidFill>
+            </a:endParaRPr>
+          </a:p>
+        </p:txBody>
+      </p:sp>
+      <p:sp>
+        <p:nvSpPr>
+          <p:cNvPr id="7" name="TextBox 6">
+            <a:extLst>
+              <a:ext uri="{FF2B5EF4-FFF2-40B4-BE49-F238E27FC236}">
+                <a16:creationId xmlns:a16="http://schemas.microsoft.com/office/drawing/2014/main" id="{A34F6F4C-0F21-E3A9-6D11-D6E45B060394}"/>
+              </a:ext>
+            </a:extLst>
+          </p:cNvPr>
+          <p:cNvSpPr txBox="1"/>
+          <p:nvPr/>
+        </p:nvSpPr>
+        <p:spPr>
+          <a:xfrm>
+            <a:off x="2164094" y="1861352"/>
+            <a:ext cx="579005" cy="523220"/>
+          </a:xfrm>
+          <a:prstGeom prst="rect">
+            <a:avLst/>
+          </a:prstGeom>
+          <a:noFill/>
+        </p:spPr>
+        <p:txBody>
+          <a:bodyPr wrap="none" rtlCol="0">
+            <a:spAutoFit/>
+          </a:bodyPr>
+          <a:lstStyle/>
+          <a:p>
+            <a:r>
+              <a:rPr lang="en-US" sz="2800" dirty="0">
+                <a:latin typeface="Consolas" panose="020B0609020204030204" pitchFamily="49" charset="0"/>
+                <a:cs typeface="Consolas" panose="020B0609020204030204" pitchFamily="49" charset="0"/>
+              </a:rPr>
+              <a:t>&lt;-</a:t>
+            </a:r>
+          </a:p>
+        </p:txBody>
+      </p:sp>
+      <p:sp>
+        <p:nvSpPr>
+          <p:cNvPr id="10" name="Rectangle 9">
+            <a:extLst>
+              <a:ext uri="{FF2B5EF4-FFF2-40B4-BE49-F238E27FC236}">
+                <a16:creationId xmlns:a16="http://schemas.microsoft.com/office/drawing/2014/main" id="{6EA5B38E-B545-3974-8DF1-D29570A09BD7}"/>
+              </a:ext>
+            </a:extLst>
+          </p:cNvPr>
+          <p:cNvSpPr/>
+          <p:nvPr/>
+        </p:nvSpPr>
+        <p:spPr>
+          <a:xfrm>
+            <a:off x="2841910" y="1827223"/>
+            <a:ext cx="2166325" cy="591478"/>
+          </a:xfrm>
+          <a:prstGeom prst="rect">
+            <a:avLst/>
+          </a:prstGeom>
+          <a:solidFill>
+            <a:schemeClr val="accent6"/>
+          </a:solidFill>
+          <a:ln>
+            <a:noFill/>
+          </a:ln>
+        </p:spPr>
+        <p:style>
+          <a:lnRef idx="2">
+            <a:schemeClr val="accent1">
+              <a:shade val="50000"/>
+            </a:schemeClr>
+          </a:lnRef>
+          <a:fillRef idx="1">
+            <a:schemeClr val="accent1"/>
+          </a:fillRef>
+          <a:effectRef idx="0">
+            <a:schemeClr val="accent1"/>
+          </a:effectRef>
+          <a:fontRef idx="minor">
+            <a:schemeClr val="lt1"/>
+          </a:fontRef>
+        </p:style>
+        <p:txBody>
+          <a:bodyPr rot="0" spcFirstLastPara="0" vertOverflow="overflow" horzOverflow="overflow" vert="horz" wrap="square" lIns="91440" tIns="45720" rIns="91440" bIns="45720" numCol="1" spcCol="0" rtlCol="0" fromWordArt="0" anchor="ctr" anchorCtr="0" forceAA="0" compatLnSpc="1">
+            <a:prstTxWarp prst="textNoShape">
+              <a:avLst/>
+            </a:prstTxWarp>
+            <a:noAutofit/>
+          </a:bodyPr>
+          <a:lstStyle/>
+          <a:p>
+            <a:pPr algn="ctr"/>
+            <a:r>
+              <a:rPr lang="en-US" sz="2000" u="sng" dirty="0">
+                <a:solidFill>
+                  <a:schemeClr val="bg1"/>
+                </a:solidFill>
+              </a:rPr>
+              <a:t>2. function(…)</a:t>
+            </a:r>
+            <a:endParaRPr lang="en-US" sz="2000" dirty="0">
+              <a:solidFill>
+                <a:schemeClr val="bg1"/>
+              </a:solidFill>
+            </a:endParaRPr>
+          </a:p>
+        </p:txBody>
+      </p:sp>
+      <p:sp>
+        <p:nvSpPr>
+          <p:cNvPr id="11" name="Rectangle 10">
+            <a:extLst>
+              <a:ext uri="{FF2B5EF4-FFF2-40B4-BE49-F238E27FC236}">
+                <a16:creationId xmlns:a16="http://schemas.microsoft.com/office/drawing/2014/main" id="{3250E5EE-85D7-D193-3CBD-960FED1D5E53}"/>
+              </a:ext>
+            </a:extLst>
+          </p:cNvPr>
+          <p:cNvSpPr/>
+          <p:nvPr/>
+        </p:nvSpPr>
+        <p:spPr>
+          <a:xfrm>
+            <a:off x="5107046" y="1827223"/>
+            <a:ext cx="2933294" cy="591478"/>
+          </a:xfrm>
+          <a:prstGeom prst="rect">
+            <a:avLst/>
+          </a:prstGeom>
+          <a:solidFill>
+            <a:schemeClr val="accent6"/>
+          </a:solidFill>
+          <a:ln>
+            <a:noFill/>
+          </a:ln>
+        </p:spPr>
+        <p:style>
+          <a:lnRef idx="2">
+            <a:schemeClr val="accent1">
+              <a:shade val="50000"/>
+            </a:schemeClr>
+          </a:lnRef>
+          <a:fillRef idx="1">
+            <a:schemeClr val="accent1"/>
+          </a:fillRef>
+          <a:effectRef idx="0">
+            <a:schemeClr val="accent1"/>
+          </a:effectRef>
+          <a:fontRef idx="minor">
+            <a:schemeClr val="lt1"/>
+          </a:fontRef>
+        </p:style>
+        <p:txBody>
+          <a:bodyPr rot="0" spcFirstLastPara="0" vertOverflow="overflow" horzOverflow="overflow" vert="horz" wrap="square" lIns="91440" tIns="45720" rIns="91440" bIns="45720" numCol="1" spcCol="0" rtlCol="0" fromWordArt="0" anchor="ctr" anchorCtr="0" forceAA="0" compatLnSpc="1">
+            <a:prstTxWarp prst="textNoShape">
+              <a:avLst/>
+            </a:prstTxWarp>
+            <a:noAutofit/>
+          </a:bodyPr>
+          <a:lstStyle/>
+          <a:p>
+            <a:pPr algn="ctr"/>
+            <a:r>
+              <a:rPr lang="en-US" sz="2000" u="sng" dirty="0">
+                <a:solidFill>
+                  <a:schemeClr val="bg1"/>
+                </a:solidFill>
+              </a:rPr>
+              <a:t>3. Open/Close Curly Brackets</a:t>
+            </a:r>
+            <a:endParaRPr lang="en-US" sz="2000" dirty="0">
+              <a:solidFill>
+                <a:schemeClr val="bg1"/>
+              </a:solidFill>
+            </a:endParaRPr>
+          </a:p>
+        </p:txBody>
+      </p:sp>
+      <p:sp>
+        <p:nvSpPr>
+          <p:cNvPr id="12" name="TextBox 11">
+            <a:extLst>
+              <a:ext uri="{FF2B5EF4-FFF2-40B4-BE49-F238E27FC236}">
+                <a16:creationId xmlns:a16="http://schemas.microsoft.com/office/drawing/2014/main" id="{A96B46E5-FECC-8956-FE6B-B65CC1EFFDCE}"/>
+              </a:ext>
+            </a:extLst>
+          </p:cNvPr>
+          <p:cNvSpPr txBox="1"/>
+          <p:nvPr/>
+        </p:nvSpPr>
+        <p:spPr>
+          <a:xfrm>
+            <a:off x="8035225" y="1861352"/>
+            <a:ext cx="381836" cy="523220"/>
+          </a:xfrm>
+          <a:prstGeom prst="rect">
+            <a:avLst/>
+          </a:prstGeom>
+          <a:noFill/>
+        </p:spPr>
+        <p:txBody>
+          <a:bodyPr wrap="none" rtlCol="0">
+            <a:spAutoFit/>
+          </a:bodyPr>
+          <a:lstStyle/>
+          <a:p>
+            <a:r>
+              <a:rPr lang="en-US" sz="2800" dirty="0">
+                <a:latin typeface="Consolas" panose="020B0609020204030204" pitchFamily="49" charset="0"/>
+                <a:cs typeface="Consolas" panose="020B0609020204030204" pitchFamily="49" charset="0"/>
+              </a:rPr>
+              <a:t>{</a:t>
+            </a:r>
+          </a:p>
+        </p:txBody>
+      </p:sp>
+      <p:sp>
+        <p:nvSpPr>
+          <p:cNvPr id="13" name="TextBox 12">
+            <a:extLst>
+              <a:ext uri="{FF2B5EF4-FFF2-40B4-BE49-F238E27FC236}">
+                <a16:creationId xmlns:a16="http://schemas.microsoft.com/office/drawing/2014/main" id="{DB9B6AD7-4BBE-C182-58AA-7B9C39938ACC}"/>
+              </a:ext>
+            </a:extLst>
+          </p:cNvPr>
+          <p:cNvSpPr txBox="1"/>
+          <p:nvPr/>
+        </p:nvSpPr>
+        <p:spPr>
+          <a:xfrm>
+            <a:off x="8352258" y="1861352"/>
+            <a:ext cx="381836" cy="523220"/>
+          </a:xfrm>
+          <a:prstGeom prst="rect">
+            <a:avLst/>
+          </a:prstGeom>
+          <a:noFill/>
+        </p:spPr>
+        <p:txBody>
+          <a:bodyPr wrap="none" rtlCol="0">
+            <a:spAutoFit/>
+          </a:bodyPr>
+          <a:lstStyle/>
+          <a:p>
+            <a:r>
+              <a:rPr lang="en-US" sz="2800" dirty="0">
+                <a:latin typeface="Consolas" panose="020B0609020204030204" pitchFamily="49" charset="0"/>
+                <a:cs typeface="Consolas" panose="020B0609020204030204" pitchFamily="49" charset="0"/>
+              </a:rPr>
+              <a:t>}</a:t>
+            </a:r>
+          </a:p>
+        </p:txBody>
+      </p:sp>
+    </p:spTree>
+    <p:extLst>
+      <p:ext uri="{BB962C8B-B14F-4D97-AF65-F5344CB8AC3E}">
+        <p14:creationId xmlns:p14="http://schemas.microsoft.com/office/powerpoint/2010/main" val="3422416529"/>
+      </p:ext>
+    </p:extLst>
+  </p:cSld>
+  <p:clrMapOvr>
+    <a:masterClrMapping/>
+  </p:clrMapOvr>
+</p:sld>
+</file>
+
+<file path=ppt/slides/slide18.xml><?xml version="1.0" encoding="utf-8"?>
+<p:sld xmlns:a="http://schemas.openxmlformats.org/drawingml/2006/main" xmlns:r="http://schemas.openxmlformats.org/officeDocument/2006/relationships" xmlns:p="http://schemas.openxmlformats.org/presentationml/2006/main">
+  <p:cSld>
+    <p:spTree>
+      <p:nvGrpSpPr>
+        <p:cNvPr id="1" name=""/>
+        <p:cNvGrpSpPr/>
+        <p:nvPr/>
+      </p:nvGrpSpPr>
+      <p:grpSpPr>
+        <a:xfrm>
+          <a:off x="0" y="0"/>
+          <a:ext cx="0" cy="0"/>
+          <a:chOff x="0" y="0"/>
+          <a:chExt cx="0" cy="0"/>
+        </a:xfrm>
+      </p:grpSpPr>
+      <p:sp>
+        <p:nvSpPr>
+          <p:cNvPr id="2" name="Date Placeholder 1">
+            <a:extLst>
+              <a:ext uri="{FF2B5EF4-FFF2-40B4-BE49-F238E27FC236}">
+                <a16:creationId xmlns:a16="http://schemas.microsoft.com/office/drawing/2014/main" id="{FAA016B5-48EA-2E87-A21F-A3AE2A7160A1}"/>
+              </a:ext>
+            </a:extLst>
+          </p:cNvPr>
+          <p:cNvSpPr>
+            <a:spLocks noGrp="1"/>
+          </p:cNvSpPr>
+          <p:nvPr>
+            <p:ph type="dt" sz="half" idx="10"/>
+          </p:nvPr>
+        </p:nvSpPr>
+        <p:spPr/>
+        <p:txBody>
+          <a:bodyPr/>
+          <a:lstStyle/>
+          <a:p>
+            <a:fld id="{6700A58B-DD98-43D0-B791-721480A02982}" type="datetime1">
+              <a:rPr lang="en-US" smtClean="0"/>
+              <a:t>5/19/23</a:t>
+            </a:fld>
+            <a:endParaRPr lang="en-US"/>
+          </a:p>
+        </p:txBody>
+      </p:sp>
+      <p:sp>
+        <p:nvSpPr>
+          <p:cNvPr id="3" name="Title 2">
+            <a:extLst>
+              <a:ext uri="{FF2B5EF4-FFF2-40B4-BE49-F238E27FC236}">
+                <a16:creationId xmlns:a16="http://schemas.microsoft.com/office/drawing/2014/main" id="{E513B9B7-ECCB-9FCE-B357-07990A6B6105}"/>
+              </a:ext>
+            </a:extLst>
+          </p:cNvPr>
+          <p:cNvSpPr>
+            <a:spLocks noGrp="1"/>
+          </p:cNvSpPr>
+          <p:nvPr>
+            <p:ph type="title"/>
+          </p:nvPr>
+        </p:nvSpPr>
+        <p:spPr/>
+        <p:txBody>
+          <a:bodyPr/>
+          <a:lstStyle/>
+          <a:p>
+            <a:r>
+              <a:rPr lang="en-US" dirty="0"/>
+              <a:t>Declare it as a function with inputs</a:t>
+            </a:r>
+          </a:p>
+        </p:txBody>
+      </p:sp>
+      <p:sp>
+        <p:nvSpPr>
+          <p:cNvPr id="4" name="Slide Number Placeholder 3">
+            <a:extLst>
+              <a:ext uri="{FF2B5EF4-FFF2-40B4-BE49-F238E27FC236}">
+                <a16:creationId xmlns:a16="http://schemas.microsoft.com/office/drawing/2014/main" id="{CC0BD786-2B7D-F097-F10F-B4DC00166FAA}"/>
+              </a:ext>
+            </a:extLst>
+          </p:cNvPr>
+          <p:cNvSpPr>
+            <a:spLocks noGrp="1"/>
+          </p:cNvSpPr>
+          <p:nvPr>
+            <p:ph type="sldNum" sz="quarter" idx="12"/>
+          </p:nvPr>
+        </p:nvSpPr>
+        <p:spPr/>
+        <p:txBody>
+          <a:bodyPr/>
+          <a:lstStyle/>
+          <a:p>
+            <a:fld id="{37290FF7-652B-4475-AEAB-8B1A5D23AE09}" type="slidenum">
+              <a:rPr lang="en-US" smtClean="0"/>
+              <a:t>18</a:t>
+            </a:fld>
+            <a:endParaRPr lang="en-US"/>
+          </a:p>
+        </p:txBody>
+      </p:sp>
+      <p:sp>
+        <p:nvSpPr>
+          <p:cNvPr id="5" name="Footer Placeholder 4">
+            <a:extLst>
+              <a:ext uri="{FF2B5EF4-FFF2-40B4-BE49-F238E27FC236}">
+                <a16:creationId xmlns:a16="http://schemas.microsoft.com/office/drawing/2014/main" id="{03ACA81F-6EEA-0A72-8447-488864950092}"/>
+              </a:ext>
+            </a:extLst>
+          </p:cNvPr>
+          <p:cNvSpPr>
+            <a:spLocks noGrp="1"/>
+          </p:cNvSpPr>
+          <p:nvPr>
+            <p:ph type="ftr" sz="quarter" idx="3"/>
+          </p:nvPr>
+        </p:nvSpPr>
+        <p:spPr/>
+        <p:txBody>
+          <a:bodyPr/>
+          <a:lstStyle/>
+          <a:p>
+            <a:r>
+              <a:rPr lang="en-US"/>
+              <a:t>Kwartler</a:t>
+            </a:r>
+            <a:endParaRPr lang="en-US" dirty="0"/>
+          </a:p>
+        </p:txBody>
+      </p:sp>
+      <p:sp>
+        <p:nvSpPr>
+          <p:cNvPr id="6" name="Rectangle 5">
+            <a:extLst>
+              <a:ext uri="{FF2B5EF4-FFF2-40B4-BE49-F238E27FC236}">
+                <a16:creationId xmlns:a16="http://schemas.microsoft.com/office/drawing/2014/main" id="{7E1259A0-4325-D0EB-CE79-7D09DB7D4420}"/>
+              </a:ext>
+            </a:extLst>
+          </p:cNvPr>
+          <p:cNvSpPr/>
+          <p:nvPr/>
+        </p:nvSpPr>
+        <p:spPr>
+          <a:xfrm>
+            <a:off x="767091" y="1844288"/>
+            <a:ext cx="1298192" cy="591478"/>
+          </a:xfrm>
+          <a:prstGeom prst="rect">
+            <a:avLst/>
+          </a:prstGeom>
+          <a:solidFill>
+            <a:schemeClr val="accent6"/>
+          </a:solidFill>
+          <a:ln>
+            <a:noFill/>
+          </a:ln>
+        </p:spPr>
+        <p:style>
+          <a:lnRef idx="2">
+            <a:schemeClr val="accent1">
+              <a:shade val="50000"/>
+            </a:schemeClr>
+          </a:lnRef>
+          <a:fillRef idx="1">
+            <a:schemeClr val="accent1"/>
+          </a:fillRef>
+          <a:effectRef idx="0">
+            <a:schemeClr val="accent1"/>
+          </a:effectRef>
+          <a:fontRef idx="minor">
+            <a:schemeClr val="lt1"/>
+          </a:fontRef>
+        </p:style>
+        <p:txBody>
+          <a:bodyPr rot="0" spcFirstLastPara="0" vertOverflow="overflow" horzOverflow="overflow" vert="horz" wrap="square" lIns="91440" tIns="45720" rIns="91440" bIns="45720" numCol="1" spcCol="0" rtlCol="0" fromWordArt="0" anchor="ctr" anchorCtr="0" forceAA="0" compatLnSpc="1">
+            <a:prstTxWarp prst="textNoShape">
+              <a:avLst/>
+            </a:prstTxWarp>
+            <a:noAutofit/>
+          </a:bodyPr>
+          <a:lstStyle/>
+          <a:p>
+            <a:pPr algn="ctr"/>
+            <a:r>
+              <a:rPr lang="en-US" sz="2000" u="sng" dirty="0">
+                <a:solidFill>
+                  <a:schemeClr val="bg1"/>
+                </a:solidFill>
+              </a:rPr>
+              <a:t>1. Name it</a:t>
+            </a:r>
+            <a:endParaRPr lang="en-US" sz="2000" dirty="0">
+              <a:solidFill>
+                <a:schemeClr val="bg1"/>
+              </a:solidFill>
+            </a:endParaRPr>
+          </a:p>
+        </p:txBody>
+      </p:sp>
+      <p:sp>
+        <p:nvSpPr>
+          <p:cNvPr id="7" name="TextBox 6">
+            <a:extLst>
+              <a:ext uri="{FF2B5EF4-FFF2-40B4-BE49-F238E27FC236}">
+                <a16:creationId xmlns:a16="http://schemas.microsoft.com/office/drawing/2014/main" id="{A34F6F4C-0F21-E3A9-6D11-D6E45B060394}"/>
+              </a:ext>
+            </a:extLst>
+          </p:cNvPr>
+          <p:cNvSpPr txBox="1"/>
+          <p:nvPr/>
+        </p:nvSpPr>
+        <p:spPr>
+          <a:xfrm>
+            <a:off x="2164094" y="1861352"/>
+            <a:ext cx="579005" cy="523220"/>
+          </a:xfrm>
+          <a:prstGeom prst="rect">
+            <a:avLst/>
+          </a:prstGeom>
+          <a:noFill/>
+        </p:spPr>
+        <p:txBody>
+          <a:bodyPr wrap="none" rtlCol="0">
+            <a:spAutoFit/>
+          </a:bodyPr>
+          <a:lstStyle/>
+          <a:p>
+            <a:r>
+              <a:rPr lang="en-US" sz="2800" dirty="0">
+                <a:latin typeface="Consolas" panose="020B0609020204030204" pitchFamily="49" charset="0"/>
+                <a:cs typeface="Consolas" panose="020B0609020204030204" pitchFamily="49" charset="0"/>
+              </a:rPr>
+              <a:t>&lt;-</a:t>
+            </a:r>
+          </a:p>
+        </p:txBody>
+      </p:sp>
+      <p:sp>
+        <p:nvSpPr>
+          <p:cNvPr id="10" name="Rectangle 9">
+            <a:extLst>
+              <a:ext uri="{FF2B5EF4-FFF2-40B4-BE49-F238E27FC236}">
+                <a16:creationId xmlns:a16="http://schemas.microsoft.com/office/drawing/2014/main" id="{6EA5B38E-B545-3974-8DF1-D29570A09BD7}"/>
+              </a:ext>
+            </a:extLst>
+          </p:cNvPr>
+          <p:cNvSpPr/>
+          <p:nvPr/>
+        </p:nvSpPr>
+        <p:spPr>
+          <a:xfrm>
+            <a:off x="2841910" y="1827223"/>
+            <a:ext cx="2166325" cy="591478"/>
+          </a:xfrm>
+          <a:prstGeom prst="rect">
+            <a:avLst/>
+          </a:prstGeom>
+          <a:solidFill>
+            <a:schemeClr val="accent6"/>
+          </a:solidFill>
+          <a:ln>
+            <a:noFill/>
+          </a:ln>
+        </p:spPr>
+        <p:style>
+          <a:lnRef idx="2">
+            <a:schemeClr val="accent1">
+              <a:shade val="50000"/>
+            </a:schemeClr>
+          </a:lnRef>
+          <a:fillRef idx="1">
+            <a:schemeClr val="accent1"/>
+          </a:fillRef>
+          <a:effectRef idx="0">
+            <a:schemeClr val="accent1"/>
+          </a:effectRef>
+          <a:fontRef idx="minor">
+            <a:schemeClr val="lt1"/>
+          </a:fontRef>
+        </p:style>
+        <p:txBody>
+          <a:bodyPr rot="0" spcFirstLastPara="0" vertOverflow="overflow" horzOverflow="overflow" vert="horz" wrap="square" lIns="91440" tIns="45720" rIns="91440" bIns="45720" numCol="1" spcCol="0" rtlCol="0" fromWordArt="0" anchor="ctr" anchorCtr="0" forceAA="0" compatLnSpc="1">
+            <a:prstTxWarp prst="textNoShape">
+              <a:avLst/>
+            </a:prstTxWarp>
+            <a:noAutofit/>
+          </a:bodyPr>
+          <a:lstStyle/>
+          <a:p>
+            <a:pPr algn="ctr"/>
+            <a:r>
+              <a:rPr lang="en-US" sz="2000" u="sng" dirty="0">
+                <a:solidFill>
+                  <a:schemeClr val="bg1"/>
+                </a:solidFill>
+              </a:rPr>
+              <a:t>2. function(…)</a:t>
+            </a:r>
+            <a:endParaRPr lang="en-US" sz="2000" dirty="0">
+              <a:solidFill>
+                <a:schemeClr val="bg1"/>
+              </a:solidFill>
+            </a:endParaRPr>
+          </a:p>
+        </p:txBody>
+      </p:sp>
+      <p:sp>
+        <p:nvSpPr>
+          <p:cNvPr id="11" name="Rectangle 10">
+            <a:extLst>
+              <a:ext uri="{FF2B5EF4-FFF2-40B4-BE49-F238E27FC236}">
+                <a16:creationId xmlns:a16="http://schemas.microsoft.com/office/drawing/2014/main" id="{3250E5EE-85D7-D193-3CBD-960FED1D5E53}"/>
+              </a:ext>
+            </a:extLst>
+          </p:cNvPr>
+          <p:cNvSpPr/>
+          <p:nvPr/>
+        </p:nvSpPr>
+        <p:spPr>
+          <a:xfrm>
+            <a:off x="5107046" y="1827223"/>
+            <a:ext cx="2933294" cy="591478"/>
+          </a:xfrm>
+          <a:prstGeom prst="rect">
+            <a:avLst/>
+          </a:prstGeom>
+          <a:solidFill>
+            <a:schemeClr val="accent6"/>
+          </a:solidFill>
+          <a:ln>
+            <a:noFill/>
+          </a:ln>
+        </p:spPr>
+        <p:style>
+          <a:lnRef idx="2">
+            <a:schemeClr val="accent1">
+              <a:shade val="50000"/>
+            </a:schemeClr>
+          </a:lnRef>
+          <a:fillRef idx="1">
+            <a:schemeClr val="accent1"/>
+          </a:fillRef>
+          <a:effectRef idx="0">
+            <a:schemeClr val="accent1"/>
+          </a:effectRef>
+          <a:fontRef idx="minor">
+            <a:schemeClr val="lt1"/>
+          </a:fontRef>
+        </p:style>
+        <p:txBody>
+          <a:bodyPr rot="0" spcFirstLastPara="0" vertOverflow="overflow" horzOverflow="overflow" vert="horz" wrap="square" lIns="91440" tIns="45720" rIns="91440" bIns="45720" numCol="1" spcCol="0" rtlCol="0" fromWordArt="0" anchor="ctr" anchorCtr="0" forceAA="0" compatLnSpc="1">
+            <a:prstTxWarp prst="textNoShape">
+              <a:avLst/>
+            </a:prstTxWarp>
+            <a:noAutofit/>
+          </a:bodyPr>
+          <a:lstStyle/>
+          <a:p>
+            <a:pPr algn="ctr"/>
+            <a:r>
+              <a:rPr lang="en-US" sz="2000" u="sng" dirty="0">
+                <a:solidFill>
+                  <a:schemeClr val="bg1"/>
+                </a:solidFill>
+              </a:rPr>
+              <a:t>3. Open/Close Curly Brackets</a:t>
+            </a:r>
+            <a:endParaRPr lang="en-US" sz="2000" dirty="0">
+              <a:solidFill>
+                <a:schemeClr val="bg1"/>
+              </a:solidFill>
+            </a:endParaRPr>
+          </a:p>
+        </p:txBody>
+      </p:sp>
+      <p:sp>
+        <p:nvSpPr>
+          <p:cNvPr id="12" name="TextBox 11">
+            <a:extLst>
+              <a:ext uri="{FF2B5EF4-FFF2-40B4-BE49-F238E27FC236}">
+                <a16:creationId xmlns:a16="http://schemas.microsoft.com/office/drawing/2014/main" id="{A96B46E5-FECC-8956-FE6B-B65CC1EFFDCE}"/>
+              </a:ext>
+            </a:extLst>
+          </p:cNvPr>
+          <p:cNvSpPr txBox="1"/>
+          <p:nvPr/>
+        </p:nvSpPr>
+        <p:spPr>
+          <a:xfrm>
+            <a:off x="8035225" y="1861352"/>
+            <a:ext cx="381836" cy="523220"/>
+          </a:xfrm>
+          <a:prstGeom prst="rect">
+            <a:avLst/>
+          </a:prstGeom>
+          <a:noFill/>
+        </p:spPr>
+        <p:txBody>
+          <a:bodyPr wrap="none" rtlCol="0">
+            <a:spAutoFit/>
+          </a:bodyPr>
+          <a:lstStyle/>
+          <a:p>
+            <a:r>
+              <a:rPr lang="en-US" sz="2800" dirty="0">
+                <a:latin typeface="Consolas" panose="020B0609020204030204" pitchFamily="49" charset="0"/>
+                <a:cs typeface="Consolas" panose="020B0609020204030204" pitchFamily="49" charset="0"/>
+              </a:rPr>
+              <a:t>{</a:t>
+            </a:r>
+          </a:p>
+        </p:txBody>
+      </p:sp>
+      <p:sp>
+        <p:nvSpPr>
+          <p:cNvPr id="13" name="TextBox 12">
+            <a:extLst>
+              <a:ext uri="{FF2B5EF4-FFF2-40B4-BE49-F238E27FC236}">
+                <a16:creationId xmlns:a16="http://schemas.microsoft.com/office/drawing/2014/main" id="{DB9B6AD7-4BBE-C182-58AA-7B9C39938ACC}"/>
+              </a:ext>
+            </a:extLst>
+          </p:cNvPr>
+          <p:cNvSpPr txBox="1"/>
+          <p:nvPr/>
+        </p:nvSpPr>
+        <p:spPr>
+          <a:xfrm>
+            <a:off x="192401" y="3167390"/>
+            <a:ext cx="381836" cy="523220"/>
+          </a:xfrm>
+          <a:prstGeom prst="rect">
+            <a:avLst/>
+          </a:prstGeom>
+          <a:noFill/>
+        </p:spPr>
+        <p:txBody>
+          <a:bodyPr wrap="none" rtlCol="0">
+            <a:spAutoFit/>
+          </a:bodyPr>
+          <a:lstStyle/>
+          <a:p>
+            <a:r>
+              <a:rPr lang="en-US" sz="2800" dirty="0">
+                <a:latin typeface="Consolas" panose="020B0609020204030204" pitchFamily="49" charset="0"/>
+                <a:cs typeface="Consolas" panose="020B0609020204030204" pitchFamily="49" charset="0"/>
+              </a:rPr>
+              <a:t>}</a:t>
+            </a:r>
+          </a:p>
+        </p:txBody>
+      </p:sp>
+      <p:sp>
+        <p:nvSpPr>
+          <p:cNvPr id="8" name="Rectangle 7">
+            <a:extLst>
+              <a:ext uri="{FF2B5EF4-FFF2-40B4-BE49-F238E27FC236}">
+                <a16:creationId xmlns:a16="http://schemas.microsoft.com/office/drawing/2014/main" id="{39F57909-D208-47E2-1513-5EFDD88ECC7B}"/>
+              </a:ext>
+            </a:extLst>
+          </p:cNvPr>
+          <p:cNvSpPr/>
+          <p:nvPr/>
+        </p:nvSpPr>
+        <p:spPr>
+          <a:xfrm>
+            <a:off x="767091" y="2564903"/>
+            <a:ext cx="7268134" cy="591478"/>
+          </a:xfrm>
+          <a:prstGeom prst="rect">
+            <a:avLst/>
+          </a:prstGeom>
+          <a:solidFill>
+            <a:schemeClr val="accent6"/>
+          </a:solidFill>
+          <a:ln>
+            <a:noFill/>
+          </a:ln>
+        </p:spPr>
+        <p:style>
+          <a:lnRef idx="2">
+            <a:schemeClr val="accent1">
+              <a:shade val="50000"/>
+            </a:schemeClr>
+          </a:lnRef>
+          <a:fillRef idx="1">
+            <a:schemeClr val="accent1"/>
+          </a:fillRef>
+          <a:effectRef idx="0">
+            <a:schemeClr val="accent1"/>
+          </a:effectRef>
+          <a:fontRef idx="minor">
+            <a:schemeClr val="lt1"/>
+          </a:fontRef>
+        </p:style>
+        <p:txBody>
+          <a:bodyPr rot="0" spcFirstLastPara="0" vertOverflow="overflow" horzOverflow="overflow" vert="horz" wrap="square" lIns="91440" tIns="45720" rIns="91440" bIns="45720" numCol="1" spcCol="0" rtlCol="0" fromWordArt="0" anchor="ctr" anchorCtr="0" forceAA="0" compatLnSpc="1">
+            <a:prstTxWarp prst="textNoShape">
+              <a:avLst/>
+            </a:prstTxWarp>
+            <a:noAutofit/>
+          </a:bodyPr>
+          <a:lstStyle/>
+          <a:p>
+            <a:pPr algn="ctr"/>
+            <a:r>
+              <a:rPr lang="en-US" sz="2000" u="sng" dirty="0">
+                <a:solidFill>
+                  <a:schemeClr val="bg1"/>
+                </a:solidFill>
+              </a:rPr>
+              <a:t>4. Add execution code</a:t>
+            </a:r>
+            <a:endParaRPr lang="en-US" sz="2000" dirty="0">
+              <a:solidFill>
+                <a:schemeClr val="bg1"/>
+              </a:solidFill>
+            </a:endParaRPr>
+          </a:p>
+        </p:txBody>
+      </p:sp>
+      <p:sp>
+        <p:nvSpPr>
+          <p:cNvPr id="15" name="Rectangle 14">
+            <a:extLst>
+              <a:ext uri="{FF2B5EF4-FFF2-40B4-BE49-F238E27FC236}">
+                <a16:creationId xmlns:a16="http://schemas.microsoft.com/office/drawing/2014/main" id="{B176A440-1DB5-7EFB-92B2-13CB61533498}"/>
+              </a:ext>
+            </a:extLst>
+          </p:cNvPr>
+          <p:cNvSpPr/>
+          <p:nvPr/>
+        </p:nvSpPr>
+        <p:spPr>
+          <a:xfrm>
+            <a:off x="240631" y="5345069"/>
+            <a:ext cx="8686800" cy="943024"/>
+          </a:xfrm>
+          <a:prstGeom prst="rect">
+            <a:avLst/>
+          </a:prstGeom>
+          <a:solidFill>
+            <a:schemeClr val="accent2"/>
+          </a:solidFill>
+          <a:ln>
+            <a:noFill/>
+          </a:ln>
+        </p:spPr>
+        <p:style>
+          <a:lnRef idx="2">
+            <a:schemeClr val="accent1">
+              <a:shade val="50000"/>
+            </a:schemeClr>
+          </a:lnRef>
+          <a:fillRef idx="1">
+            <a:schemeClr val="accent1"/>
+          </a:fillRef>
+          <a:effectRef idx="0">
+            <a:schemeClr val="accent1"/>
+          </a:effectRef>
+          <a:fontRef idx="minor">
+            <a:schemeClr val="lt1"/>
+          </a:fontRef>
+        </p:style>
+        <p:txBody>
+          <a:bodyPr rtlCol="0" anchor="ctr"/>
+          <a:lstStyle/>
+          <a:p>
+            <a:pPr algn="ctr"/>
+            <a:r>
+              <a:rPr lang="en-US" sz="1600" dirty="0">
+                <a:solidFill>
+                  <a:schemeClr val="bg1"/>
+                </a:solidFill>
+              </a:rPr>
+              <a:t>Best practices: </a:t>
+            </a:r>
+          </a:p>
+          <a:p>
+            <a:pPr algn="ctr"/>
+            <a:r>
+              <a:rPr lang="en-US" sz="1600" dirty="0">
+                <a:solidFill>
+                  <a:schemeClr val="bg1"/>
+                </a:solidFill>
+              </a:rPr>
+              <a:t>Provide comments for yourself</a:t>
+            </a:r>
+          </a:p>
+          <a:p>
+            <a:pPr algn="ctr"/>
+            <a:r>
+              <a:rPr lang="en-US" sz="1600" dirty="0">
+                <a:solidFill>
+                  <a:schemeClr val="bg1"/>
+                </a:solidFill>
+              </a:rPr>
+              <a:t>Add data and output checks when appropriate</a:t>
+            </a:r>
+          </a:p>
+          <a:p>
+            <a:pPr algn="ctr"/>
+            <a:r>
+              <a:rPr lang="en-US" sz="1600" dirty="0">
+                <a:solidFill>
+                  <a:schemeClr val="bg1"/>
+                </a:solidFill>
+              </a:rPr>
+              <a:t>Use return() on the object to ensure the correct output is defined. </a:t>
+            </a:r>
+            <a:endParaRPr lang="en-US" sz="1600" dirty="0">
+              <a:solidFill>
+                <a:schemeClr val="accent1"/>
+              </a:solidFill>
+            </a:endParaRPr>
+          </a:p>
+        </p:txBody>
+      </p:sp>
+    </p:spTree>
+    <p:extLst>
+      <p:ext uri="{BB962C8B-B14F-4D97-AF65-F5344CB8AC3E}">
+        <p14:creationId xmlns:p14="http://schemas.microsoft.com/office/powerpoint/2010/main" val="3837008747"/>
+      </p:ext>
+    </p:extLst>
+  </p:cSld>
+  <p:clrMapOvr>
+    <a:masterClrMapping/>
+  </p:clrMapOvr>
+</p:sld>
+</file>
+
+<file path=ppt/slides/slide19.xml><?xml version="1.0" encoding="utf-8"?>
+<p:sld xmlns:a="http://schemas.openxmlformats.org/drawingml/2006/main" xmlns:r="http://schemas.openxmlformats.org/officeDocument/2006/relationships" xmlns:p="http://schemas.openxmlformats.org/presentationml/2006/main">
+  <p:cSld>
+    <p:spTree>
+      <p:nvGrpSpPr>
+        <p:cNvPr id="1" name=""/>
+        <p:cNvGrpSpPr/>
+        <p:nvPr/>
+      </p:nvGrpSpPr>
+      <p:grpSpPr>
+        <a:xfrm>
+          <a:off x="0" y="0"/>
+          <a:ext cx="0" cy="0"/>
+          <a:chOff x="0" y="0"/>
+          <a:chExt cx="0" cy="0"/>
+        </a:xfrm>
+      </p:grpSpPr>
+      <p:sp>
+        <p:nvSpPr>
+          <p:cNvPr id="2" name="Date Placeholder 1">
+            <a:extLst>
+              <a:ext uri="{FF2B5EF4-FFF2-40B4-BE49-F238E27FC236}">
+                <a16:creationId xmlns:a16="http://schemas.microsoft.com/office/drawing/2014/main" id="{FAA016B5-48EA-2E87-A21F-A3AE2A7160A1}"/>
+              </a:ext>
+            </a:extLst>
+          </p:cNvPr>
+          <p:cNvSpPr>
+            <a:spLocks noGrp="1"/>
+          </p:cNvSpPr>
+          <p:nvPr>
+            <p:ph type="dt" sz="half" idx="10"/>
+          </p:nvPr>
+        </p:nvSpPr>
+        <p:spPr/>
+        <p:txBody>
+          <a:bodyPr/>
+          <a:lstStyle/>
+          <a:p>
+            <a:fld id="{6700A58B-DD98-43D0-B791-721480A02982}" type="datetime1">
+              <a:rPr lang="en-US" smtClean="0"/>
+              <a:t>5/19/23</a:t>
+            </a:fld>
+            <a:endParaRPr lang="en-US"/>
+          </a:p>
+        </p:txBody>
+      </p:sp>
+      <p:sp>
+        <p:nvSpPr>
+          <p:cNvPr id="3" name="Title 2">
+            <a:extLst>
+              <a:ext uri="{FF2B5EF4-FFF2-40B4-BE49-F238E27FC236}">
+                <a16:creationId xmlns:a16="http://schemas.microsoft.com/office/drawing/2014/main" id="{E513B9B7-ECCB-9FCE-B357-07990A6B6105}"/>
+              </a:ext>
+            </a:extLst>
+          </p:cNvPr>
+          <p:cNvSpPr>
+            <a:spLocks noGrp="1"/>
+          </p:cNvSpPr>
+          <p:nvPr>
+            <p:ph type="title"/>
+          </p:nvPr>
+        </p:nvSpPr>
+        <p:spPr/>
+        <p:txBody>
+          <a:bodyPr/>
+          <a:lstStyle/>
+          <a:p>
+            <a:r>
+              <a:rPr lang="en-US" dirty="0"/>
+              <a:t>Declare it as a function with inputs</a:t>
+            </a:r>
+          </a:p>
+        </p:txBody>
+      </p:sp>
+      <p:sp>
+        <p:nvSpPr>
+          <p:cNvPr id="4" name="Slide Number Placeholder 3">
+            <a:extLst>
+              <a:ext uri="{FF2B5EF4-FFF2-40B4-BE49-F238E27FC236}">
+                <a16:creationId xmlns:a16="http://schemas.microsoft.com/office/drawing/2014/main" id="{CC0BD786-2B7D-F097-F10F-B4DC00166FAA}"/>
+              </a:ext>
+            </a:extLst>
+          </p:cNvPr>
+          <p:cNvSpPr>
+            <a:spLocks noGrp="1"/>
+          </p:cNvSpPr>
+          <p:nvPr>
+            <p:ph type="sldNum" sz="quarter" idx="12"/>
+          </p:nvPr>
+        </p:nvSpPr>
+        <p:spPr/>
+        <p:txBody>
+          <a:bodyPr/>
+          <a:lstStyle/>
+          <a:p>
+            <a:fld id="{37290FF7-652B-4475-AEAB-8B1A5D23AE09}" type="slidenum">
+              <a:rPr lang="en-US" smtClean="0"/>
+              <a:t>19</a:t>
+            </a:fld>
+            <a:endParaRPr lang="en-US"/>
+          </a:p>
+        </p:txBody>
+      </p:sp>
+      <p:sp>
+        <p:nvSpPr>
+          <p:cNvPr id="5" name="Footer Placeholder 4">
+            <a:extLst>
+              <a:ext uri="{FF2B5EF4-FFF2-40B4-BE49-F238E27FC236}">
+                <a16:creationId xmlns:a16="http://schemas.microsoft.com/office/drawing/2014/main" id="{03ACA81F-6EEA-0A72-8447-488864950092}"/>
+              </a:ext>
+            </a:extLst>
+          </p:cNvPr>
+          <p:cNvSpPr>
+            <a:spLocks noGrp="1"/>
+          </p:cNvSpPr>
+          <p:nvPr>
+            <p:ph type="ftr" sz="quarter" idx="3"/>
+          </p:nvPr>
+        </p:nvSpPr>
+        <p:spPr/>
+        <p:txBody>
+          <a:bodyPr/>
+          <a:lstStyle/>
+          <a:p>
+            <a:r>
+              <a:rPr lang="en-US"/>
+              <a:t>Kwartler</a:t>
+            </a:r>
+            <a:endParaRPr lang="en-US" dirty="0"/>
+          </a:p>
+        </p:txBody>
+      </p:sp>
+      <p:sp>
+        <p:nvSpPr>
+          <p:cNvPr id="6" name="Rectangle 5">
+            <a:extLst>
+              <a:ext uri="{FF2B5EF4-FFF2-40B4-BE49-F238E27FC236}">
+                <a16:creationId xmlns:a16="http://schemas.microsoft.com/office/drawing/2014/main" id="{7E1259A0-4325-D0EB-CE79-7D09DB7D4420}"/>
+              </a:ext>
+            </a:extLst>
+          </p:cNvPr>
+          <p:cNvSpPr/>
+          <p:nvPr/>
+        </p:nvSpPr>
+        <p:spPr>
+          <a:xfrm>
+            <a:off x="767091" y="1844288"/>
+            <a:ext cx="1298192" cy="591478"/>
+          </a:xfrm>
+          <a:prstGeom prst="rect">
+            <a:avLst/>
+          </a:prstGeom>
+          <a:solidFill>
+            <a:schemeClr val="accent6"/>
+          </a:solidFill>
+          <a:ln>
+            <a:noFill/>
+          </a:ln>
+        </p:spPr>
+        <p:style>
+          <a:lnRef idx="2">
+            <a:schemeClr val="accent1">
+              <a:shade val="50000"/>
+            </a:schemeClr>
+          </a:lnRef>
+          <a:fillRef idx="1">
+            <a:schemeClr val="accent1"/>
+          </a:fillRef>
+          <a:effectRef idx="0">
+            <a:schemeClr val="accent1"/>
+          </a:effectRef>
+          <a:fontRef idx="minor">
+            <a:schemeClr val="lt1"/>
+          </a:fontRef>
+        </p:style>
+        <p:txBody>
+          <a:bodyPr rot="0" spcFirstLastPara="0" vertOverflow="overflow" horzOverflow="overflow" vert="horz" wrap="square" lIns="91440" tIns="45720" rIns="91440" bIns="45720" numCol="1" spcCol="0" rtlCol="0" fromWordArt="0" anchor="ctr" anchorCtr="0" forceAA="0" compatLnSpc="1">
+            <a:prstTxWarp prst="textNoShape">
+              <a:avLst/>
+            </a:prstTxWarp>
+            <a:noAutofit/>
+          </a:bodyPr>
+          <a:lstStyle/>
+          <a:p>
+            <a:pPr algn="ctr"/>
+            <a:r>
+              <a:rPr lang="en-US" sz="2000" u="sng" dirty="0">
+                <a:solidFill>
+                  <a:schemeClr val="bg1"/>
+                </a:solidFill>
+              </a:rPr>
+              <a:t>1. Name it</a:t>
+            </a:r>
+            <a:endParaRPr lang="en-US" sz="2000" dirty="0">
+              <a:solidFill>
+                <a:schemeClr val="bg1"/>
+              </a:solidFill>
+            </a:endParaRPr>
+          </a:p>
+        </p:txBody>
+      </p:sp>
+      <p:sp>
+        <p:nvSpPr>
+          <p:cNvPr id="7" name="TextBox 6">
+            <a:extLst>
+              <a:ext uri="{FF2B5EF4-FFF2-40B4-BE49-F238E27FC236}">
+                <a16:creationId xmlns:a16="http://schemas.microsoft.com/office/drawing/2014/main" id="{A34F6F4C-0F21-E3A9-6D11-D6E45B060394}"/>
+              </a:ext>
+            </a:extLst>
+          </p:cNvPr>
+          <p:cNvSpPr txBox="1"/>
+          <p:nvPr/>
+        </p:nvSpPr>
+        <p:spPr>
+          <a:xfrm>
+            <a:off x="2164094" y="1861352"/>
+            <a:ext cx="579005" cy="523220"/>
+          </a:xfrm>
+          <a:prstGeom prst="rect">
+            <a:avLst/>
+          </a:prstGeom>
+          <a:noFill/>
+        </p:spPr>
+        <p:txBody>
+          <a:bodyPr wrap="none" rtlCol="0">
+            <a:spAutoFit/>
+          </a:bodyPr>
+          <a:lstStyle/>
+          <a:p>
+            <a:r>
+              <a:rPr lang="en-US" sz="2800" dirty="0">
+                <a:latin typeface="Consolas" panose="020B0609020204030204" pitchFamily="49" charset="0"/>
+                <a:cs typeface="Consolas" panose="020B0609020204030204" pitchFamily="49" charset="0"/>
+              </a:rPr>
+              <a:t>&lt;-</a:t>
+            </a:r>
+          </a:p>
+        </p:txBody>
+      </p:sp>
+      <p:sp>
+        <p:nvSpPr>
+          <p:cNvPr id="10" name="Rectangle 9">
+            <a:extLst>
+              <a:ext uri="{FF2B5EF4-FFF2-40B4-BE49-F238E27FC236}">
+                <a16:creationId xmlns:a16="http://schemas.microsoft.com/office/drawing/2014/main" id="{6EA5B38E-B545-3974-8DF1-D29570A09BD7}"/>
+              </a:ext>
+            </a:extLst>
+          </p:cNvPr>
+          <p:cNvSpPr/>
+          <p:nvPr/>
+        </p:nvSpPr>
+        <p:spPr>
+          <a:xfrm>
+            <a:off x="2841910" y="1827223"/>
+            <a:ext cx="2166325" cy="591478"/>
+          </a:xfrm>
+          <a:prstGeom prst="rect">
+            <a:avLst/>
+          </a:prstGeom>
+          <a:solidFill>
+            <a:schemeClr val="accent6"/>
+          </a:solidFill>
+          <a:ln>
+            <a:noFill/>
+          </a:ln>
+        </p:spPr>
+        <p:style>
+          <a:lnRef idx="2">
+            <a:schemeClr val="accent1">
+              <a:shade val="50000"/>
+            </a:schemeClr>
+          </a:lnRef>
+          <a:fillRef idx="1">
+            <a:schemeClr val="accent1"/>
+          </a:fillRef>
+          <a:effectRef idx="0">
+            <a:schemeClr val="accent1"/>
+          </a:effectRef>
+          <a:fontRef idx="minor">
+            <a:schemeClr val="lt1"/>
+          </a:fontRef>
+        </p:style>
+        <p:txBody>
+          <a:bodyPr rot="0" spcFirstLastPara="0" vertOverflow="overflow" horzOverflow="overflow" vert="horz" wrap="square" lIns="91440" tIns="45720" rIns="91440" bIns="45720" numCol="1" spcCol="0" rtlCol="0" fromWordArt="0" anchor="ctr" anchorCtr="0" forceAA="0" compatLnSpc="1">
+            <a:prstTxWarp prst="textNoShape">
+              <a:avLst/>
+            </a:prstTxWarp>
+            <a:noAutofit/>
+          </a:bodyPr>
+          <a:lstStyle/>
+          <a:p>
+            <a:pPr algn="ctr"/>
+            <a:r>
+              <a:rPr lang="en-US" sz="2000" u="sng" dirty="0">
+                <a:solidFill>
+                  <a:schemeClr val="bg1"/>
+                </a:solidFill>
+              </a:rPr>
+              <a:t>2. function(…)</a:t>
+            </a:r>
+            <a:endParaRPr lang="en-US" sz="2000" dirty="0">
+              <a:solidFill>
+                <a:schemeClr val="bg1"/>
+              </a:solidFill>
+            </a:endParaRPr>
+          </a:p>
+        </p:txBody>
+      </p:sp>
+      <p:sp>
+        <p:nvSpPr>
+          <p:cNvPr id="11" name="Rectangle 10">
+            <a:extLst>
+              <a:ext uri="{FF2B5EF4-FFF2-40B4-BE49-F238E27FC236}">
+                <a16:creationId xmlns:a16="http://schemas.microsoft.com/office/drawing/2014/main" id="{3250E5EE-85D7-D193-3CBD-960FED1D5E53}"/>
+              </a:ext>
+            </a:extLst>
+          </p:cNvPr>
+          <p:cNvSpPr/>
+          <p:nvPr/>
+        </p:nvSpPr>
+        <p:spPr>
+          <a:xfrm>
+            <a:off x="5107046" y="1827223"/>
+            <a:ext cx="2933294" cy="591478"/>
+          </a:xfrm>
+          <a:prstGeom prst="rect">
+            <a:avLst/>
+          </a:prstGeom>
+          <a:solidFill>
+            <a:schemeClr val="accent6"/>
+          </a:solidFill>
+          <a:ln>
+            <a:noFill/>
+          </a:ln>
+        </p:spPr>
+        <p:style>
+          <a:lnRef idx="2">
+            <a:schemeClr val="accent1">
+              <a:shade val="50000"/>
+            </a:schemeClr>
+          </a:lnRef>
+          <a:fillRef idx="1">
+            <a:schemeClr val="accent1"/>
+          </a:fillRef>
+          <a:effectRef idx="0">
+            <a:schemeClr val="accent1"/>
+          </a:effectRef>
+          <a:fontRef idx="minor">
+            <a:schemeClr val="lt1"/>
+          </a:fontRef>
+        </p:style>
+        <p:txBody>
+          <a:bodyPr rot="0" spcFirstLastPara="0" vertOverflow="overflow" horzOverflow="overflow" vert="horz" wrap="square" lIns="91440" tIns="45720" rIns="91440" bIns="45720" numCol="1" spcCol="0" rtlCol="0" fromWordArt="0" anchor="ctr" anchorCtr="0" forceAA="0" compatLnSpc="1">
+            <a:prstTxWarp prst="textNoShape">
+              <a:avLst/>
+            </a:prstTxWarp>
+            <a:noAutofit/>
+          </a:bodyPr>
+          <a:lstStyle/>
+          <a:p>
+            <a:pPr algn="ctr"/>
+            <a:r>
+              <a:rPr lang="en-US" sz="2000" u="sng" dirty="0">
+                <a:solidFill>
+                  <a:schemeClr val="bg1"/>
+                </a:solidFill>
+              </a:rPr>
+              <a:t>3. Open/Close Curly Brackets</a:t>
+            </a:r>
+            <a:endParaRPr lang="en-US" sz="2000" dirty="0">
+              <a:solidFill>
+                <a:schemeClr val="bg1"/>
+              </a:solidFill>
+            </a:endParaRPr>
+          </a:p>
+        </p:txBody>
+      </p:sp>
+      <p:sp>
+        <p:nvSpPr>
+          <p:cNvPr id="12" name="TextBox 11">
+            <a:extLst>
+              <a:ext uri="{FF2B5EF4-FFF2-40B4-BE49-F238E27FC236}">
+                <a16:creationId xmlns:a16="http://schemas.microsoft.com/office/drawing/2014/main" id="{A96B46E5-FECC-8956-FE6B-B65CC1EFFDCE}"/>
+              </a:ext>
+            </a:extLst>
+          </p:cNvPr>
+          <p:cNvSpPr txBox="1"/>
+          <p:nvPr/>
+        </p:nvSpPr>
+        <p:spPr>
+          <a:xfrm>
+            <a:off x="8035225" y="1861352"/>
+            <a:ext cx="381836" cy="523220"/>
+          </a:xfrm>
+          <a:prstGeom prst="rect">
+            <a:avLst/>
+          </a:prstGeom>
+          <a:noFill/>
+        </p:spPr>
+        <p:txBody>
+          <a:bodyPr wrap="none" rtlCol="0">
+            <a:spAutoFit/>
+          </a:bodyPr>
+          <a:lstStyle/>
+          <a:p>
+            <a:r>
+              <a:rPr lang="en-US" sz="2800" dirty="0">
+                <a:latin typeface="Consolas" panose="020B0609020204030204" pitchFamily="49" charset="0"/>
+                <a:cs typeface="Consolas" panose="020B0609020204030204" pitchFamily="49" charset="0"/>
+              </a:rPr>
+              <a:t>{</a:t>
+            </a:r>
+          </a:p>
+        </p:txBody>
+      </p:sp>
+      <p:sp>
+        <p:nvSpPr>
+          <p:cNvPr id="13" name="TextBox 12">
+            <a:extLst>
+              <a:ext uri="{FF2B5EF4-FFF2-40B4-BE49-F238E27FC236}">
+                <a16:creationId xmlns:a16="http://schemas.microsoft.com/office/drawing/2014/main" id="{DB9B6AD7-4BBE-C182-58AA-7B9C39938ACC}"/>
+              </a:ext>
+            </a:extLst>
+          </p:cNvPr>
+          <p:cNvSpPr txBox="1"/>
+          <p:nvPr/>
+        </p:nvSpPr>
+        <p:spPr>
+          <a:xfrm>
+            <a:off x="192401" y="3167390"/>
+            <a:ext cx="381836" cy="523220"/>
+          </a:xfrm>
+          <a:prstGeom prst="rect">
+            <a:avLst/>
+          </a:prstGeom>
+          <a:noFill/>
+        </p:spPr>
+        <p:txBody>
+          <a:bodyPr wrap="none" rtlCol="0">
+            <a:spAutoFit/>
+          </a:bodyPr>
+          <a:lstStyle/>
+          <a:p>
+            <a:r>
+              <a:rPr lang="en-US" sz="2800" dirty="0">
+                <a:latin typeface="Consolas" panose="020B0609020204030204" pitchFamily="49" charset="0"/>
+                <a:cs typeface="Consolas" panose="020B0609020204030204" pitchFamily="49" charset="0"/>
+              </a:rPr>
+              <a:t>}</a:t>
+            </a:r>
+          </a:p>
+        </p:txBody>
+      </p:sp>
+      <p:sp>
+        <p:nvSpPr>
+          <p:cNvPr id="8" name="Rectangle 7">
+            <a:extLst>
+              <a:ext uri="{FF2B5EF4-FFF2-40B4-BE49-F238E27FC236}">
+                <a16:creationId xmlns:a16="http://schemas.microsoft.com/office/drawing/2014/main" id="{39F57909-D208-47E2-1513-5EFDD88ECC7B}"/>
+              </a:ext>
+            </a:extLst>
+          </p:cNvPr>
+          <p:cNvSpPr/>
+          <p:nvPr/>
+        </p:nvSpPr>
+        <p:spPr>
+          <a:xfrm>
+            <a:off x="767091" y="2564903"/>
+            <a:ext cx="7268134" cy="591478"/>
+          </a:xfrm>
+          <a:prstGeom prst="rect">
+            <a:avLst/>
+          </a:prstGeom>
+          <a:solidFill>
+            <a:schemeClr val="accent6"/>
+          </a:solidFill>
+          <a:ln>
+            <a:noFill/>
+          </a:ln>
+        </p:spPr>
+        <p:style>
+          <a:lnRef idx="2">
+            <a:schemeClr val="accent1">
+              <a:shade val="50000"/>
+            </a:schemeClr>
+          </a:lnRef>
+          <a:fillRef idx="1">
+            <a:schemeClr val="accent1"/>
+          </a:fillRef>
+          <a:effectRef idx="0">
+            <a:schemeClr val="accent1"/>
+          </a:effectRef>
+          <a:fontRef idx="minor">
+            <a:schemeClr val="lt1"/>
+          </a:fontRef>
+        </p:style>
+        <p:txBody>
+          <a:bodyPr rot="0" spcFirstLastPara="0" vertOverflow="overflow" horzOverflow="overflow" vert="horz" wrap="square" lIns="91440" tIns="45720" rIns="91440" bIns="45720" numCol="1" spcCol="0" rtlCol="0" fromWordArt="0" anchor="ctr" anchorCtr="0" forceAA="0" compatLnSpc="1">
+            <a:prstTxWarp prst="textNoShape">
+              <a:avLst/>
+            </a:prstTxWarp>
+            <a:noAutofit/>
+          </a:bodyPr>
+          <a:lstStyle/>
+          <a:p>
+            <a:pPr algn="ctr"/>
+            <a:r>
+              <a:rPr lang="en-US" sz="2000" u="sng" dirty="0">
+                <a:solidFill>
+                  <a:schemeClr val="bg1"/>
+                </a:solidFill>
+              </a:rPr>
+              <a:t>4. Add execution code</a:t>
+            </a:r>
+            <a:endParaRPr lang="en-US" sz="2000" dirty="0">
+              <a:solidFill>
+                <a:schemeClr val="bg1"/>
+              </a:solidFill>
+            </a:endParaRPr>
+          </a:p>
+        </p:txBody>
+      </p:sp>
+      <p:sp>
+        <p:nvSpPr>
+          <p:cNvPr id="17" name="TextBox 16">
+            <a:extLst>
+              <a:ext uri="{FF2B5EF4-FFF2-40B4-BE49-F238E27FC236}">
+                <a16:creationId xmlns:a16="http://schemas.microsoft.com/office/drawing/2014/main" id="{C94E90A0-6072-8932-B933-D7D4BFD56220}"/>
+              </a:ext>
+            </a:extLst>
+          </p:cNvPr>
+          <p:cNvSpPr txBox="1"/>
+          <p:nvPr/>
+        </p:nvSpPr>
+        <p:spPr>
+          <a:xfrm>
+            <a:off x="396196" y="3918229"/>
+            <a:ext cx="2057400" cy="523220"/>
+          </a:xfrm>
+          <a:prstGeom prst="rect">
+            <a:avLst/>
+          </a:prstGeom>
+          <a:noFill/>
+        </p:spPr>
+        <p:txBody>
+          <a:bodyPr wrap="square">
+            <a:spAutoFit/>
+          </a:bodyPr>
+          <a:lstStyle/>
+          <a:p>
+            <a:r>
+              <a:rPr lang="en-US" sz="2800" dirty="0" err="1">
+                <a:latin typeface="Consolas" panose="020B0609020204030204" pitchFamily="49" charset="0"/>
+                <a:cs typeface="Consolas" panose="020B0609020204030204" pitchFamily="49" charset="0"/>
+              </a:rPr>
+              <a:t>addTwoNum</a:t>
+            </a:r>
+            <a:endParaRPr lang="en-US" sz="2800" dirty="0"/>
+          </a:p>
+        </p:txBody>
+      </p:sp>
+      <p:sp>
+        <p:nvSpPr>
+          <p:cNvPr id="18" name="TextBox 17">
+            <a:extLst>
+              <a:ext uri="{FF2B5EF4-FFF2-40B4-BE49-F238E27FC236}">
+                <a16:creationId xmlns:a16="http://schemas.microsoft.com/office/drawing/2014/main" id="{A6FDB25E-3A4D-4CB6-7B76-658F351A0E67}"/>
+              </a:ext>
+            </a:extLst>
+          </p:cNvPr>
+          <p:cNvSpPr txBox="1"/>
+          <p:nvPr/>
+        </p:nvSpPr>
+        <p:spPr>
+          <a:xfrm>
+            <a:off x="2448292" y="3901164"/>
+            <a:ext cx="6067058" cy="523220"/>
+          </a:xfrm>
+          <a:prstGeom prst="rect">
+            <a:avLst/>
+          </a:prstGeom>
+          <a:noFill/>
+        </p:spPr>
+        <p:txBody>
+          <a:bodyPr wrap="square">
+            <a:spAutoFit/>
+          </a:bodyPr>
+          <a:lstStyle/>
+          <a:p>
+            <a:r>
+              <a:rPr lang="en-US" sz="2800" dirty="0">
+                <a:latin typeface="Consolas" panose="020B0609020204030204" pitchFamily="49" charset="0"/>
+                <a:cs typeface="Consolas" panose="020B0609020204030204" pitchFamily="49" charset="0"/>
+              </a:rPr>
+              <a:t>&lt;- function(</a:t>
+            </a:r>
+            <a:r>
+              <a:rPr lang="en-US" sz="2800" dirty="0" err="1">
+                <a:latin typeface="Consolas" panose="020B0609020204030204" pitchFamily="49" charset="0"/>
+                <a:cs typeface="Consolas" panose="020B0609020204030204" pitchFamily="49" charset="0"/>
+              </a:rPr>
+              <a:t>numOne</a:t>
+            </a:r>
+            <a:r>
+              <a:rPr lang="en-US" sz="2800" dirty="0">
+                <a:latin typeface="Consolas" panose="020B0609020204030204" pitchFamily="49" charset="0"/>
+                <a:cs typeface="Consolas" panose="020B0609020204030204" pitchFamily="49" charset="0"/>
+              </a:rPr>
+              <a:t>, </a:t>
+            </a:r>
+            <a:r>
+              <a:rPr lang="en-US" sz="2800" dirty="0" err="1">
+                <a:latin typeface="Consolas" panose="020B0609020204030204" pitchFamily="49" charset="0"/>
+                <a:cs typeface="Consolas" panose="020B0609020204030204" pitchFamily="49" charset="0"/>
+              </a:rPr>
+              <a:t>numbTwo</a:t>
+            </a:r>
+            <a:r>
+              <a:rPr lang="en-US" sz="2800" dirty="0">
+                <a:latin typeface="Consolas" panose="020B0609020204030204" pitchFamily="49" charset="0"/>
+                <a:cs typeface="Consolas" panose="020B0609020204030204" pitchFamily="49" charset="0"/>
+              </a:rPr>
+              <a:t>)</a:t>
+            </a:r>
+            <a:endParaRPr lang="en-US" sz="2800" dirty="0"/>
+          </a:p>
+        </p:txBody>
+      </p:sp>
+      <p:sp>
+        <p:nvSpPr>
+          <p:cNvPr id="19" name="TextBox 18">
+            <a:extLst>
+              <a:ext uri="{FF2B5EF4-FFF2-40B4-BE49-F238E27FC236}">
+                <a16:creationId xmlns:a16="http://schemas.microsoft.com/office/drawing/2014/main" id="{D946D3ED-DF51-D448-D601-6402F6B93E4E}"/>
+              </a:ext>
+            </a:extLst>
+          </p:cNvPr>
+          <p:cNvSpPr txBox="1"/>
+          <p:nvPr/>
+        </p:nvSpPr>
+        <p:spPr>
+          <a:xfrm>
+            <a:off x="7976045" y="3901164"/>
+            <a:ext cx="393618" cy="523220"/>
+          </a:xfrm>
+          <a:prstGeom prst="rect">
+            <a:avLst/>
+          </a:prstGeom>
+          <a:noFill/>
+        </p:spPr>
+        <p:txBody>
+          <a:bodyPr wrap="square">
+            <a:spAutoFit/>
+          </a:bodyPr>
+          <a:lstStyle/>
+          <a:p>
+            <a:r>
+              <a:rPr lang="en-US" sz="2800" dirty="0">
+                <a:latin typeface="Consolas" panose="020B0609020204030204" pitchFamily="49" charset="0"/>
+                <a:cs typeface="Consolas" panose="020B0609020204030204" pitchFamily="49" charset="0"/>
+              </a:rPr>
+              <a:t>{</a:t>
+            </a:r>
+            <a:endParaRPr lang="en-US" sz="2800" dirty="0"/>
+          </a:p>
+        </p:txBody>
+      </p:sp>
+      <p:sp>
+        <p:nvSpPr>
+          <p:cNvPr id="20" name="TextBox 19">
+            <a:extLst>
+              <a:ext uri="{FF2B5EF4-FFF2-40B4-BE49-F238E27FC236}">
+                <a16:creationId xmlns:a16="http://schemas.microsoft.com/office/drawing/2014/main" id="{C89491FF-F00C-D8B6-ECA5-B2C00A49C8FA}"/>
+              </a:ext>
+            </a:extLst>
+          </p:cNvPr>
+          <p:cNvSpPr txBox="1"/>
+          <p:nvPr/>
+        </p:nvSpPr>
+        <p:spPr>
+          <a:xfrm>
+            <a:off x="192401" y="5206901"/>
+            <a:ext cx="6067058" cy="523220"/>
+          </a:xfrm>
+          <a:prstGeom prst="rect">
+            <a:avLst/>
+          </a:prstGeom>
+          <a:noFill/>
+        </p:spPr>
+        <p:txBody>
+          <a:bodyPr wrap="square">
+            <a:spAutoFit/>
+          </a:bodyPr>
+          <a:lstStyle/>
+          <a:p>
+            <a:r>
+              <a:rPr lang="en-US" sz="2800" dirty="0">
+                <a:latin typeface="Consolas" panose="020B0609020204030204" pitchFamily="49" charset="0"/>
+                <a:cs typeface="Consolas" panose="020B0609020204030204" pitchFamily="49" charset="0"/>
+              </a:rPr>
+              <a:t>}</a:t>
+            </a:r>
+            <a:endParaRPr lang="en-US" sz="2800" dirty="0"/>
+          </a:p>
+        </p:txBody>
+      </p:sp>
+      <p:sp>
+        <p:nvSpPr>
+          <p:cNvPr id="21" name="TextBox 20">
+            <a:extLst>
+              <a:ext uri="{FF2B5EF4-FFF2-40B4-BE49-F238E27FC236}">
+                <a16:creationId xmlns:a16="http://schemas.microsoft.com/office/drawing/2014/main" id="{47EBB746-9195-4CA1-7749-8C36F4EE99A4}"/>
+              </a:ext>
+            </a:extLst>
+          </p:cNvPr>
+          <p:cNvSpPr txBox="1"/>
+          <p:nvPr/>
+        </p:nvSpPr>
+        <p:spPr>
+          <a:xfrm>
+            <a:off x="1367629" y="4337320"/>
+            <a:ext cx="6067058" cy="523220"/>
+          </a:xfrm>
+          <a:prstGeom prst="rect">
+            <a:avLst/>
+          </a:prstGeom>
+          <a:noFill/>
+        </p:spPr>
+        <p:txBody>
+          <a:bodyPr wrap="square">
+            <a:spAutoFit/>
+          </a:bodyPr>
+          <a:lstStyle/>
+          <a:p>
+            <a:r>
+              <a:rPr lang="en-US" sz="2800" dirty="0">
+                <a:latin typeface="Consolas" panose="020B0609020204030204" pitchFamily="49" charset="0"/>
+                <a:cs typeface="Consolas" panose="020B0609020204030204" pitchFamily="49" charset="0"/>
+              </a:rPr>
+              <a:t>response &lt;- </a:t>
+            </a:r>
+            <a:r>
+              <a:rPr lang="en-US" sz="2800" dirty="0" err="1">
+                <a:latin typeface="Consolas" panose="020B0609020204030204" pitchFamily="49" charset="0"/>
+                <a:cs typeface="Consolas" panose="020B0609020204030204" pitchFamily="49" charset="0"/>
+              </a:rPr>
+              <a:t>numOne</a:t>
+            </a:r>
+            <a:r>
+              <a:rPr lang="en-US" sz="2800" dirty="0">
+                <a:latin typeface="Consolas" panose="020B0609020204030204" pitchFamily="49" charset="0"/>
+                <a:cs typeface="Consolas" panose="020B0609020204030204" pitchFamily="49" charset="0"/>
+              </a:rPr>
+              <a:t> + </a:t>
+            </a:r>
+            <a:r>
+              <a:rPr lang="en-US" sz="2800" dirty="0" err="1">
+                <a:latin typeface="Consolas" panose="020B0609020204030204" pitchFamily="49" charset="0"/>
+                <a:cs typeface="Consolas" panose="020B0609020204030204" pitchFamily="49" charset="0"/>
+              </a:rPr>
+              <a:t>numTwo</a:t>
+            </a:r>
+            <a:endParaRPr lang="en-US" sz="2800" dirty="0"/>
+          </a:p>
+        </p:txBody>
+      </p:sp>
+      <p:sp>
+        <p:nvSpPr>
+          <p:cNvPr id="22" name="TextBox 21">
+            <a:extLst>
+              <a:ext uri="{FF2B5EF4-FFF2-40B4-BE49-F238E27FC236}">
+                <a16:creationId xmlns:a16="http://schemas.microsoft.com/office/drawing/2014/main" id="{4BA4C69A-0925-AF8B-9256-C64C894938F2}"/>
+              </a:ext>
+            </a:extLst>
+          </p:cNvPr>
+          <p:cNvSpPr txBox="1"/>
+          <p:nvPr/>
+        </p:nvSpPr>
+        <p:spPr>
+          <a:xfrm>
+            <a:off x="1351864" y="4770896"/>
+            <a:ext cx="6067058" cy="523220"/>
+          </a:xfrm>
+          <a:prstGeom prst="rect">
+            <a:avLst/>
+          </a:prstGeom>
+          <a:noFill/>
+        </p:spPr>
+        <p:txBody>
+          <a:bodyPr wrap="square">
+            <a:spAutoFit/>
+          </a:bodyPr>
+          <a:lstStyle/>
+          <a:p>
+            <a:r>
+              <a:rPr lang="en-US" sz="2800" dirty="0">
+                <a:latin typeface="Consolas" panose="020B0609020204030204" pitchFamily="49" charset="0"/>
+                <a:cs typeface="Consolas" panose="020B0609020204030204" pitchFamily="49" charset="0"/>
+              </a:rPr>
+              <a:t>return(response)</a:t>
+            </a:r>
+            <a:endParaRPr lang="en-US" sz="2800" dirty="0"/>
+          </a:p>
+        </p:txBody>
+      </p:sp>
+    </p:spTree>
+    <p:extLst>
+      <p:ext uri="{BB962C8B-B14F-4D97-AF65-F5344CB8AC3E}">
+        <p14:creationId xmlns:p14="http://schemas.microsoft.com/office/powerpoint/2010/main" val="1745743320"/>
+      </p:ext>
+    </p:extLst>
+  </p:cSld>
+  <p:clrMapOvr>
+    <a:masterClrMapping/>
+  </p:clrMapOvr>
+</p:sld>
+</file>
+
+<file path=ppt/slides/slide2.xml><?xml version="1.0" encoding="utf-8"?>
+<p:sld xmlns:a="http://schemas.openxmlformats.org/drawingml/2006/main" xmlns:r="http://schemas.openxmlformats.org/officeDocument/2006/relationships" xmlns:p="http://schemas.openxmlformats.org/presentationml/2006/main">
+  <p:cSld>
+    <p:spTree>
+      <p:nvGrpSpPr>
+        <p:cNvPr id="1" name=""/>
+        <p:cNvGrpSpPr/>
+        <p:nvPr/>
+      </p:nvGrpSpPr>
+      <p:grpSpPr>
+        <a:xfrm>
+          <a:off x="0" y="0"/>
+          <a:ext cx="0" cy="0"/>
+          <a:chOff x="0" y="0"/>
+          <a:chExt cx="0" cy="0"/>
+        </a:xfrm>
+      </p:grpSpPr>
+      <p:sp>
+        <p:nvSpPr>
+          <p:cNvPr id="2" name="Date Placeholder 1"/>
+          <p:cNvSpPr>
+            <a:spLocks noGrp="1"/>
+          </p:cNvSpPr>
+          <p:nvPr>
+            <p:ph type="dt" sz="half" idx="10"/>
+          </p:nvPr>
+        </p:nvSpPr>
+        <p:spPr/>
+        <p:txBody>
+          <a:bodyPr/>
+          <a:lstStyle/>
+          <a:p>
+            <a:fld id="{6700A58B-DD98-43D0-B791-721480A02982}" type="datetime1">
+              <a:rPr lang="en-US" smtClean="0"/>
+              <a:t>5/19/23</a:t>
+            </a:fld>
+            <a:endParaRPr lang="en-US"/>
+          </a:p>
+        </p:txBody>
+      </p:sp>
+      <p:sp>
+        <p:nvSpPr>
+          <p:cNvPr id="3" name="Title 2"/>
+          <p:cNvSpPr>
+            <a:spLocks noGrp="1"/>
+          </p:cNvSpPr>
+          <p:nvPr>
+            <p:ph type="title"/>
+          </p:nvPr>
+        </p:nvSpPr>
+        <p:spPr>
+          <a:xfrm>
+            <a:off x="240631" y="365126"/>
+            <a:ext cx="8686800" cy="591477"/>
+          </a:xfrm>
+        </p:spPr>
+        <p:txBody>
+          <a:bodyPr/>
+          <a:lstStyle/>
+          <a:p>
+            <a:r>
+              <a:rPr lang="en-US" dirty="0"/>
+              <a:t>Remember…R uses functions, libraries &amp; objects</a:t>
+            </a:r>
+          </a:p>
+        </p:txBody>
+      </p:sp>
+      <p:sp>
+        <p:nvSpPr>
+          <p:cNvPr id="4" name="Slide Number Placeholder 3"/>
+          <p:cNvSpPr>
+            <a:spLocks noGrp="1"/>
+          </p:cNvSpPr>
+          <p:nvPr>
+            <p:ph type="sldNum" sz="quarter" idx="12"/>
+          </p:nvPr>
+        </p:nvSpPr>
+        <p:spPr/>
+        <p:txBody>
+          <a:bodyPr/>
+          <a:lstStyle/>
+          <a:p>
+            <a:fld id="{37290FF7-652B-4475-AEAB-8B1A5D23AE09}" type="slidenum">
+              <a:rPr lang="en-US" smtClean="0"/>
+              <a:t>2</a:t>
+            </a:fld>
+            <a:endParaRPr lang="en-US"/>
+          </a:p>
+        </p:txBody>
+      </p:sp>
+      <p:sp>
+        <p:nvSpPr>
+          <p:cNvPr id="5" name="Footer Placeholder 4"/>
+          <p:cNvSpPr>
+            <a:spLocks noGrp="1"/>
+          </p:cNvSpPr>
+          <p:nvPr>
+            <p:ph type="ftr" sz="quarter" idx="3"/>
+          </p:nvPr>
+        </p:nvSpPr>
+        <p:spPr/>
+        <p:txBody>
+          <a:bodyPr/>
+          <a:lstStyle/>
+          <a:p>
+            <a:r>
+              <a:rPr lang="en-US"/>
+              <a:t>Kwartler</a:t>
+            </a:r>
+            <a:endParaRPr lang="en-US" dirty="0"/>
+          </a:p>
+        </p:txBody>
+      </p:sp>
+      <p:sp>
+        <p:nvSpPr>
+          <p:cNvPr id="6" name="Rectangle 5">
+            <a:extLst>
+              <a:ext uri="{FF2B5EF4-FFF2-40B4-BE49-F238E27FC236}">
+                <a16:creationId xmlns:a16="http://schemas.microsoft.com/office/drawing/2014/main" id="{1057600D-422B-4BD6-98C5-ECD6CB4C0601}"/>
+              </a:ext>
+            </a:extLst>
+          </p:cNvPr>
+          <p:cNvSpPr/>
+          <p:nvPr/>
+        </p:nvSpPr>
+        <p:spPr>
+          <a:xfrm>
+            <a:off x="240631" y="5345069"/>
+            <a:ext cx="8686800" cy="614371"/>
+          </a:xfrm>
+          <a:prstGeom prst="rect">
+            <a:avLst/>
+          </a:prstGeom>
+          <a:solidFill>
+            <a:schemeClr val="accent2"/>
+          </a:solidFill>
+          <a:ln>
+            <a:noFill/>
+          </a:ln>
+        </p:spPr>
+        <p:style>
+          <a:lnRef idx="2">
+            <a:schemeClr val="accent1">
+              <a:shade val="50000"/>
+            </a:schemeClr>
+          </a:lnRef>
+          <a:fillRef idx="1">
+            <a:schemeClr val="accent1"/>
+          </a:fillRef>
+          <a:effectRef idx="0">
+            <a:schemeClr val="accent1"/>
+          </a:effectRef>
+          <a:fontRef idx="minor">
+            <a:schemeClr val="lt1"/>
+          </a:fontRef>
+        </p:style>
+        <p:txBody>
+          <a:bodyPr rtlCol="0" anchor="ctr"/>
+          <a:lstStyle/>
+          <a:p>
+            <a:pPr algn="ctr"/>
+            <a:r>
+              <a:rPr lang="en-US" sz="2400" dirty="0">
+                <a:solidFill>
+                  <a:schemeClr val="bg1"/>
+                </a:solidFill>
+              </a:rPr>
+              <a:t>R uses predefined functions to accomplish things.</a:t>
+            </a:r>
+            <a:endParaRPr lang="en-US" sz="2400" b="1" u="sng" dirty="0">
+              <a:solidFill>
+                <a:schemeClr val="accent1"/>
+              </a:solidFill>
+            </a:endParaRPr>
+          </a:p>
+        </p:txBody>
+      </p:sp>
+      <p:cxnSp>
+        <p:nvCxnSpPr>
+          <p:cNvPr id="7" name="Straight Arrow Connector 6">
+            <a:extLst>
+              <a:ext uri="{FF2B5EF4-FFF2-40B4-BE49-F238E27FC236}">
+                <a16:creationId xmlns:a16="http://schemas.microsoft.com/office/drawing/2014/main" id="{14B1C195-F0A1-4DF2-83F7-CCD1E042F513}"/>
+              </a:ext>
+            </a:extLst>
+          </p:cNvPr>
+          <p:cNvCxnSpPr/>
+          <p:nvPr/>
+        </p:nvCxnSpPr>
+        <p:spPr>
+          <a:xfrm>
+            <a:off x="1281504" y="3106455"/>
+            <a:ext cx="1828800" cy="0"/>
+          </a:xfrm>
+          <a:prstGeom prst="straightConnector1">
+            <a:avLst/>
+          </a:prstGeom>
+          <a:ln w="12700">
+            <a:solidFill>
+              <a:schemeClr val="tx2"/>
+            </a:solidFill>
+            <a:tailEnd type="triangle"/>
+          </a:ln>
+        </p:spPr>
+        <p:style>
+          <a:lnRef idx="1">
+            <a:schemeClr val="accent1"/>
+          </a:lnRef>
+          <a:fillRef idx="0">
+            <a:schemeClr val="accent1"/>
+          </a:fillRef>
+          <a:effectRef idx="0">
+            <a:schemeClr val="accent1"/>
+          </a:effectRef>
+          <a:fontRef idx="minor">
+            <a:schemeClr val="tx1"/>
+          </a:fontRef>
+        </p:style>
+      </p:cxnSp>
+      <p:sp>
+        <p:nvSpPr>
+          <p:cNvPr id="8" name="Rectangle 7">
+            <a:extLst>
+              <a:ext uri="{FF2B5EF4-FFF2-40B4-BE49-F238E27FC236}">
+                <a16:creationId xmlns:a16="http://schemas.microsoft.com/office/drawing/2014/main" id="{F90C574D-332E-41EE-87C5-81241A5307BF}"/>
+              </a:ext>
+            </a:extLst>
+          </p:cNvPr>
+          <p:cNvSpPr/>
+          <p:nvPr/>
+        </p:nvSpPr>
+        <p:spPr>
+          <a:xfrm>
+            <a:off x="3538967" y="2099657"/>
+            <a:ext cx="2041743" cy="2041743"/>
+          </a:xfrm>
+          <a:prstGeom prst="rect">
+            <a:avLst/>
+          </a:prstGeom>
+          <a:solidFill>
+            <a:schemeClr val="accent6"/>
+          </a:solidFill>
+          <a:ln>
+            <a:noFill/>
+          </a:ln>
+        </p:spPr>
+        <p:style>
+          <a:lnRef idx="2">
+            <a:schemeClr val="accent1">
+              <a:shade val="50000"/>
+            </a:schemeClr>
+          </a:lnRef>
+          <a:fillRef idx="1">
+            <a:schemeClr val="accent1"/>
+          </a:fillRef>
+          <a:effectRef idx="0">
+            <a:schemeClr val="accent1"/>
+          </a:effectRef>
+          <a:fontRef idx="minor">
+            <a:schemeClr val="lt1"/>
+          </a:fontRef>
+        </p:style>
+        <p:txBody>
+          <a:bodyPr rot="0" spcFirstLastPara="0" vertOverflow="overflow" horzOverflow="overflow" vert="horz" wrap="square" lIns="91440" tIns="45720" rIns="91440" bIns="45720" numCol="1" spcCol="0" rtlCol="0" fromWordArt="0" anchor="ctr" anchorCtr="0" forceAA="0" compatLnSpc="1">
+            <a:prstTxWarp prst="textNoShape">
+              <a:avLst/>
+            </a:prstTxWarp>
+            <a:noAutofit/>
+          </a:bodyPr>
+          <a:lstStyle/>
+          <a:p>
+            <a:pPr algn="ctr"/>
+            <a:r>
+              <a:rPr lang="en-US" sz="2000" dirty="0">
+                <a:solidFill>
+                  <a:schemeClr val="bg1"/>
+                </a:solidFill>
+              </a:rPr>
+              <a:t>Function</a:t>
+            </a:r>
+          </a:p>
+        </p:txBody>
+      </p:sp>
+      <p:sp>
+        <p:nvSpPr>
+          <p:cNvPr id="9" name="TextBox 8">
+            <a:extLst>
+              <a:ext uri="{FF2B5EF4-FFF2-40B4-BE49-F238E27FC236}">
+                <a16:creationId xmlns:a16="http://schemas.microsoft.com/office/drawing/2014/main" id="{7A7A9DDF-ABC4-486B-BABF-3D7BAD0689BF}"/>
+              </a:ext>
+            </a:extLst>
+          </p:cNvPr>
+          <p:cNvSpPr txBox="1"/>
+          <p:nvPr/>
+        </p:nvSpPr>
+        <p:spPr>
+          <a:xfrm>
+            <a:off x="155214" y="2921789"/>
+            <a:ext cx="697627" cy="369332"/>
+          </a:xfrm>
+          <a:prstGeom prst="rect">
+            <a:avLst/>
+          </a:prstGeom>
+          <a:noFill/>
+        </p:spPr>
+        <p:txBody>
+          <a:bodyPr wrap="none" rtlCol="0">
+            <a:spAutoFit/>
+          </a:bodyPr>
+          <a:lstStyle/>
+          <a:p>
+            <a:r>
+              <a:rPr lang="en-US" dirty="0"/>
+              <a:t>Input</a:t>
+            </a:r>
+          </a:p>
+        </p:txBody>
+      </p:sp>
+      <p:cxnSp>
+        <p:nvCxnSpPr>
+          <p:cNvPr id="10" name="Straight Arrow Connector 9">
+            <a:extLst>
+              <a:ext uri="{FF2B5EF4-FFF2-40B4-BE49-F238E27FC236}">
+                <a16:creationId xmlns:a16="http://schemas.microsoft.com/office/drawing/2014/main" id="{50F5C5F6-6775-4B27-8329-824CF1E7A3A3}"/>
+              </a:ext>
+            </a:extLst>
+          </p:cNvPr>
+          <p:cNvCxnSpPr/>
+          <p:nvPr/>
+        </p:nvCxnSpPr>
+        <p:spPr>
+          <a:xfrm>
+            <a:off x="6009373" y="3096017"/>
+            <a:ext cx="1828800" cy="0"/>
+          </a:xfrm>
+          <a:prstGeom prst="straightConnector1">
+            <a:avLst/>
+          </a:prstGeom>
+          <a:ln w="12700">
+            <a:solidFill>
+              <a:schemeClr val="tx2"/>
+            </a:solidFill>
+            <a:tailEnd type="triangle"/>
+          </a:ln>
+        </p:spPr>
+        <p:style>
+          <a:lnRef idx="1">
+            <a:schemeClr val="accent1"/>
+          </a:lnRef>
+          <a:fillRef idx="0">
+            <a:schemeClr val="accent1"/>
+          </a:fillRef>
+          <a:effectRef idx="0">
+            <a:schemeClr val="accent1"/>
+          </a:effectRef>
+          <a:fontRef idx="minor">
+            <a:schemeClr val="tx1"/>
+          </a:fontRef>
+        </p:style>
+      </p:cxnSp>
+      <p:sp>
+        <p:nvSpPr>
+          <p:cNvPr id="11" name="TextBox 10">
+            <a:extLst>
+              <a:ext uri="{FF2B5EF4-FFF2-40B4-BE49-F238E27FC236}">
+                <a16:creationId xmlns:a16="http://schemas.microsoft.com/office/drawing/2014/main" id="{F26CDC2A-2032-43BC-B8F4-FE3782DA2BFB}"/>
+              </a:ext>
+            </a:extLst>
+          </p:cNvPr>
+          <p:cNvSpPr txBox="1"/>
+          <p:nvPr/>
+        </p:nvSpPr>
+        <p:spPr>
+          <a:xfrm>
+            <a:off x="8266837" y="2911351"/>
+            <a:ext cx="877163" cy="369332"/>
+          </a:xfrm>
+          <a:prstGeom prst="rect">
+            <a:avLst/>
+          </a:prstGeom>
+          <a:noFill/>
+        </p:spPr>
+        <p:txBody>
+          <a:bodyPr wrap="none" rtlCol="0">
+            <a:spAutoFit/>
+          </a:bodyPr>
+          <a:lstStyle/>
+          <a:p>
+            <a:r>
+              <a:rPr lang="en-US" dirty="0"/>
+              <a:t>Output</a:t>
+            </a:r>
+          </a:p>
+        </p:txBody>
+      </p:sp>
+    </p:spTree>
+    <p:extLst>
+      <p:ext uri="{BB962C8B-B14F-4D97-AF65-F5344CB8AC3E}">
+        <p14:creationId xmlns:p14="http://schemas.microsoft.com/office/powerpoint/2010/main" val="1995320507"/>
+      </p:ext>
+    </p:extLst>
+  </p:cSld>
+  <p:clrMapOvr>
+    <a:masterClrMapping/>
+  </p:clrMapOvr>
+</p:sld>
+</file>
+
+<file path=ppt/slides/slide3.xml><?xml version="1.0" encoding="utf-8"?>
+<p:sld xmlns:a="http://schemas.openxmlformats.org/drawingml/2006/main" xmlns:r="http://schemas.openxmlformats.org/officeDocument/2006/relationships" xmlns:p="http://schemas.openxmlformats.org/presentationml/2006/main">
+  <p:cSld>
+    <p:spTree>
+      <p:nvGrpSpPr>
+        <p:cNvPr id="1" name=""/>
+        <p:cNvGrpSpPr/>
+        <p:nvPr/>
+      </p:nvGrpSpPr>
+      <p:grpSpPr>
+        <a:xfrm>
+          <a:off x="0" y="0"/>
+          <a:ext cx="0" cy="0"/>
+          <a:chOff x="0" y="0"/>
+          <a:chExt cx="0" cy="0"/>
+        </a:xfrm>
+      </p:grpSpPr>
+      <p:sp>
+        <p:nvSpPr>
+          <p:cNvPr id="2" name="Date Placeholder 1"/>
+          <p:cNvSpPr>
+            <a:spLocks noGrp="1"/>
+          </p:cNvSpPr>
+          <p:nvPr>
+            <p:ph type="dt" sz="half" idx="10"/>
+          </p:nvPr>
+        </p:nvSpPr>
+        <p:spPr/>
+        <p:txBody>
+          <a:bodyPr/>
+          <a:lstStyle/>
+          <a:p>
+            <a:fld id="{6700A58B-DD98-43D0-B791-721480A02982}" type="datetime1">
+              <a:rPr lang="en-US" smtClean="0"/>
+              <a:t>5/19/23</a:t>
+            </a:fld>
+            <a:endParaRPr lang="en-US"/>
+          </a:p>
+        </p:txBody>
+      </p:sp>
+      <p:sp>
+        <p:nvSpPr>
+          <p:cNvPr id="4" name="Slide Number Placeholder 3"/>
+          <p:cNvSpPr>
+            <a:spLocks noGrp="1"/>
+          </p:cNvSpPr>
+          <p:nvPr>
+            <p:ph type="sldNum" sz="quarter" idx="12"/>
+          </p:nvPr>
+        </p:nvSpPr>
+        <p:spPr/>
+        <p:txBody>
+          <a:bodyPr/>
+          <a:lstStyle/>
+          <a:p>
+            <a:fld id="{37290FF7-652B-4475-AEAB-8B1A5D23AE09}" type="slidenum">
+              <a:rPr lang="en-US" smtClean="0"/>
+              <a:t>3</a:t>
+            </a:fld>
+            <a:endParaRPr lang="en-US"/>
+          </a:p>
+        </p:txBody>
+      </p:sp>
+      <p:sp>
+        <p:nvSpPr>
+          <p:cNvPr id="5" name="Footer Placeholder 4"/>
+          <p:cNvSpPr>
+            <a:spLocks noGrp="1"/>
+          </p:cNvSpPr>
+          <p:nvPr>
+            <p:ph type="ftr" sz="quarter" idx="3"/>
+          </p:nvPr>
+        </p:nvSpPr>
+        <p:spPr/>
+        <p:txBody>
+          <a:bodyPr/>
+          <a:lstStyle/>
+          <a:p>
+            <a:r>
+              <a:rPr lang="en-US"/>
+              <a:t>Kwartler</a:t>
+            </a:r>
+            <a:endParaRPr lang="en-US" dirty="0"/>
+          </a:p>
+        </p:txBody>
+      </p:sp>
+      <p:sp>
+        <p:nvSpPr>
+          <p:cNvPr id="7" name="TextBox 6">
+            <a:extLst>
+              <a:ext uri="{FF2B5EF4-FFF2-40B4-BE49-F238E27FC236}">
+                <a16:creationId xmlns:a16="http://schemas.microsoft.com/office/drawing/2014/main" id="{051120AF-BC7C-483D-AC5F-D193F15235D7}"/>
+              </a:ext>
+            </a:extLst>
+          </p:cNvPr>
+          <p:cNvSpPr txBox="1"/>
+          <p:nvPr/>
+        </p:nvSpPr>
+        <p:spPr>
+          <a:xfrm>
+            <a:off x="928065" y="2831348"/>
+            <a:ext cx="4237057" cy="369332"/>
+          </a:xfrm>
+          <a:prstGeom prst="rect">
+            <a:avLst/>
+          </a:prstGeom>
+          <a:noFill/>
+        </p:spPr>
+        <p:txBody>
+          <a:bodyPr wrap="none" rtlCol="0">
+            <a:spAutoFit/>
+          </a:bodyPr>
+          <a:lstStyle/>
+          <a:p>
+            <a:r>
+              <a:rPr lang="en-US" dirty="0" err="1">
+                <a:latin typeface="Consolas" panose="020B0609020204030204" pitchFamily="49" charset="0"/>
+              </a:rPr>
+              <a:t>halfBanana</a:t>
+            </a:r>
+            <a:r>
+              <a:rPr lang="en-US" dirty="0">
+                <a:latin typeface="Consolas" panose="020B0609020204030204" pitchFamily="49" charset="0"/>
+              </a:rPr>
+              <a:t> &lt;- </a:t>
+            </a:r>
+            <a:r>
+              <a:rPr lang="en-US" dirty="0" err="1">
+                <a:latin typeface="Consolas" panose="020B0609020204030204" pitchFamily="49" charset="0"/>
+              </a:rPr>
+              <a:t>cutinhalf</a:t>
+            </a:r>
+            <a:r>
+              <a:rPr lang="en-US" dirty="0">
+                <a:latin typeface="Consolas" panose="020B0609020204030204" pitchFamily="49" charset="0"/>
+              </a:rPr>
+              <a:t>(banana )</a:t>
+            </a:r>
+            <a:endParaRPr lang="en-US" dirty="0"/>
+          </a:p>
+        </p:txBody>
+      </p:sp>
+      <p:pic>
+        <p:nvPicPr>
+          <p:cNvPr id="8" name="Picture 2" descr="http://www.brainkandie.com/images/banana.png">
+            <a:extLst>
+              <a:ext uri="{FF2B5EF4-FFF2-40B4-BE49-F238E27FC236}">
+                <a16:creationId xmlns:a16="http://schemas.microsoft.com/office/drawing/2014/main" id="{F131010D-A51D-449B-A4EC-6FA4FAAA076C}"/>
+              </a:ext>
+            </a:extLst>
+          </p:cNvPr>
+          <p:cNvPicPr>
+            <a:picLocks noChangeAspect="1" noChangeArrowheads="1"/>
+          </p:cNvPicPr>
+          <p:nvPr/>
+        </p:nvPicPr>
+        <p:blipFill>
+          <a:blip r:embed="rId2">
+            <a:clrChange>
+              <a:clrFrom>
+                <a:srgbClr val="FFFFFF"/>
+              </a:clrFrom>
+              <a:clrTo>
+                <a:srgbClr val="FFFFFF">
+                  <a:alpha val="0"/>
+                </a:srgbClr>
+              </a:clrTo>
+            </a:clrChange>
+            <a:extLst>
+              <a:ext uri="{28A0092B-C50C-407E-A947-70E740481C1C}">
+                <a14:useLocalDpi xmlns:a14="http://schemas.microsoft.com/office/drawing/2010/main" val="0"/>
+              </a:ext>
+            </a:extLst>
+          </a:blip>
+          <a:srcRect/>
+          <a:stretch>
+            <a:fillRect/>
+          </a:stretch>
+        </p:blipFill>
+        <p:spPr bwMode="auto">
+          <a:xfrm flipH="1">
+            <a:off x="5038486" y="1821307"/>
+            <a:ext cx="3338782" cy="2003269"/>
+          </a:xfrm>
+          <a:prstGeom prst="rect">
+            <a:avLst/>
+          </a:prstGeom>
+          <a:noFill/>
+          <a:extLst>
+            <a:ext uri="{909E8E84-426E-40DD-AFC4-6F175D3DCCD1}">
+              <a14:hiddenFill xmlns:a14="http://schemas.microsoft.com/office/drawing/2010/main">
+                <a:solidFill>
+                  <a:srgbClr val="FFFFFF"/>
+                </a:solidFill>
+              </a14:hiddenFill>
+            </a:ext>
+          </a:extLst>
+        </p:spPr>
+      </p:pic>
+      <p:pic>
+        <p:nvPicPr>
+          <p:cNvPr id="9" name="Picture 4" descr="http://cdn.xl.thumbs.canstockphoto.com/canstock14746167.jpg">
+            <a:extLst>
+              <a:ext uri="{FF2B5EF4-FFF2-40B4-BE49-F238E27FC236}">
+                <a16:creationId xmlns:a16="http://schemas.microsoft.com/office/drawing/2014/main" id="{BADE13CE-D19F-477C-B30C-CA95D427711A}"/>
+              </a:ext>
+            </a:extLst>
+          </p:cNvPr>
+          <p:cNvPicPr>
+            <a:picLocks noChangeAspect="1" noChangeArrowheads="1"/>
+          </p:cNvPicPr>
+          <p:nvPr/>
+        </p:nvPicPr>
+        <p:blipFill rotWithShape="1">
+          <a:blip r:embed="rId3">
+            <a:clrChange>
+              <a:clrFrom>
+                <a:srgbClr val="FFFFFF"/>
+              </a:clrFrom>
+              <a:clrTo>
+                <a:srgbClr val="FFFFFF">
+                  <a:alpha val="0"/>
+                </a:srgbClr>
+              </a:clrTo>
+            </a:clrChange>
+            <a:extLst>
+              <a:ext uri="{28A0092B-C50C-407E-A947-70E740481C1C}">
+                <a14:useLocalDpi xmlns:a14="http://schemas.microsoft.com/office/drawing/2010/main" val="0"/>
+              </a:ext>
+            </a:extLst>
+          </a:blip>
+          <a:srcRect t="26470" b="38097"/>
+          <a:stretch/>
+        </p:blipFill>
+        <p:spPr bwMode="auto">
+          <a:xfrm rot="5400000">
+            <a:off x="6387740" y="2929490"/>
+            <a:ext cx="2819554" cy="717846"/>
+          </a:xfrm>
+          <a:prstGeom prst="rect">
+            <a:avLst/>
+          </a:prstGeom>
+          <a:noFill/>
+          <a:extLst>
+            <a:ext uri="{909E8E84-426E-40DD-AFC4-6F175D3DCCD1}">
+              <a14:hiddenFill xmlns:a14="http://schemas.microsoft.com/office/drawing/2010/main">
+                <a:solidFill>
+                  <a:srgbClr val="FFFFFF"/>
+                </a:solidFill>
+              </a14:hiddenFill>
+            </a:ext>
+          </a:extLst>
+        </p:spPr>
+      </p:pic>
+      <p:sp>
+        <p:nvSpPr>
+          <p:cNvPr id="10" name="Rectangle 9">
+            <a:extLst>
+              <a:ext uri="{FF2B5EF4-FFF2-40B4-BE49-F238E27FC236}">
+                <a16:creationId xmlns:a16="http://schemas.microsoft.com/office/drawing/2014/main" id="{C0750E9D-BE5C-45ED-A40C-CDF1D2C48FFA}"/>
+              </a:ext>
+            </a:extLst>
+          </p:cNvPr>
+          <p:cNvSpPr/>
+          <p:nvPr/>
+        </p:nvSpPr>
+        <p:spPr>
+          <a:xfrm>
+            <a:off x="2683594" y="3345657"/>
+            <a:ext cx="1290182" cy="340197"/>
+          </a:xfrm>
+          <a:prstGeom prst="rect">
+            <a:avLst/>
+          </a:prstGeom>
+          <a:solidFill>
+            <a:schemeClr val="accent6"/>
+          </a:solidFill>
+          <a:ln>
+            <a:noFill/>
+          </a:ln>
+        </p:spPr>
+        <p:style>
+          <a:lnRef idx="2">
+            <a:schemeClr val="accent1">
+              <a:shade val="50000"/>
+            </a:schemeClr>
+          </a:lnRef>
+          <a:fillRef idx="1">
+            <a:schemeClr val="accent1"/>
+          </a:fillRef>
+          <a:effectRef idx="0">
+            <a:schemeClr val="accent1"/>
+          </a:effectRef>
+          <a:fontRef idx="minor">
+            <a:schemeClr val="lt1"/>
+          </a:fontRef>
+        </p:style>
+        <p:txBody>
+          <a:bodyPr rot="0" spcFirstLastPara="0" vertOverflow="overflow" horzOverflow="overflow" vert="horz" wrap="square" lIns="91440" tIns="45720" rIns="91440" bIns="45720" numCol="1" spcCol="0" rtlCol="0" fromWordArt="0" anchor="ctr" anchorCtr="0" forceAA="0" compatLnSpc="1">
+            <a:prstTxWarp prst="textNoShape">
+              <a:avLst/>
+            </a:prstTxWarp>
+            <a:noAutofit/>
+          </a:bodyPr>
+          <a:lstStyle/>
+          <a:p>
+            <a:pPr algn="ctr"/>
+            <a:r>
+              <a:rPr lang="en-US" sz="2000" dirty="0">
+                <a:solidFill>
+                  <a:schemeClr val="bg1"/>
+                </a:solidFill>
+              </a:rPr>
+              <a:t>Function</a:t>
+            </a:r>
+          </a:p>
+        </p:txBody>
+      </p:sp>
+      <p:sp>
+        <p:nvSpPr>
+          <p:cNvPr id="11" name="TextBox 10">
+            <a:extLst>
+              <a:ext uri="{FF2B5EF4-FFF2-40B4-BE49-F238E27FC236}">
+                <a16:creationId xmlns:a16="http://schemas.microsoft.com/office/drawing/2014/main" id="{DBFF11B1-B091-4AE7-91D0-6E51D2A84A8F}"/>
+              </a:ext>
+            </a:extLst>
+          </p:cNvPr>
+          <p:cNvSpPr txBox="1"/>
+          <p:nvPr/>
+        </p:nvSpPr>
+        <p:spPr>
+          <a:xfrm>
+            <a:off x="4152564" y="3331089"/>
+            <a:ext cx="697627" cy="369332"/>
+          </a:xfrm>
+          <a:prstGeom prst="rect">
+            <a:avLst/>
+          </a:prstGeom>
+          <a:noFill/>
+        </p:spPr>
+        <p:txBody>
+          <a:bodyPr wrap="none" rtlCol="0">
+            <a:spAutoFit/>
+          </a:bodyPr>
+          <a:lstStyle/>
+          <a:p>
+            <a:r>
+              <a:rPr lang="en-US" dirty="0"/>
+              <a:t>Input</a:t>
+            </a:r>
+          </a:p>
+        </p:txBody>
+      </p:sp>
+      <p:sp>
+        <p:nvSpPr>
+          <p:cNvPr id="12" name="TextBox 11">
+            <a:extLst>
+              <a:ext uri="{FF2B5EF4-FFF2-40B4-BE49-F238E27FC236}">
+                <a16:creationId xmlns:a16="http://schemas.microsoft.com/office/drawing/2014/main" id="{D86E95B4-4528-4F4A-9DED-2D3431AAAD60}"/>
+              </a:ext>
+            </a:extLst>
+          </p:cNvPr>
+          <p:cNvSpPr txBox="1"/>
+          <p:nvPr/>
+        </p:nvSpPr>
+        <p:spPr>
+          <a:xfrm>
+            <a:off x="1170086" y="3331089"/>
+            <a:ext cx="877163" cy="369332"/>
+          </a:xfrm>
+          <a:prstGeom prst="rect">
+            <a:avLst/>
+          </a:prstGeom>
+          <a:noFill/>
+        </p:spPr>
+        <p:txBody>
+          <a:bodyPr wrap="none" rtlCol="0">
+            <a:spAutoFit/>
+          </a:bodyPr>
+          <a:lstStyle/>
+          <a:p>
+            <a:r>
+              <a:rPr lang="en-US" dirty="0"/>
+              <a:t>Output</a:t>
+            </a:r>
+          </a:p>
+        </p:txBody>
+      </p:sp>
+      <p:cxnSp>
+        <p:nvCxnSpPr>
+          <p:cNvPr id="13" name="Straight Connector 12">
+            <a:extLst>
+              <a:ext uri="{FF2B5EF4-FFF2-40B4-BE49-F238E27FC236}">
+                <a16:creationId xmlns:a16="http://schemas.microsoft.com/office/drawing/2014/main" id="{E222A061-6C3F-4577-8CFA-72B564A8F28B}"/>
+              </a:ext>
+            </a:extLst>
+          </p:cNvPr>
+          <p:cNvCxnSpPr/>
+          <p:nvPr/>
+        </p:nvCxnSpPr>
+        <p:spPr>
+          <a:xfrm>
+            <a:off x="2495704" y="3241435"/>
+            <a:ext cx="0" cy="548640"/>
+          </a:xfrm>
+          <a:prstGeom prst="line">
+            <a:avLst/>
+          </a:prstGeom>
+          <a:ln w="12700">
+            <a:solidFill>
+              <a:schemeClr val="tx2"/>
+            </a:solidFill>
+            <a:prstDash val="dash"/>
+          </a:ln>
+        </p:spPr>
+        <p:style>
+          <a:lnRef idx="1">
+            <a:schemeClr val="accent1"/>
+          </a:lnRef>
+          <a:fillRef idx="0">
+            <a:schemeClr val="accent1"/>
+          </a:fillRef>
+          <a:effectRef idx="0">
+            <a:schemeClr val="accent1"/>
+          </a:effectRef>
+          <a:fontRef idx="minor">
+            <a:schemeClr val="tx1"/>
+          </a:fontRef>
+        </p:style>
+      </p:cxnSp>
+      <p:sp>
+        <p:nvSpPr>
+          <p:cNvPr id="14" name="Rectangle 13">
+            <a:extLst>
+              <a:ext uri="{FF2B5EF4-FFF2-40B4-BE49-F238E27FC236}">
+                <a16:creationId xmlns:a16="http://schemas.microsoft.com/office/drawing/2014/main" id="{A44ACFCD-D15B-409F-862E-5418190449DB}"/>
+              </a:ext>
+            </a:extLst>
+          </p:cNvPr>
+          <p:cNvSpPr/>
+          <p:nvPr/>
+        </p:nvSpPr>
+        <p:spPr>
+          <a:xfrm>
+            <a:off x="3880753" y="3331089"/>
+            <a:ext cx="311304" cy="369332"/>
+          </a:xfrm>
+          <a:prstGeom prst="rect">
+            <a:avLst/>
+          </a:prstGeom>
+        </p:spPr>
+        <p:txBody>
+          <a:bodyPr wrap="none">
+            <a:spAutoFit/>
+          </a:bodyPr>
+          <a:lstStyle/>
+          <a:p>
+            <a:r>
+              <a:rPr lang="en-US" dirty="0">
+                <a:latin typeface="Consolas" panose="020B0609020204030204" pitchFamily="49" charset="0"/>
+              </a:rPr>
+              <a:t>(</a:t>
+            </a:r>
+            <a:endParaRPr lang="en-US" dirty="0"/>
+          </a:p>
+        </p:txBody>
+      </p:sp>
+      <p:sp>
+        <p:nvSpPr>
+          <p:cNvPr id="15" name="Rectangle 14">
+            <a:extLst>
+              <a:ext uri="{FF2B5EF4-FFF2-40B4-BE49-F238E27FC236}">
+                <a16:creationId xmlns:a16="http://schemas.microsoft.com/office/drawing/2014/main" id="{D5A4D964-AB5B-4B9A-B814-F29D6F3773F7}"/>
+              </a:ext>
+            </a:extLst>
+          </p:cNvPr>
+          <p:cNvSpPr/>
+          <p:nvPr/>
+        </p:nvSpPr>
+        <p:spPr>
+          <a:xfrm>
+            <a:off x="4853818" y="3331089"/>
+            <a:ext cx="311304" cy="369332"/>
+          </a:xfrm>
+          <a:prstGeom prst="rect">
+            <a:avLst/>
+          </a:prstGeom>
+        </p:spPr>
+        <p:txBody>
+          <a:bodyPr wrap="none">
+            <a:spAutoFit/>
+          </a:bodyPr>
+          <a:lstStyle/>
+          <a:p>
+            <a:r>
+              <a:rPr lang="en-US" dirty="0">
+                <a:latin typeface="Consolas" panose="020B0609020204030204" pitchFamily="49" charset="0"/>
+              </a:rPr>
+              <a:t>)</a:t>
+            </a:r>
+            <a:endParaRPr lang="en-US" dirty="0"/>
+          </a:p>
+        </p:txBody>
+      </p:sp>
+      <p:sp>
+        <p:nvSpPr>
+          <p:cNvPr id="19" name="Title 2">
+            <a:extLst>
+              <a:ext uri="{FF2B5EF4-FFF2-40B4-BE49-F238E27FC236}">
+                <a16:creationId xmlns:a16="http://schemas.microsoft.com/office/drawing/2014/main" id="{CA67F3ED-F32E-ED27-5CC0-6F9EDCE535C8}"/>
+              </a:ext>
+            </a:extLst>
+          </p:cNvPr>
+          <p:cNvSpPr>
+            <a:spLocks noGrp="1"/>
+          </p:cNvSpPr>
+          <p:nvPr>
+            <p:ph type="title"/>
+          </p:nvPr>
+        </p:nvSpPr>
+        <p:spPr>
+          <a:xfrm>
+            <a:off x="240631" y="365126"/>
+            <a:ext cx="8686800" cy="591477"/>
+          </a:xfrm>
+        </p:spPr>
+        <p:txBody>
+          <a:bodyPr/>
+          <a:lstStyle/>
+          <a:p>
+            <a:r>
+              <a:rPr lang="en-US" dirty="0"/>
+              <a:t>Remember…R uses functions, libraries &amp; objects</a:t>
+            </a:r>
+          </a:p>
+        </p:txBody>
+      </p:sp>
+    </p:spTree>
+    <p:extLst>
+      <p:ext uri="{BB962C8B-B14F-4D97-AF65-F5344CB8AC3E}">
+        <p14:creationId xmlns:p14="http://schemas.microsoft.com/office/powerpoint/2010/main" val="1265481651"/>
+      </p:ext>
+    </p:extLst>
+  </p:cSld>
+  <p:clrMapOvr>
+    <a:masterClrMapping/>
+  </p:clrMapOvr>
+</p:sld>
+</file>
+
+<file path=ppt/slides/slide4.xml><?xml version="1.0" encoding="utf-8"?>
+<p:sld xmlns:a="http://schemas.openxmlformats.org/drawingml/2006/main" xmlns:r="http://schemas.openxmlformats.org/officeDocument/2006/relationships" xmlns:p="http://schemas.openxmlformats.org/presentationml/2006/main">
+  <p:cSld>
+    <p:spTree>
+      <p:nvGrpSpPr>
+        <p:cNvPr id="1" name=""/>
+        <p:cNvGrpSpPr/>
+        <p:nvPr/>
+      </p:nvGrpSpPr>
+      <p:grpSpPr>
+        <a:xfrm>
+          <a:off x="0" y="0"/>
+          <a:ext cx="0" cy="0"/>
+          <a:chOff x="0" y="0"/>
+          <a:chExt cx="0" cy="0"/>
+        </a:xfrm>
+      </p:grpSpPr>
+      <p:sp>
+        <p:nvSpPr>
+          <p:cNvPr id="2" name="Date Placeholder 1">
+            <a:extLst>
+              <a:ext uri="{FF2B5EF4-FFF2-40B4-BE49-F238E27FC236}">
+                <a16:creationId xmlns:a16="http://schemas.microsoft.com/office/drawing/2014/main" id="{B58B1664-5E22-F723-C2C4-B59C54939633}"/>
+              </a:ext>
+            </a:extLst>
+          </p:cNvPr>
+          <p:cNvSpPr>
+            <a:spLocks noGrp="1"/>
+          </p:cNvSpPr>
+          <p:nvPr>
+            <p:ph type="dt" sz="half" idx="10"/>
+          </p:nvPr>
+        </p:nvSpPr>
+        <p:spPr/>
+        <p:txBody>
+          <a:bodyPr/>
+          <a:lstStyle/>
+          <a:p>
+            <a:fld id="{6700A58B-DD98-43D0-B791-721480A02982}" type="datetime1">
+              <a:rPr lang="en-US" smtClean="0"/>
+              <a:t>5/19/23</a:t>
+            </a:fld>
+            <a:endParaRPr lang="en-US"/>
+          </a:p>
+        </p:txBody>
+      </p:sp>
+      <p:sp>
+        <p:nvSpPr>
+          <p:cNvPr id="3" name="Title 2">
+            <a:extLst>
+              <a:ext uri="{FF2B5EF4-FFF2-40B4-BE49-F238E27FC236}">
+                <a16:creationId xmlns:a16="http://schemas.microsoft.com/office/drawing/2014/main" id="{C5E9C62C-A122-38A6-E113-34CD7043F81A}"/>
+              </a:ext>
+            </a:extLst>
+          </p:cNvPr>
+          <p:cNvSpPr>
+            <a:spLocks noGrp="1"/>
+          </p:cNvSpPr>
+          <p:nvPr>
+            <p:ph type="title"/>
+          </p:nvPr>
+        </p:nvSpPr>
+        <p:spPr/>
+        <p:txBody>
+          <a:bodyPr/>
+          <a:lstStyle/>
+          <a:p>
+            <a:r>
+              <a:rPr lang="en-US" dirty="0"/>
+              <a:t>R functions have 3 components</a:t>
+            </a:r>
+          </a:p>
+        </p:txBody>
+      </p:sp>
+      <p:sp>
+        <p:nvSpPr>
+          <p:cNvPr id="4" name="Slide Number Placeholder 3">
+            <a:extLst>
+              <a:ext uri="{FF2B5EF4-FFF2-40B4-BE49-F238E27FC236}">
+                <a16:creationId xmlns:a16="http://schemas.microsoft.com/office/drawing/2014/main" id="{91515484-0534-67AA-BC91-78E2A475D04F}"/>
+              </a:ext>
+            </a:extLst>
+          </p:cNvPr>
+          <p:cNvSpPr>
+            <a:spLocks noGrp="1"/>
+          </p:cNvSpPr>
+          <p:nvPr>
+            <p:ph type="sldNum" sz="quarter" idx="12"/>
+          </p:nvPr>
+        </p:nvSpPr>
+        <p:spPr/>
+        <p:txBody>
+          <a:bodyPr/>
+          <a:lstStyle/>
+          <a:p>
+            <a:fld id="{37290FF7-652B-4475-AEAB-8B1A5D23AE09}" type="slidenum">
+              <a:rPr lang="en-US" smtClean="0"/>
+              <a:t>4</a:t>
+            </a:fld>
+            <a:endParaRPr lang="en-US"/>
+          </a:p>
+        </p:txBody>
+      </p:sp>
+      <p:sp>
+        <p:nvSpPr>
+          <p:cNvPr id="5" name="Footer Placeholder 4">
+            <a:extLst>
+              <a:ext uri="{FF2B5EF4-FFF2-40B4-BE49-F238E27FC236}">
+                <a16:creationId xmlns:a16="http://schemas.microsoft.com/office/drawing/2014/main" id="{52D20694-A19C-25DB-7B77-C3C2742D7D35}"/>
+              </a:ext>
+            </a:extLst>
+          </p:cNvPr>
+          <p:cNvSpPr>
+            <a:spLocks noGrp="1"/>
+          </p:cNvSpPr>
+          <p:nvPr>
+            <p:ph type="ftr" sz="quarter" idx="3"/>
+          </p:nvPr>
+        </p:nvSpPr>
+        <p:spPr/>
+        <p:txBody>
+          <a:bodyPr/>
+          <a:lstStyle/>
+          <a:p>
+            <a:r>
+              <a:rPr lang="en-US"/>
+              <a:t>Kwartler</a:t>
+            </a:r>
+            <a:endParaRPr lang="en-US" dirty="0"/>
+          </a:p>
+        </p:txBody>
+      </p:sp>
+      <p:sp>
+        <p:nvSpPr>
+          <p:cNvPr id="7" name="Rectangle 6">
+            <a:extLst>
+              <a:ext uri="{FF2B5EF4-FFF2-40B4-BE49-F238E27FC236}">
+                <a16:creationId xmlns:a16="http://schemas.microsoft.com/office/drawing/2014/main" id="{E35F29E1-DAFA-EC61-CA98-820151629C8B}"/>
+              </a:ext>
+            </a:extLst>
+          </p:cNvPr>
+          <p:cNvSpPr/>
+          <p:nvPr/>
+        </p:nvSpPr>
+        <p:spPr>
+          <a:xfrm>
+            <a:off x="2271220" y="2273077"/>
+            <a:ext cx="4601560" cy="2041743"/>
+          </a:xfrm>
+          <a:prstGeom prst="rect">
+            <a:avLst/>
+          </a:prstGeom>
+          <a:solidFill>
+            <a:schemeClr val="accent6"/>
+          </a:solidFill>
+          <a:ln>
+            <a:noFill/>
+          </a:ln>
+        </p:spPr>
+        <p:style>
+          <a:lnRef idx="2">
+            <a:schemeClr val="accent1">
+              <a:shade val="50000"/>
+            </a:schemeClr>
+          </a:lnRef>
+          <a:fillRef idx="1">
+            <a:schemeClr val="accent1"/>
+          </a:fillRef>
+          <a:effectRef idx="0">
+            <a:schemeClr val="accent1"/>
+          </a:effectRef>
+          <a:fontRef idx="minor">
+            <a:schemeClr val="lt1"/>
+          </a:fontRef>
+        </p:style>
+        <p:txBody>
+          <a:bodyPr rot="0" spcFirstLastPara="0" vertOverflow="overflow" horzOverflow="overflow" vert="horz" wrap="square" lIns="91440" tIns="45720" rIns="91440" bIns="45720" numCol="1" spcCol="0" rtlCol="0" fromWordArt="0" anchor="ctr" anchorCtr="0" forceAA="0" compatLnSpc="1">
+            <a:prstTxWarp prst="textNoShape">
+              <a:avLst/>
+            </a:prstTxWarp>
+            <a:noAutofit/>
+          </a:bodyPr>
+          <a:lstStyle/>
+          <a:p>
+            <a:pPr algn="ctr"/>
+            <a:r>
+              <a:rPr lang="en-US" sz="2000" u="sng" dirty="0">
+                <a:solidFill>
+                  <a:schemeClr val="bg1"/>
+                </a:solidFill>
+              </a:rPr>
+              <a:t>Function:</a:t>
+            </a:r>
+          </a:p>
+          <a:p>
+            <a:pPr marL="342900" indent="-342900">
+              <a:buFont typeface="Arial" panose="020B0604020202020204" pitchFamily="34" charset="0"/>
+              <a:buChar char="•"/>
+            </a:pPr>
+            <a:endParaRPr lang="en-US" sz="2000" dirty="0">
+              <a:solidFill>
+                <a:schemeClr val="bg1"/>
+              </a:solidFill>
+            </a:endParaRPr>
+          </a:p>
+          <a:p>
+            <a:pPr marL="342900" indent="-342900">
+              <a:buFont typeface="Arial" panose="020B0604020202020204" pitchFamily="34" charset="0"/>
+              <a:buChar char="•"/>
+            </a:pPr>
+            <a:r>
+              <a:rPr lang="en-US" sz="2000" dirty="0">
+                <a:solidFill>
+                  <a:schemeClr val="bg1"/>
+                </a:solidFill>
+              </a:rPr>
+              <a:t>Body- the code inside</a:t>
+            </a:r>
+          </a:p>
+          <a:p>
+            <a:pPr marL="342900" indent="-342900">
+              <a:buFont typeface="Arial" panose="020B0604020202020204" pitchFamily="34" charset="0"/>
+              <a:buChar char="•"/>
+            </a:pPr>
+            <a:r>
+              <a:rPr lang="en-US" sz="2000" dirty="0">
+                <a:solidFill>
+                  <a:schemeClr val="bg1"/>
+                </a:solidFill>
+              </a:rPr>
+              <a:t>Formals - parameters/inputs</a:t>
+            </a:r>
+          </a:p>
+          <a:p>
+            <a:pPr marL="342900" indent="-342900">
+              <a:buFont typeface="Arial" panose="020B0604020202020204" pitchFamily="34" charset="0"/>
+              <a:buChar char="•"/>
+            </a:pPr>
+            <a:r>
+              <a:rPr lang="en-US" sz="2000" dirty="0">
+                <a:solidFill>
+                  <a:schemeClr val="bg1"/>
+                </a:solidFill>
+              </a:rPr>
+              <a:t>Environment- where the function “lives”</a:t>
+            </a:r>
+          </a:p>
+        </p:txBody>
+      </p:sp>
+    </p:spTree>
+    <p:extLst>
+      <p:ext uri="{BB962C8B-B14F-4D97-AF65-F5344CB8AC3E}">
+        <p14:creationId xmlns:p14="http://schemas.microsoft.com/office/powerpoint/2010/main" val="2502751128"/>
+      </p:ext>
+    </p:extLst>
+  </p:cSld>
+  <p:clrMapOvr>
+    <a:masterClrMapping/>
+  </p:clrMapOvr>
+</p:sld>
+</file>
+
+<file path=ppt/slides/slide5.xml><?xml version="1.0" encoding="utf-8"?>
+<p:sld xmlns:a="http://schemas.openxmlformats.org/drawingml/2006/main" xmlns:r="http://schemas.openxmlformats.org/officeDocument/2006/relationships" xmlns:p="http://schemas.openxmlformats.org/presentationml/2006/main">
+  <p:cSld>
+    <p:spTree>
+      <p:nvGrpSpPr>
+        <p:cNvPr id="1" name=""/>
+        <p:cNvGrpSpPr/>
+        <p:nvPr/>
+      </p:nvGrpSpPr>
+      <p:grpSpPr>
+        <a:xfrm>
+          <a:off x="0" y="0"/>
+          <a:ext cx="0" cy="0"/>
+          <a:chOff x="0" y="0"/>
+          <a:chExt cx="0" cy="0"/>
+        </a:xfrm>
+      </p:grpSpPr>
+      <p:sp>
+        <p:nvSpPr>
+          <p:cNvPr id="2" name="Date Placeholder 1">
+            <a:extLst>
+              <a:ext uri="{FF2B5EF4-FFF2-40B4-BE49-F238E27FC236}">
+                <a16:creationId xmlns:a16="http://schemas.microsoft.com/office/drawing/2014/main" id="{2A036FBC-F4DC-E549-C9A0-D4EF37B5B6F8}"/>
+              </a:ext>
+            </a:extLst>
+          </p:cNvPr>
+          <p:cNvSpPr>
+            <a:spLocks noGrp="1"/>
+          </p:cNvSpPr>
+          <p:nvPr>
+            <p:ph type="dt" sz="half" idx="10"/>
+          </p:nvPr>
+        </p:nvSpPr>
+        <p:spPr/>
+        <p:txBody>
+          <a:bodyPr/>
+          <a:lstStyle/>
+          <a:p>
+            <a:fld id="{6700A58B-DD98-43D0-B791-721480A02982}" type="datetime1">
+              <a:rPr lang="en-US" smtClean="0"/>
+              <a:t>5/19/23</a:t>
+            </a:fld>
+            <a:endParaRPr lang="en-US"/>
+          </a:p>
+        </p:txBody>
+      </p:sp>
+      <p:sp>
+        <p:nvSpPr>
+          <p:cNvPr id="3" name="Title 2">
+            <a:extLst>
+              <a:ext uri="{FF2B5EF4-FFF2-40B4-BE49-F238E27FC236}">
+                <a16:creationId xmlns:a16="http://schemas.microsoft.com/office/drawing/2014/main" id="{F5E7DC80-CCEE-B6CA-A4ED-4195A583A254}"/>
+              </a:ext>
+            </a:extLst>
+          </p:cNvPr>
+          <p:cNvSpPr>
+            <a:spLocks noGrp="1"/>
+          </p:cNvSpPr>
+          <p:nvPr>
+            <p:ph type="title"/>
+          </p:nvPr>
+        </p:nvSpPr>
+        <p:spPr/>
+        <p:txBody>
+          <a:bodyPr/>
+          <a:lstStyle/>
+          <a:p>
+            <a:r>
+              <a:rPr lang="en-US" dirty="0"/>
+              <a:t>Call a function without parenthesis in console</a:t>
+            </a:r>
+          </a:p>
+        </p:txBody>
+      </p:sp>
+      <p:sp>
+        <p:nvSpPr>
+          <p:cNvPr id="4" name="Slide Number Placeholder 3">
+            <a:extLst>
+              <a:ext uri="{FF2B5EF4-FFF2-40B4-BE49-F238E27FC236}">
+                <a16:creationId xmlns:a16="http://schemas.microsoft.com/office/drawing/2014/main" id="{190C9C47-D6BC-60C4-14A6-2A2BE2BE68CA}"/>
+              </a:ext>
+            </a:extLst>
+          </p:cNvPr>
+          <p:cNvSpPr>
+            <a:spLocks noGrp="1"/>
+          </p:cNvSpPr>
+          <p:nvPr>
+            <p:ph type="sldNum" sz="quarter" idx="12"/>
+          </p:nvPr>
+        </p:nvSpPr>
+        <p:spPr/>
+        <p:txBody>
+          <a:bodyPr/>
+          <a:lstStyle/>
+          <a:p>
+            <a:fld id="{37290FF7-652B-4475-AEAB-8B1A5D23AE09}" type="slidenum">
+              <a:rPr lang="en-US" smtClean="0"/>
+              <a:t>5</a:t>
+            </a:fld>
+            <a:endParaRPr lang="en-US"/>
+          </a:p>
+        </p:txBody>
+      </p:sp>
+      <p:sp>
+        <p:nvSpPr>
+          <p:cNvPr id="5" name="Footer Placeholder 4">
+            <a:extLst>
+              <a:ext uri="{FF2B5EF4-FFF2-40B4-BE49-F238E27FC236}">
+                <a16:creationId xmlns:a16="http://schemas.microsoft.com/office/drawing/2014/main" id="{83D93772-17AC-3880-D62E-8C721622021B}"/>
+              </a:ext>
+            </a:extLst>
+          </p:cNvPr>
+          <p:cNvSpPr>
+            <a:spLocks noGrp="1"/>
+          </p:cNvSpPr>
+          <p:nvPr>
+            <p:ph type="ftr" sz="quarter" idx="3"/>
+          </p:nvPr>
+        </p:nvSpPr>
+        <p:spPr/>
+        <p:txBody>
+          <a:bodyPr/>
+          <a:lstStyle/>
+          <a:p>
+            <a:r>
+              <a:rPr lang="en-US"/>
+              <a:t>Kwartler</a:t>
+            </a:r>
+            <a:endParaRPr lang="en-US" dirty="0"/>
+          </a:p>
+        </p:txBody>
+      </p:sp>
+      <p:sp>
+        <p:nvSpPr>
+          <p:cNvPr id="6" name="Rectangle 5">
+            <a:extLst>
+              <a:ext uri="{FF2B5EF4-FFF2-40B4-BE49-F238E27FC236}">
+                <a16:creationId xmlns:a16="http://schemas.microsoft.com/office/drawing/2014/main" id="{DD59497A-3BBA-3274-CCFE-FAF746F33FA5}"/>
+              </a:ext>
+            </a:extLst>
+          </p:cNvPr>
+          <p:cNvSpPr/>
+          <p:nvPr/>
+        </p:nvSpPr>
+        <p:spPr>
+          <a:xfrm>
+            <a:off x="628651" y="2396102"/>
+            <a:ext cx="8303504" cy="473236"/>
+          </a:xfrm>
+          <a:prstGeom prst="rect">
+            <a:avLst/>
+          </a:prstGeom>
+          <a:solidFill>
+            <a:schemeClr val="accent6"/>
+          </a:solidFill>
+          <a:ln>
+            <a:noFill/>
+          </a:ln>
+        </p:spPr>
+        <p:style>
+          <a:lnRef idx="2">
+            <a:schemeClr val="accent1">
+              <a:shade val="50000"/>
+            </a:schemeClr>
+          </a:lnRef>
+          <a:fillRef idx="1">
+            <a:schemeClr val="accent1"/>
+          </a:fillRef>
+          <a:effectRef idx="0">
+            <a:schemeClr val="accent1"/>
+          </a:effectRef>
+          <a:fontRef idx="minor">
+            <a:schemeClr val="lt1"/>
+          </a:fontRef>
+        </p:style>
+        <p:txBody>
+          <a:bodyPr rot="0" spcFirstLastPara="0" vertOverflow="overflow" horzOverflow="overflow" vert="horz" wrap="square" lIns="91440" tIns="45720" rIns="91440" bIns="45720" numCol="1" spcCol="0" rtlCol="0" fromWordArt="0" anchor="ctr" anchorCtr="0" forceAA="0" compatLnSpc="1">
+            <a:prstTxWarp prst="textNoShape">
+              <a:avLst/>
+            </a:prstTxWarp>
+            <a:noAutofit/>
+          </a:bodyPr>
+          <a:lstStyle/>
+          <a:p>
+            <a:pPr algn="r"/>
+            <a:r>
+              <a:rPr lang="en-US" sz="2000" dirty="0">
+                <a:solidFill>
+                  <a:schemeClr val="bg1"/>
+                </a:solidFill>
+              </a:rPr>
+              <a:t>Formals - inputs</a:t>
+            </a:r>
+          </a:p>
+        </p:txBody>
+      </p:sp>
+      <p:sp>
+        <p:nvSpPr>
+          <p:cNvPr id="8" name="TextBox 7">
+            <a:extLst>
+              <a:ext uri="{FF2B5EF4-FFF2-40B4-BE49-F238E27FC236}">
+                <a16:creationId xmlns:a16="http://schemas.microsoft.com/office/drawing/2014/main" id="{6B003C61-2A06-2E11-2251-444B4A726E9D}"/>
+              </a:ext>
+            </a:extLst>
+          </p:cNvPr>
+          <p:cNvSpPr txBox="1"/>
+          <p:nvPr/>
+        </p:nvSpPr>
+        <p:spPr>
+          <a:xfrm>
+            <a:off x="518288" y="2162252"/>
+            <a:ext cx="8303504" cy="1600438"/>
+          </a:xfrm>
+          <a:prstGeom prst="rect">
+            <a:avLst/>
+          </a:prstGeom>
+          <a:noFill/>
+        </p:spPr>
+        <p:txBody>
+          <a:bodyPr wrap="square">
+            <a:spAutoFit/>
+          </a:bodyPr>
+          <a:lstStyle/>
+          <a:p>
+            <a:r>
+              <a:rPr lang="en-US" sz="1400" dirty="0">
+                <a:latin typeface="Consolas" panose="020B0609020204030204" pitchFamily="49" charset="0"/>
+                <a:cs typeface="Consolas" panose="020B0609020204030204" pitchFamily="49" charset="0"/>
+              </a:rPr>
+              <a:t>&gt; </a:t>
+            </a:r>
+            <a:r>
+              <a:rPr lang="en-US" sz="1400" dirty="0" err="1">
+                <a:latin typeface="Consolas" panose="020B0609020204030204" pitchFamily="49" charset="0"/>
+                <a:cs typeface="Consolas" panose="020B0609020204030204" pitchFamily="49" charset="0"/>
+              </a:rPr>
+              <a:t>read.csv</a:t>
+            </a:r>
+            <a:endParaRPr lang="en-US" sz="1400" dirty="0">
+              <a:latin typeface="Consolas" panose="020B0609020204030204" pitchFamily="49" charset="0"/>
+              <a:cs typeface="Consolas" panose="020B0609020204030204" pitchFamily="49" charset="0"/>
+            </a:endParaRPr>
+          </a:p>
+          <a:p>
+            <a:r>
+              <a:rPr lang="en-US" sz="1400" dirty="0">
+                <a:latin typeface="Consolas" panose="020B0609020204030204" pitchFamily="49" charset="0"/>
+                <a:cs typeface="Consolas" panose="020B0609020204030204" pitchFamily="49" charset="0"/>
+              </a:rPr>
+              <a:t>function (file, header = TRUE, </a:t>
+            </a:r>
+            <a:r>
+              <a:rPr lang="en-US" sz="1400" dirty="0" err="1">
+                <a:latin typeface="Consolas" panose="020B0609020204030204" pitchFamily="49" charset="0"/>
+                <a:cs typeface="Consolas" panose="020B0609020204030204" pitchFamily="49" charset="0"/>
+              </a:rPr>
+              <a:t>sep</a:t>
+            </a:r>
+            <a:r>
+              <a:rPr lang="en-US" sz="1400" dirty="0">
+                <a:latin typeface="Consolas" panose="020B0609020204030204" pitchFamily="49" charset="0"/>
+                <a:cs typeface="Consolas" panose="020B0609020204030204" pitchFamily="49" charset="0"/>
+              </a:rPr>
+              <a:t> = ",", quote = "\"", dec = ".", </a:t>
+            </a:r>
+          </a:p>
+          <a:p>
+            <a:r>
+              <a:rPr lang="en-US" sz="1400" dirty="0">
+                <a:latin typeface="Consolas" panose="020B0609020204030204" pitchFamily="49" charset="0"/>
+                <a:cs typeface="Consolas" panose="020B0609020204030204" pitchFamily="49" charset="0"/>
+              </a:rPr>
+              <a:t>    fill = TRUE, </a:t>
+            </a:r>
+            <a:r>
+              <a:rPr lang="en-US" sz="1400" dirty="0" err="1">
+                <a:latin typeface="Consolas" panose="020B0609020204030204" pitchFamily="49" charset="0"/>
+                <a:cs typeface="Consolas" panose="020B0609020204030204" pitchFamily="49" charset="0"/>
+              </a:rPr>
+              <a:t>comment.char</a:t>
+            </a:r>
+            <a:r>
+              <a:rPr lang="en-US" sz="1400" dirty="0">
+                <a:latin typeface="Consolas" panose="020B0609020204030204" pitchFamily="49" charset="0"/>
+                <a:cs typeface="Consolas" panose="020B0609020204030204" pitchFamily="49" charset="0"/>
+              </a:rPr>
+              <a:t> = "", ...) </a:t>
+            </a:r>
+          </a:p>
+          <a:p>
+            <a:r>
+              <a:rPr lang="en-US" sz="1400" dirty="0" err="1">
+                <a:latin typeface="Consolas" panose="020B0609020204030204" pitchFamily="49" charset="0"/>
+                <a:cs typeface="Consolas" panose="020B0609020204030204" pitchFamily="49" charset="0"/>
+              </a:rPr>
+              <a:t>read.table</a:t>
+            </a:r>
+            <a:r>
+              <a:rPr lang="en-US" sz="1400" dirty="0">
+                <a:latin typeface="Consolas" panose="020B0609020204030204" pitchFamily="49" charset="0"/>
+                <a:cs typeface="Consolas" panose="020B0609020204030204" pitchFamily="49" charset="0"/>
+              </a:rPr>
+              <a:t>(file = file, header = header, </a:t>
+            </a:r>
+            <a:r>
+              <a:rPr lang="en-US" sz="1400" dirty="0" err="1">
+                <a:latin typeface="Consolas" panose="020B0609020204030204" pitchFamily="49" charset="0"/>
+                <a:cs typeface="Consolas" panose="020B0609020204030204" pitchFamily="49" charset="0"/>
+              </a:rPr>
+              <a:t>sep</a:t>
+            </a:r>
+            <a:r>
+              <a:rPr lang="en-US" sz="1400" dirty="0">
+                <a:latin typeface="Consolas" panose="020B0609020204030204" pitchFamily="49" charset="0"/>
+                <a:cs typeface="Consolas" panose="020B0609020204030204" pitchFamily="49" charset="0"/>
+              </a:rPr>
+              <a:t> = </a:t>
+            </a:r>
+            <a:r>
+              <a:rPr lang="en-US" sz="1400" dirty="0" err="1">
+                <a:latin typeface="Consolas" panose="020B0609020204030204" pitchFamily="49" charset="0"/>
+                <a:cs typeface="Consolas" panose="020B0609020204030204" pitchFamily="49" charset="0"/>
+              </a:rPr>
+              <a:t>sep</a:t>
+            </a:r>
+            <a:r>
+              <a:rPr lang="en-US" sz="1400" dirty="0">
+                <a:latin typeface="Consolas" panose="020B0609020204030204" pitchFamily="49" charset="0"/>
+                <a:cs typeface="Consolas" panose="020B0609020204030204" pitchFamily="49" charset="0"/>
+              </a:rPr>
+              <a:t>, quote = quote, </a:t>
+            </a:r>
+          </a:p>
+          <a:p>
+            <a:r>
+              <a:rPr lang="en-US" sz="1400" dirty="0">
+                <a:latin typeface="Consolas" panose="020B0609020204030204" pitchFamily="49" charset="0"/>
+                <a:cs typeface="Consolas" panose="020B0609020204030204" pitchFamily="49" charset="0"/>
+              </a:rPr>
+              <a:t>    dec = dec, fill = fill, </a:t>
+            </a:r>
+            <a:r>
+              <a:rPr lang="en-US" sz="1400" dirty="0" err="1">
+                <a:latin typeface="Consolas" panose="020B0609020204030204" pitchFamily="49" charset="0"/>
+                <a:cs typeface="Consolas" panose="020B0609020204030204" pitchFamily="49" charset="0"/>
+              </a:rPr>
+              <a:t>comment.char</a:t>
+            </a:r>
+            <a:r>
+              <a:rPr lang="en-US" sz="1400" dirty="0">
+                <a:latin typeface="Consolas" panose="020B0609020204030204" pitchFamily="49" charset="0"/>
+                <a:cs typeface="Consolas" panose="020B0609020204030204" pitchFamily="49" charset="0"/>
+              </a:rPr>
+              <a:t> = </a:t>
+            </a:r>
+            <a:r>
+              <a:rPr lang="en-US" sz="1400" dirty="0" err="1">
+                <a:latin typeface="Consolas" panose="020B0609020204030204" pitchFamily="49" charset="0"/>
+                <a:cs typeface="Consolas" panose="020B0609020204030204" pitchFamily="49" charset="0"/>
+              </a:rPr>
+              <a:t>comment.char</a:t>
+            </a:r>
+            <a:r>
+              <a:rPr lang="en-US" sz="1400" dirty="0">
+                <a:latin typeface="Consolas" panose="020B0609020204030204" pitchFamily="49" charset="0"/>
+                <a:cs typeface="Consolas" panose="020B0609020204030204" pitchFamily="49" charset="0"/>
+              </a:rPr>
+              <a:t>, ...)</a:t>
+            </a:r>
+          </a:p>
+          <a:p>
+            <a:r>
+              <a:rPr lang="en-US" sz="1400" dirty="0">
+                <a:latin typeface="Consolas" panose="020B0609020204030204" pitchFamily="49" charset="0"/>
+                <a:cs typeface="Consolas" panose="020B0609020204030204" pitchFamily="49" charset="0"/>
+              </a:rPr>
+              <a:t>&lt;bytecode: 0x7f9e51673ec8&gt;</a:t>
+            </a:r>
+          </a:p>
+          <a:p>
+            <a:r>
+              <a:rPr lang="en-US" sz="1400" dirty="0">
+                <a:latin typeface="Consolas" panose="020B0609020204030204" pitchFamily="49" charset="0"/>
+                <a:cs typeface="Consolas" panose="020B0609020204030204" pitchFamily="49" charset="0"/>
+              </a:rPr>
+              <a:t>&lt;environment: </a:t>
+            </a:r>
+            <a:r>
+              <a:rPr lang="en-US" sz="1400" dirty="0" err="1">
+                <a:latin typeface="Consolas" panose="020B0609020204030204" pitchFamily="49" charset="0"/>
+                <a:cs typeface="Consolas" panose="020B0609020204030204" pitchFamily="49" charset="0"/>
+              </a:rPr>
+              <a:t>namespace:utils</a:t>
+            </a:r>
+            <a:r>
+              <a:rPr lang="en-US" sz="1400" dirty="0">
+                <a:latin typeface="Consolas" panose="020B0609020204030204" pitchFamily="49" charset="0"/>
+                <a:cs typeface="Consolas" panose="020B0609020204030204" pitchFamily="49" charset="0"/>
+              </a:rPr>
+              <a:t>&gt;</a:t>
+            </a:r>
+          </a:p>
+        </p:txBody>
+      </p:sp>
+    </p:spTree>
+    <p:extLst>
+      <p:ext uri="{BB962C8B-B14F-4D97-AF65-F5344CB8AC3E}">
+        <p14:creationId xmlns:p14="http://schemas.microsoft.com/office/powerpoint/2010/main" val="3405684896"/>
+      </p:ext>
+    </p:extLst>
+  </p:cSld>
+  <p:clrMapOvr>
+    <a:masterClrMapping/>
+  </p:clrMapOvr>
+</p:sld>
+</file>
+
+<file path=ppt/slides/slide6.xml><?xml version="1.0" encoding="utf-8"?>
+<p:sld xmlns:a="http://schemas.openxmlformats.org/drawingml/2006/main" xmlns:r="http://schemas.openxmlformats.org/officeDocument/2006/relationships" xmlns:p="http://schemas.openxmlformats.org/presentationml/2006/main">
+  <p:cSld>
+    <p:spTree>
+      <p:nvGrpSpPr>
+        <p:cNvPr id="1" name=""/>
+        <p:cNvGrpSpPr/>
+        <p:nvPr/>
+      </p:nvGrpSpPr>
+      <p:grpSpPr>
+        <a:xfrm>
+          <a:off x="0" y="0"/>
+          <a:ext cx="0" cy="0"/>
+          <a:chOff x="0" y="0"/>
+          <a:chExt cx="0" cy="0"/>
+        </a:xfrm>
+      </p:grpSpPr>
+      <p:sp>
+        <p:nvSpPr>
+          <p:cNvPr id="2" name="Date Placeholder 1">
+            <a:extLst>
+              <a:ext uri="{FF2B5EF4-FFF2-40B4-BE49-F238E27FC236}">
+                <a16:creationId xmlns:a16="http://schemas.microsoft.com/office/drawing/2014/main" id="{2A036FBC-F4DC-E549-C9A0-D4EF37B5B6F8}"/>
+              </a:ext>
+            </a:extLst>
+          </p:cNvPr>
+          <p:cNvSpPr>
+            <a:spLocks noGrp="1"/>
+          </p:cNvSpPr>
+          <p:nvPr>
+            <p:ph type="dt" sz="half" idx="10"/>
+          </p:nvPr>
+        </p:nvSpPr>
+        <p:spPr/>
+        <p:txBody>
+          <a:bodyPr/>
+          <a:lstStyle/>
+          <a:p>
+            <a:fld id="{6700A58B-DD98-43D0-B791-721480A02982}" type="datetime1">
+              <a:rPr lang="en-US" smtClean="0"/>
+              <a:t>5/19/23</a:t>
+            </a:fld>
+            <a:endParaRPr lang="en-US"/>
+          </a:p>
+        </p:txBody>
+      </p:sp>
+      <p:sp>
+        <p:nvSpPr>
+          <p:cNvPr id="3" name="Title 2">
+            <a:extLst>
+              <a:ext uri="{FF2B5EF4-FFF2-40B4-BE49-F238E27FC236}">
+                <a16:creationId xmlns:a16="http://schemas.microsoft.com/office/drawing/2014/main" id="{F5E7DC80-CCEE-B6CA-A4ED-4195A583A254}"/>
+              </a:ext>
+            </a:extLst>
+          </p:cNvPr>
+          <p:cNvSpPr>
+            <a:spLocks noGrp="1"/>
+          </p:cNvSpPr>
+          <p:nvPr>
+            <p:ph type="title"/>
+          </p:nvPr>
+        </p:nvSpPr>
+        <p:spPr/>
+        <p:txBody>
+          <a:bodyPr/>
+          <a:lstStyle/>
+          <a:p>
+            <a:r>
+              <a:rPr lang="en-US" dirty="0"/>
+              <a:t>Call a function without parenthesis in console</a:t>
+            </a:r>
+          </a:p>
+        </p:txBody>
+      </p:sp>
+      <p:sp>
+        <p:nvSpPr>
+          <p:cNvPr id="4" name="Slide Number Placeholder 3">
+            <a:extLst>
+              <a:ext uri="{FF2B5EF4-FFF2-40B4-BE49-F238E27FC236}">
+                <a16:creationId xmlns:a16="http://schemas.microsoft.com/office/drawing/2014/main" id="{190C9C47-D6BC-60C4-14A6-2A2BE2BE68CA}"/>
+              </a:ext>
+            </a:extLst>
+          </p:cNvPr>
+          <p:cNvSpPr>
+            <a:spLocks noGrp="1"/>
+          </p:cNvSpPr>
+          <p:nvPr>
+            <p:ph type="sldNum" sz="quarter" idx="12"/>
+          </p:nvPr>
+        </p:nvSpPr>
+        <p:spPr/>
+        <p:txBody>
+          <a:bodyPr/>
+          <a:lstStyle/>
+          <a:p>
+            <a:fld id="{37290FF7-652B-4475-AEAB-8B1A5D23AE09}" type="slidenum">
+              <a:rPr lang="en-US" smtClean="0"/>
+              <a:t>6</a:t>
+            </a:fld>
+            <a:endParaRPr lang="en-US"/>
+          </a:p>
+        </p:txBody>
+      </p:sp>
+      <p:sp>
+        <p:nvSpPr>
+          <p:cNvPr id="5" name="Footer Placeholder 4">
+            <a:extLst>
+              <a:ext uri="{FF2B5EF4-FFF2-40B4-BE49-F238E27FC236}">
+                <a16:creationId xmlns:a16="http://schemas.microsoft.com/office/drawing/2014/main" id="{83D93772-17AC-3880-D62E-8C721622021B}"/>
+              </a:ext>
+            </a:extLst>
+          </p:cNvPr>
+          <p:cNvSpPr>
+            <a:spLocks noGrp="1"/>
+          </p:cNvSpPr>
+          <p:nvPr>
+            <p:ph type="ftr" sz="quarter" idx="3"/>
+          </p:nvPr>
+        </p:nvSpPr>
+        <p:spPr/>
+        <p:txBody>
+          <a:bodyPr/>
+          <a:lstStyle/>
+          <a:p>
+            <a:r>
+              <a:rPr lang="en-US"/>
+              <a:t>Kwartler</a:t>
+            </a:r>
+            <a:endParaRPr lang="en-US" dirty="0"/>
+          </a:p>
+        </p:txBody>
+      </p:sp>
+      <p:sp>
+        <p:nvSpPr>
+          <p:cNvPr id="6" name="Rectangle 5">
+            <a:extLst>
+              <a:ext uri="{FF2B5EF4-FFF2-40B4-BE49-F238E27FC236}">
+                <a16:creationId xmlns:a16="http://schemas.microsoft.com/office/drawing/2014/main" id="{DD59497A-3BBA-3274-CCFE-FAF746F33FA5}"/>
+              </a:ext>
+            </a:extLst>
+          </p:cNvPr>
+          <p:cNvSpPr/>
+          <p:nvPr/>
+        </p:nvSpPr>
+        <p:spPr>
+          <a:xfrm>
+            <a:off x="628651" y="2900588"/>
+            <a:ext cx="8303504" cy="473236"/>
+          </a:xfrm>
+          <a:prstGeom prst="rect">
+            <a:avLst/>
+          </a:prstGeom>
+          <a:solidFill>
+            <a:schemeClr val="accent6"/>
+          </a:solidFill>
+          <a:ln>
+            <a:noFill/>
+          </a:ln>
+        </p:spPr>
+        <p:style>
+          <a:lnRef idx="2">
+            <a:schemeClr val="accent1">
+              <a:shade val="50000"/>
+            </a:schemeClr>
+          </a:lnRef>
+          <a:fillRef idx="1">
+            <a:schemeClr val="accent1"/>
+          </a:fillRef>
+          <a:effectRef idx="0">
+            <a:schemeClr val="accent1"/>
+          </a:effectRef>
+          <a:fontRef idx="minor">
+            <a:schemeClr val="lt1"/>
+          </a:fontRef>
+        </p:style>
+        <p:txBody>
+          <a:bodyPr rot="0" spcFirstLastPara="0" vertOverflow="overflow" horzOverflow="overflow" vert="horz" wrap="square" lIns="91440" tIns="45720" rIns="91440" bIns="45720" numCol="1" spcCol="0" rtlCol="0" fromWordArt="0" anchor="ctr" anchorCtr="0" forceAA="0" compatLnSpc="1">
+            <a:prstTxWarp prst="textNoShape">
+              <a:avLst/>
+            </a:prstTxWarp>
+            <a:noAutofit/>
+          </a:bodyPr>
+          <a:lstStyle/>
+          <a:p>
+            <a:pPr algn="r"/>
+            <a:r>
+              <a:rPr lang="en-US" sz="2000" dirty="0">
+                <a:solidFill>
+                  <a:schemeClr val="bg1"/>
+                </a:solidFill>
+              </a:rPr>
+              <a:t>Body- </a:t>
+            </a:r>
+          </a:p>
+          <a:p>
+            <a:pPr algn="r"/>
+            <a:r>
+              <a:rPr lang="en-US" sz="2000" dirty="0">
+                <a:solidFill>
+                  <a:schemeClr val="bg1"/>
+                </a:solidFill>
+              </a:rPr>
+              <a:t>the code inside</a:t>
+            </a:r>
+          </a:p>
+        </p:txBody>
+      </p:sp>
+      <p:sp>
+        <p:nvSpPr>
+          <p:cNvPr id="8" name="TextBox 7">
+            <a:extLst>
+              <a:ext uri="{FF2B5EF4-FFF2-40B4-BE49-F238E27FC236}">
+                <a16:creationId xmlns:a16="http://schemas.microsoft.com/office/drawing/2014/main" id="{6B003C61-2A06-2E11-2251-444B4A726E9D}"/>
+              </a:ext>
+            </a:extLst>
+          </p:cNvPr>
+          <p:cNvSpPr txBox="1"/>
+          <p:nvPr/>
+        </p:nvSpPr>
+        <p:spPr>
+          <a:xfrm>
+            <a:off x="518288" y="2225316"/>
+            <a:ext cx="8303504" cy="1600438"/>
+          </a:xfrm>
+          <a:prstGeom prst="rect">
+            <a:avLst/>
+          </a:prstGeom>
+          <a:noFill/>
+        </p:spPr>
+        <p:txBody>
+          <a:bodyPr wrap="square">
+            <a:spAutoFit/>
+          </a:bodyPr>
+          <a:lstStyle/>
+          <a:p>
+            <a:r>
+              <a:rPr lang="en-US" sz="1400" dirty="0">
+                <a:latin typeface="Consolas" panose="020B0609020204030204" pitchFamily="49" charset="0"/>
+                <a:cs typeface="Consolas" panose="020B0609020204030204" pitchFamily="49" charset="0"/>
+              </a:rPr>
+              <a:t>&gt; </a:t>
+            </a:r>
+            <a:r>
+              <a:rPr lang="en-US" sz="1400" dirty="0" err="1">
+                <a:latin typeface="Consolas" panose="020B0609020204030204" pitchFamily="49" charset="0"/>
+                <a:cs typeface="Consolas" panose="020B0609020204030204" pitchFamily="49" charset="0"/>
+              </a:rPr>
+              <a:t>read.csv</a:t>
+            </a:r>
+            <a:endParaRPr lang="en-US" sz="1400" dirty="0">
+              <a:latin typeface="Consolas" panose="020B0609020204030204" pitchFamily="49" charset="0"/>
+              <a:cs typeface="Consolas" panose="020B0609020204030204" pitchFamily="49" charset="0"/>
+            </a:endParaRPr>
+          </a:p>
+          <a:p>
+            <a:r>
+              <a:rPr lang="en-US" sz="1400" dirty="0">
+                <a:latin typeface="Consolas" panose="020B0609020204030204" pitchFamily="49" charset="0"/>
+                <a:cs typeface="Consolas" panose="020B0609020204030204" pitchFamily="49" charset="0"/>
+              </a:rPr>
+              <a:t>function (file, header = TRUE, </a:t>
+            </a:r>
+            <a:r>
+              <a:rPr lang="en-US" sz="1400" dirty="0" err="1">
+                <a:latin typeface="Consolas" panose="020B0609020204030204" pitchFamily="49" charset="0"/>
+                <a:cs typeface="Consolas" panose="020B0609020204030204" pitchFamily="49" charset="0"/>
+              </a:rPr>
+              <a:t>sep</a:t>
+            </a:r>
+            <a:r>
+              <a:rPr lang="en-US" sz="1400" dirty="0">
+                <a:latin typeface="Consolas" panose="020B0609020204030204" pitchFamily="49" charset="0"/>
+                <a:cs typeface="Consolas" panose="020B0609020204030204" pitchFamily="49" charset="0"/>
+              </a:rPr>
+              <a:t> = ",", quote = "\"", dec = ".", </a:t>
+            </a:r>
+          </a:p>
+          <a:p>
+            <a:r>
+              <a:rPr lang="en-US" sz="1400" dirty="0">
+                <a:latin typeface="Consolas" panose="020B0609020204030204" pitchFamily="49" charset="0"/>
+                <a:cs typeface="Consolas" panose="020B0609020204030204" pitchFamily="49" charset="0"/>
+              </a:rPr>
+              <a:t>    fill = TRUE, </a:t>
+            </a:r>
+            <a:r>
+              <a:rPr lang="en-US" sz="1400" dirty="0" err="1">
+                <a:latin typeface="Consolas" panose="020B0609020204030204" pitchFamily="49" charset="0"/>
+                <a:cs typeface="Consolas" panose="020B0609020204030204" pitchFamily="49" charset="0"/>
+              </a:rPr>
+              <a:t>comment.char</a:t>
+            </a:r>
+            <a:r>
+              <a:rPr lang="en-US" sz="1400" dirty="0">
+                <a:latin typeface="Consolas" panose="020B0609020204030204" pitchFamily="49" charset="0"/>
+                <a:cs typeface="Consolas" panose="020B0609020204030204" pitchFamily="49" charset="0"/>
+              </a:rPr>
+              <a:t> = "", ...) </a:t>
+            </a:r>
+          </a:p>
+          <a:p>
+            <a:r>
+              <a:rPr lang="en-US" sz="1400" dirty="0" err="1">
+                <a:latin typeface="Consolas" panose="020B0609020204030204" pitchFamily="49" charset="0"/>
+                <a:cs typeface="Consolas" panose="020B0609020204030204" pitchFamily="49" charset="0"/>
+              </a:rPr>
+              <a:t>read.table</a:t>
+            </a:r>
+            <a:r>
+              <a:rPr lang="en-US" sz="1400" dirty="0">
+                <a:latin typeface="Consolas" panose="020B0609020204030204" pitchFamily="49" charset="0"/>
+                <a:cs typeface="Consolas" panose="020B0609020204030204" pitchFamily="49" charset="0"/>
+              </a:rPr>
+              <a:t>(file = file, header = header, </a:t>
+            </a:r>
+            <a:r>
+              <a:rPr lang="en-US" sz="1400" dirty="0" err="1">
+                <a:latin typeface="Consolas" panose="020B0609020204030204" pitchFamily="49" charset="0"/>
+                <a:cs typeface="Consolas" panose="020B0609020204030204" pitchFamily="49" charset="0"/>
+              </a:rPr>
+              <a:t>sep</a:t>
+            </a:r>
+            <a:r>
+              <a:rPr lang="en-US" sz="1400" dirty="0">
+                <a:latin typeface="Consolas" panose="020B0609020204030204" pitchFamily="49" charset="0"/>
+                <a:cs typeface="Consolas" panose="020B0609020204030204" pitchFamily="49" charset="0"/>
+              </a:rPr>
+              <a:t> = </a:t>
+            </a:r>
+            <a:r>
+              <a:rPr lang="en-US" sz="1400" dirty="0" err="1">
+                <a:latin typeface="Consolas" panose="020B0609020204030204" pitchFamily="49" charset="0"/>
+                <a:cs typeface="Consolas" panose="020B0609020204030204" pitchFamily="49" charset="0"/>
+              </a:rPr>
+              <a:t>sep</a:t>
+            </a:r>
+            <a:r>
+              <a:rPr lang="en-US" sz="1400" dirty="0">
+                <a:latin typeface="Consolas" panose="020B0609020204030204" pitchFamily="49" charset="0"/>
+                <a:cs typeface="Consolas" panose="020B0609020204030204" pitchFamily="49" charset="0"/>
+              </a:rPr>
+              <a:t>, quote = quote, </a:t>
+            </a:r>
+          </a:p>
+          <a:p>
+            <a:r>
+              <a:rPr lang="en-US" sz="1400" dirty="0">
+                <a:latin typeface="Consolas" panose="020B0609020204030204" pitchFamily="49" charset="0"/>
+                <a:cs typeface="Consolas" panose="020B0609020204030204" pitchFamily="49" charset="0"/>
+              </a:rPr>
+              <a:t>    dec = dec, fill = fill, </a:t>
+            </a:r>
+            <a:r>
+              <a:rPr lang="en-US" sz="1400" dirty="0" err="1">
+                <a:latin typeface="Consolas" panose="020B0609020204030204" pitchFamily="49" charset="0"/>
+                <a:cs typeface="Consolas" panose="020B0609020204030204" pitchFamily="49" charset="0"/>
+              </a:rPr>
+              <a:t>comment.char</a:t>
+            </a:r>
+            <a:r>
+              <a:rPr lang="en-US" sz="1400" dirty="0">
+                <a:latin typeface="Consolas" panose="020B0609020204030204" pitchFamily="49" charset="0"/>
+                <a:cs typeface="Consolas" panose="020B0609020204030204" pitchFamily="49" charset="0"/>
+              </a:rPr>
+              <a:t> = </a:t>
+            </a:r>
+            <a:r>
+              <a:rPr lang="en-US" sz="1400" dirty="0" err="1">
+                <a:latin typeface="Consolas" panose="020B0609020204030204" pitchFamily="49" charset="0"/>
+                <a:cs typeface="Consolas" panose="020B0609020204030204" pitchFamily="49" charset="0"/>
+              </a:rPr>
+              <a:t>comment.char</a:t>
+            </a:r>
+            <a:r>
+              <a:rPr lang="en-US" sz="1400" dirty="0">
+                <a:latin typeface="Consolas" panose="020B0609020204030204" pitchFamily="49" charset="0"/>
+                <a:cs typeface="Consolas" panose="020B0609020204030204" pitchFamily="49" charset="0"/>
+              </a:rPr>
+              <a:t>, ...)</a:t>
+            </a:r>
+          </a:p>
+          <a:p>
+            <a:r>
+              <a:rPr lang="en-US" sz="1400" dirty="0">
+                <a:latin typeface="Consolas" panose="020B0609020204030204" pitchFamily="49" charset="0"/>
+                <a:cs typeface="Consolas" panose="020B0609020204030204" pitchFamily="49" charset="0"/>
+              </a:rPr>
+              <a:t>&lt;bytecode: 0x7f9e51673ec8&gt;</a:t>
+            </a:r>
+          </a:p>
+          <a:p>
+            <a:r>
+              <a:rPr lang="en-US" sz="1400" dirty="0">
+                <a:latin typeface="Consolas" panose="020B0609020204030204" pitchFamily="49" charset="0"/>
+                <a:cs typeface="Consolas" panose="020B0609020204030204" pitchFamily="49" charset="0"/>
+              </a:rPr>
+              <a:t>&lt;environment: </a:t>
+            </a:r>
+            <a:r>
+              <a:rPr lang="en-US" sz="1400" dirty="0" err="1">
+                <a:latin typeface="Consolas" panose="020B0609020204030204" pitchFamily="49" charset="0"/>
+                <a:cs typeface="Consolas" panose="020B0609020204030204" pitchFamily="49" charset="0"/>
+              </a:rPr>
+              <a:t>namespace:utils</a:t>
+            </a:r>
+            <a:r>
+              <a:rPr lang="en-US" sz="1400" dirty="0">
+                <a:latin typeface="Consolas" panose="020B0609020204030204" pitchFamily="49" charset="0"/>
+                <a:cs typeface="Consolas" panose="020B0609020204030204" pitchFamily="49" charset="0"/>
+              </a:rPr>
+              <a:t>&gt;</a:t>
+            </a:r>
+          </a:p>
+        </p:txBody>
+      </p:sp>
+    </p:spTree>
+    <p:extLst>
+      <p:ext uri="{BB962C8B-B14F-4D97-AF65-F5344CB8AC3E}">
+        <p14:creationId xmlns:p14="http://schemas.microsoft.com/office/powerpoint/2010/main" val="1653140274"/>
+      </p:ext>
+    </p:extLst>
+  </p:cSld>
+  <p:clrMapOvr>
+    <a:masterClrMapping/>
+  </p:clrMapOvr>
+</p:sld>
+</file>
+
+<file path=ppt/slides/slide7.xml><?xml version="1.0" encoding="utf-8"?>
+<p:sld xmlns:a="http://schemas.openxmlformats.org/drawingml/2006/main" xmlns:r="http://schemas.openxmlformats.org/officeDocument/2006/relationships" xmlns:p="http://schemas.openxmlformats.org/presentationml/2006/main">
+  <p:cSld>
+    <p:spTree>
+      <p:nvGrpSpPr>
+        <p:cNvPr id="1" name=""/>
+        <p:cNvGrpSpPr/>
+        <p:nvPr/>
+      </p:nvGrpSpPr>
+      <p:grpSpPr>
+        <a:xfrm>
+          <a:off x="0" y="0"/>
+          <a:ext cx="0" cy="0"/>
+          <a:chOff x="0" y="0"/>
+          <a:chExt cx="0" cy="0"/>
+        </a:xfrm>
+      </p:grpSpPr>
+      <p:sp>
+        <p:nvSpPr>
+          <p:cNvPr id="2" name="Date Placeholder 1">
+            <a:extLst>
+              <a:ext uri="{FF2B5EF4-FFF2-40B4-BE49-F238E27FC236}">
+                <a16:creationId xmlns:a16="http://schemas.microsoft.com/office/drawing/2014/main" id="{2A036FBC-F4DC-E549-C9A0-D4EF37B5B6F8}"/>
+              </a:ext>
+            </a:extLst>
+          </p:cNvPr>
+          <p:cNvSpPr>
+            <a:spLocks noGrp="1"/>
+          </p:cNvSpPr>
+          <p:nvPr>
+            <p:ph type="dt" sz="half" idx="10"/>
+          </p:nvPr>
+        </p:nvSpPr>
+        <p:spPr/>
+        <p:txBody>
+          <a:bodyPr/>
+          <a:lstStyle/>
+          <a:p>
+            <a:fld id="{6700A58B-DD98-43D0-B791-721480A02982}" type="datetime1">
+              <a:rPr lang="en-US" smtClean="0"/>
+              <a:t>5/19/23</a:t>
+            </a:fld>
+            <a:endParaRPr lang="en-US"/>
+          </a:p>
+        </p:txBody>
+      </p:sp>
+      <p:sp>
+        <p:nvSpPr>
+          <p:cNvPr id="3" name="Title 2">
+            <a:extLst>
+              <a:ext uri="{FF2B5EF4-FFF2-40B4-BE49-F238E27FC236}">
+                <a16:creationId xmlns:a16="http://schemas.microsoft.com/office/drawing/2014/main" id="{F5E7DC80-CCEE-B6CA-A4ED-4195A583A254}"/>
+              </a:ext>
+            </a:extLst>
+          </p:cNvPr>
+          <p:cNvSpPr>
+            <a:spLocks noGrp="1"/>
+          </p:cNvSpPr>
+          <p:nvPr>
+            <p:ph type="title"/>
+          </p:nvPr>
+        </p:nvSpPr>
+        <p:spPr/>
+        <p:txBody>
+          <a:bodyPr/>
+          <a:lstStyle/>
+          <a:p>
+            <a:r>
+              <a:rPr lang="en-US" dirty="0"/>
+              <a:t>Call a function without parenthesis in console</a:t>
+            </a:r>
+          </a:p>
+        </p:txBody>
+      </p:sp>
+      <p:sp>
+        <p:nvSpPr>
+          <p:cNvPr id="4" name="Slide Number Placeholder 3">
+            <a:extLst>
+              <a:ext uri="{FF2B5EF4-FFF2-40B4-BE49-F238E27FC236}">
+                <a16:creationId xmlns:a16="http://schemas.microsoft.com/office/drawing/2014/main" id="{190C9C47-D6BC-60C4-14A6-2A2BE2BE68CA}"/>
+              </a:ext>
+            </a:extLst>
+          </p:cNvPr>
+          <p:cNvSpPr>
+            <a:spLocks noGrp="1"/>
+          </p:cNvSpPr>
+          <p:nvPr>
+            <p:ph type="sldNum" sz="quarter" idx="12"/>
+          </p:nvPr>
+        </p:nvSpPr>
+        <p:spPr/>
+        <p:txBody>
+          <a:bodyPr/>
+          <a:lstStyle/>
+          <a:p>
+            <a:fld id="{37290FF7-652B-4475-AEAB-8B1A5D23AE09}" type="slidenum">
+              <a:rPr lang="en-US" smtClean="0"/>
+              <a:t>7</a:t>
+            </a:fld>
+            <a:endParaRPr lang="en-US"/>
+          </a:p>
+        </p:txBody>
+      </p:sp>
+      <p:sp>
+        <p:nvSpPr>
+          <p:cNvPr id="5" name="Footer Placeholder 4">
+            <a:extLst>
+              <a:ext uri="{FF2B5EF4-FFF2-40B4-BE49-F238E27FC236}">
+                <a16:creationId xmlns:a16="http://schemas.microsoft.com/office/drawing/2014/main" id="{83D93772-17AC-3880-D62E-8C721622021B}"/>
+              </a:ext>
+            </a:extLst>
+          </p:cNvPr>
+          <p:cNvSpPr>
+            <a:spLocks noGrp="1"/>
+          </p:cNvSpPr>
+          <p:nvPr>
+            <p:ph type="ftr" sz="quarter" idx="3"/>
+          </p:nvPr>
+        </p:nvSpPr>
+        <p:spPr/>
+        <p:txBody>
+          <a:bodyPr/>
+          <a:lstStyle/>
+          <a:p>
+            <a:r>
+              <a:rPr lang="en-US"/>
+              <a:t>Kwartler</a:t>
+            </a:r>
+            <a:endParaRPr lang="en-US" dirty="0"/>
+          </a:p>
+        </p:txBody>
+      </p:sp>
+      <p:sp>
+        <p:nvSpPr>
+          <p:cNvPr id="6" name="Rectangle 5">
+            <a:extLst>
+              <a:ext uri="{FF2B5EF4-FFF2-40B4-BE49-F238E27FC236}">
+                <a16:creationId xmlns:a16="http://schemas.microsoft.com/office/drawing/2014/main" id="{DD59497A-3BBA-3274-CCFE-FAF746F33FA5}"/>
+              </a:ext>
+            </a:extLst>
+          </p:cNvPr>
+          <p:cNvSpPr/>
+          <p:nvPr/>
+        </p:nvSpPr>
+        <p:spPr>
+          <a:xfrm>
+            <a:off x="628651" y="3546982"/>
+            <a:ext cx="8303504" cy="278772"/>
+          </a:xfrm>
+          <a:prstGeom prst="rect">
+            <a:avLst/>
+          </a:prstGeom>
+          <a:solidFill>
+            <a:schemeClr val="accent6"/>
+          </a:solidFill>
+          <a:ln>
+            <a:noFill/>
+          </a:ln>
+        </p:spPr>
+        <p:style>
+          <a:lnRef idx="2">
+            <a:schemeClr val="accent1">
+              <a:shade val="50000"/>
+            </a:schemeClr>
+          </a:lnRef>
+          <a:fillRef idx="1">
+            <a:schemeClr val="accent1"/>
+          </a:fillRef>
+          <a:effectRef idx="0">
+            <a:schemeClr val="accent1"/>
+          </a:effectRef>
+          <a:fontRef idx="minor">
+            <a:schemeClr val="lt1"/>
+          </a:fontRef>
+        </p:style>
+        <p:txBody>
+          <a:bodyPr rot="0" spcFirstLastPara="0" vertOverflow="overflow" horzOverflow="overflow" vert="horz" wrap="square" lIns="91440" tIns="45720" rIns="91440" bIns="45720" numCol="1" spcCol="0" rtlCol="0" fromWordArt="0" anchor="ctr" anchorCtr="0" forceAA="0" compatLnSpc="1">
+            <a:prstTxWarp prst="textNoShape">
+              <a:avLst/>
+            </a:prstTxWarp>
+            <a:noAutofit/>
+          </a:bodyPr>
+          <a:lstStyle/>
+          <a:p>
+            <a:pPr algn="r"/>
+            <a:r>
+              <a:rPr lang="en-US" sz="2000" dirty="0">
+                <a:solidFill>
+                  <a:schemeClr val="bg1"/>
+                </a:solidFill>
+              </a:rPr>
+              <a:t>Environment- package</a:t>
+            </a:r>
+          </a:p>
+        </p:txBody>
+      </p:sp>
+      <p:sp>
+        <p:nvSpPr>
+          <p:cNvPr id="8" name="TextBox 7">
+            <a:extLst>
+              <a:ext uri="{FF2B5EF4-FFF2-40B4-BE49-F238E27FC236}">
+                <a16:creationId xmlns:a16="http://schemas.microsoft.com/office/drawing/2014/main" id="{6B003C61-2A06-2E11-2251-444B4A726E9D}"/>
+              </a:ext>
+            </a:extLst>
+          </p:cNvPr>
+          <p:cNvSpPr txBox="1"/>
+          <p:nvPr/>
+        </p:nvSpPr>
+        <p:spPr>
+          <a:xfrm>
+            <a:off x="518288" y="2225316"/>
+            <a:ext cx="8303504" cy="1600438"/>
+          </a:xfrm>
+          <a:prstGeom prst="rect">
+            <a:avLst/>
+          </a:prstGeom>
+          <a:noFill/>
+        </p:spPr>
+        <p:txBody>
+          <a:bodyPr wrap="square">
+            <a:spAutoFit/>
+          </a:bodyPr>
+          <a:lstStyle/>
+          <a:p>
+            <a:r>
+              <a:rPr lang="en-US" sz="1400" dirty="0">
+                <a:latin typeface="Consolas" panose="020B0609020204030204" pitchFamily="49" charset="0"/>
+                <a:cs typeface="Consolas" panose="020B0609020204030204" pitchFamily="49" charset="0"/>
+              </a:rPr>
+              <a:t>&gt; </a:t>
+            </a:r>
+            <a:r>
+              <a:rPr lang="en-US" sz="1400" dirty="0" err="1">
+                <a:latin typeface="Consolas" panose="020B0609020204030204" pitchFamily="49" charset="0"/>
+                <a:cs typeface="Consolas" panose="020B0609020204030204" pitchFamily="49" charset="0"/>
+              </a:rPr>
+              <a:t>read.csv</a:t>
+            </a:r>
+            <a:endParaRPr lang="en-US" sz="1400" dirty="0">
+              <a:latin typeface="Consolas" panose="020B0609020204030204" pitchFamily="49" charset="0"/>
+              <a:cs typeface="Consolas" panose="020B0609020204030204" pitchFamily="49" charset="0"/>
+            </a:endParaRPr>
+          </a:p>
+          <a:p>
+            <a:r>
+              <a:rPr lang="en-US" sz="1400" dirty="0">
+                <a:latin typeface="Consolas" panose="020B0609020204030204" pitchFamily="49" charset="0"/>
+                <a:cs typeface="Consolas" panose="020B0609020204030204" pitchFamily="49" charset="0"/>
+              </a:rPr>
+              <a:t>function (file, header = TRUE, </a:t>
+            </a:r>
+            <a:r>
+              <a:rPr lang="en-US" sz="1400" dirty="0" err="1">
+                <a:latin typeface="Consolas" panose="020B0609020204030204" pitchFamily="49" charset="0"/>
+                <a:cs typeface="Consolas" panose="020B0609020204030204" pitchFamily="49" charset="0"/>
+              </a:rPr>
+              <a:t>sep</a:t>
+            </a:r>
+            <a:r>
+              <a:rPr lang="en-US" sz="1400" dirty="0">
+                <a:latin typeface="Consolas" panose="020B0609020204030204" pitchFamily="49" charset="0"/>
+                <a:cs typeface="Consolas" panose="020B0609020204030204" pitchFamily="49" charset="0"/>
+              </a:rPr>
+              <a:t> = ",", quote = "\"", dec = ".", </a:t>
+            </a:r>
+          </a:p>
+          <a:p>
+            <a:r>
+              <a:rPr lang="en-US" sz="1400" dirty="0">
+                <a:latin typeface="Consolas" panose="020B0609020204030204" pitchFamily="49" charset="0"/>
+                <a:cs typeface="Consolas" panose="020B0609020204030204" pitchFamily="49" charset="0"/>
+              </a:rPr>
+              <a:t>    fill = TRUE, </a:t>
+            </a:r>
+            <a:r>
+              <a:rPr lang="en-US" sz="1400" dirty="0" err="1">
+                <a:latin typeface="Consolas" panose="020B0609020204030204" pitchFamily="49" charset="0"/>
+                <a:cs typeface="Consolas" panose="020B0609020204030204" pitchFamily="49" charset="0"/>
+              </a:rPr>
+              <a:t>comment.char</a:t>
+            </a:r>
+            <a:r>
+              <a:rPr lang="en-US" sz="1400" dirty="0">
+                <a:latin typeface="Consolas" panose="020B0609020204030204" pitchFamily="49" charset="0"/>
+                <a:cs typeface="Consolas" panose="020B0609020204030204" pitchFamily="49" charset="0"/>
+              </a:rPr>
+              <a:t> = "", ...) </a:t>
+            </a:r>
+          </a:p>
+          <a:p>
+            <a:r>
+              <a:rPr lang="en-US" sz="1400" dirty="0" err="1">
+                <a:latin typeface="Consolas" panose="020B0609020204030204" pitchFamily="49" charset="0"/>
+                <a:cs typeface="Consolas" panose="020B0609020204030204" pitchFamily="49" charset="0"/>
+              </a:rPr>
+              <a:t>read.table</a:t>
+            </a:r>
+            <a:r>
+              <a:rPr lang="en-US" sz="1400" dirty="0">
+                <a:latin typeface="Consolas" panose="020B0609020204030204" pitchFamily="49" charset="0"/>
+                <a:cs typeface="Consolas" panose="020B0609020204030204" pitchFamily="49" charset="0"/>
+              </a:rPr>
+              <a:t>(file = file, header = header, </a:t>
+            </a:r>
+            <a:r>
+              <a:rPr lang="en-US" sz="1400" dirty="0" err="1">
+                <a:latin typeface="Consolas" panose="020B0609020204030204" pitchFamily="49" charset="0"/>
+                <a:cs typeface="Consolas" panose="020B0609020204030204" pitchFamily="49" charset="0"/>
+              </a:rPr>
+              <a:t>sep</a:t>
+            </a:r>
+            <a:r>
+              <a:rPr lang="en-US" sz="1400" dirty="0">
+                <a:latin typeface="Consolas" panose="020B0609020204030204" pitchFamily="49" charset="0"/>
+                <a:cs typeface="Consolas" panose="020B0609020204030204" pitchFamily="49" charset="0"/>
+              </a:rPr>
+              <a:t> = </a:t>
+            </a:r>
+            <a:r>
+              <a:rPr lang="en-US" sz="1400" dirty="0" err="1">
+                <a:latin typeface="Consolas" panose="020B0609020204030204" pitchFamily="49" charset="0"/>
+                <a:cs typeface="Consolas" panose="020B0609020204030204" pitchFamily="49" charset="0"/>
+              </a:rPr>
+              <a:t>sep</a:t>
+            </a:r>
+            <a:r>
+              <a:rPr lang="en-US" sz="1400" dirty="0">
+                <a:latin typeface="Consolas" panose="020B0609020204030204" pitchFamily="49" charset="0"/>
+                <a:cs typeface="Consolas" panose="020B0609020204030204" pitchFamily="49" charset="0"/>
+              </a:rPr>
+              <a:t>, quote = quote, </a:t>
+            </a:r>
+          </a:p>
+          <a:p>
+            <a:r>
+              <a:rPr lang="en-US" sz="1400" dirty="0">
+                <a:latin typeface="Consolas" panose="020B0609020204030204" pitchFamily="49" charset="0"/>
+                <a:cs typeface="Consolas" panose="020B0609020204030204" pitchFamily="49" charset="0"/>
+              </a:rPr>
+              <a:t>    dec = dec, fill = fill, </a:t>
+            </a:r>
+            <a:r>
+              <a:rPr lang="en-US" sz="1400" dirty="0" err="1">
+                <a:latin typeface="Consolas" panose="020B0609020204030204" pitchFamily="49" charset="0"/>
+                <a:cs typeface="Consolas" panose="020B0609020204030204" pitchFamily="49" charset="0"/>
+              </a:rPr>
+              <a:t>comment.char</a:t>
+            </a:r>
+            <a:r>
+              <a:rPr lang="en-US" sz="1400" dirty="0">
+                <a:latin typeface="Consolas" panose="020B0609020204030204" pitchFamily="49" charset="0"/>
+                <a:cs typeface="Consolas" panose="020B0609020204030204" pitchFamily="49" charset="0"/>
+              </a:rPr>
+              <a:t> = </a:t>
+            </a:r>
+            <a:r>
+              <a:rPr lang="en-US" sz="1400" dirty="0" err="1">
+                <a:latin typeface="Consolas" panose="020B0609020204030204" pitchFamily="49" charset="0"/>
+                <a:cs typeface="Consolas" panose="020B0609020204030204" pitchFamily="49" charset="0"/>
+              </a:rPr>
+              <a:t>comment.char</a:t>
+            </a:r>
+            <a:r>
+              <a:rPr lang="en-US" sz="1400" dirty="0">
+                <a:latin typeface="Consolas" panose="020B0609020204030204" pitchFamily="49" charset="0"/>
+                <a:cs typeface="Consolas" panose="020B0609020204030204" pitchFamily="49" charset="0"/>
+              </a:rPr>
+              <a:t>, ...)</a:t>
+            </a:r>
+          </a:p>
+          <a:p>
+            <a:r>
+              <a:rPr lang="en-US" sz="1400" dirty="0">
+                <a:latin typeface="Consolas" panose="020B0609020204030204" pitchFamily="49" charset="0"/>
+                <a:cs typeface="Consolas" panose="020B0609020204030204" pitchFamily="49" charset="0"/>
+              </a:rPr>
+              <a:t>&lt;bytecode: 0x7f9e51673ec8&gt;</a:t>
+            </a:r>
+          </a:p>
+          <a:p>
+            <a:r>
+              <a:rPr lang="en-US" sz="1400" dirty="0">
+                <a:latin typeface="Consolas" panose="020B0609020204030204" pitchFamily="49" charset="0"/>
+                <a:cs typeface="Consolas" panose="020B0609020204030204" pitchFamily="49" charset="0"/>
+              </a:rPr>
+              <a:t>&lt;environment: </a:t>
+            </a:r>
+            <a:r>
+              <a:rPr lang="en-US" sz="1400" dirty="0" err="1">
+                <a:latin typeface="Consolas" panose="020B0609020204030204" pitchFamily="49" charset="0"/>
+                <a:cs typeface="Consolas" panose="020B0609020204030204" pitchFamily="49" charset="0"/>
+              </a:rPr>
+              <a:t>namespace:utils</a:t>
+            </a:r>
+            <a:r>
+              <a:rPr lang="en-US" sz="1400" dirty="0">
+                <a:latin typeface="Consolas" panose="020B0609020204030204" pitchFamily="49" charset="0"/>
+                <a:cs typeface="Consolas" panose="020B0609020204030204" pitchFamily="49" charset="0"/>
+              </a:rPr>
+              <a:t>&gt;</a:t>
+            </a:r>
+          </a:p>
+        </p:txBody>
+      </p:sp>
+    </p:spTree>
+    <p:extLst>
+      <p:ext uri="{BB962C8B-B14F-4D97-AF65-F5344CB8AC3E}">
+        <p14:creationId xmlns:p14="http://schemas.microsoft.com/office/powerpoint/2010/main" val="3516224641"/>
+      </p:ext>
+    </p:extLst>
+  </p:cSld>
+  <p:clrMapOvr>
+    <a:masterClrMapping/>
+  </p:clrMapOvr>
+</p:sld>
+</file>
+
+<file path=ppt/slides/slide8.xml><?xml version="1.0" encoding="utf-8"?>
+<p:sld xmlns:a="http://schemas.openxmlformats.org/drawingml/2006/main" xmlns:r="http://schemas.openxmlformats.org/officeDocument/2006/relationships" xmlns:p="http://schemas.openxmlformats.org/presentationml/2006/main">
+  <p:cSld>
+    <p:spTree>
+      <p:nvGrpSpPr>
+        <p:cNvPr id="1" name=""/>
+        <p:cNvGrpSpPr/>
+        <p:nvPr/>
+      </p:nvGrpSpPr>
+      <p:grpSpPr>
+        <a:xfrm>
+          <a:off x="0" y="0"/>
+          <a:ext cx="0" cy="0"/>
+          <a:chOff x="0" y="0"/>
+          <a:chExt cx="0" cy="0"/>
+        </a:xfrm>
+      </p:grpSpPr>
+      <p:sp>
+        <p:nvSpPr>
+          <p:cNvPr id="2" name="Date Placeholder 1">
+            <a:extLst>
+              <a:ext uri="{FF2B5EF4-FFF2-40B4-BE49-F238E27FC236}">
+                <a16:creationId xmlns:a16="http://schemas.microsoft.com/office/drawing/2014/main" id="{D8F2A6C2-62DC-79C4-A908-433E05FC1C4B}"/>
+              </a:ext>
+            </a:extLst>
+          </p:cNvPr>
+          <p:cNvSpPr>
+            <a:spLocks noGrp="1"/>
+          </p:cNvSpPr>
+          <p:nvPr>
+            <p:ph type="dt" sz="half" idx="10"/>
+          </p:nvPr>
+        </p:nvSpPr>
+        <p:spPr/>
+        <p:txBody>
+          <a:bodyPr/>
+          <a:lstStyle/>
+          <a:p>
+            <a:fld id="{6700A58B-DD98-43D0-B791-721480A02982}" type="datetime1">
+              <a:rPr lang="en-US" smtClean="0"/>
+              <a:t>5/19/23</a:t>
+            </a:fld>
+            <a:endParaRPr lang="en-US"/>
+          </a:p>
+        </p:txBody>
+      </p:sp>
+      <p:sp>
+        <p:nvSpPr>
+          <p:cNvPr id="3" name="Title 2">
+            <a:extLst>
+              <a:ext uri="{FF2B5EF4-FFF2-40B4-BE49-F238E27FC236}">
+                <a16:creationId xmlns:a16="http://schemas.microsoft.com/office/drawing/2014/main" id="{E93829F7-A00D-440E-7708-D14BBFDCBA67}"/>
+              </a:ext>
+            </a:extLst>
+          </p:cNvPr>
+          <p:cNvSpPr>
+            <a:spLocks noGrp="1"/>
+          </p:cNvSpPr>
+          <p:nvPr>
+            <p:ph type="title"/>
+          </p:nvPr>
+        </p:nvSpPr>
+        <p:spPr>
+          <a:xfrm>
+            <a:off x="236483" y="365126"/>
+            <a:ext cx="8278867" cy="591477"/>
+          </a:xfrm>
+        </p:spPr>
+        <p:txBody>
+          <a:bodyPr/>
+          <a:lstStyle/>
+          <a:p>
+            <a:r>
+              <a:rPr lang="en-US" dirty="0"/>
+              <a:t>You can check these components with functions</a:t>
+            </a:r>
+          </a:p>
+        </p:txBody>
+      </p:sp>
+      <p:sp>
+        <p:nvSpPr>
+          <p:cNvPr id="4" name="Slide Number Placeholder 3">
+            <a:extLst>
+              <a:ext uri="{FF2B5EF4-FFF2-40B4-BE49-F238E27FC236}">
+                <a16:creationId xmlns:a16="http://schemas.microsoft.com/office/drawing/2014/main" id="{32EE4436-9C87-2ABB-491C-9198C7F5F1F0}"/>
+              </a:ext>
+            </a:extLst>
+          </p:cNvPr>
+          <p:cNvSpPr>
+            <a:spLocks noGrp="1"/>
+          </p:cNvSpPr>
+          <p:nvPr>
+            <p:ph type="sldNum" sz="quarter" idx="12"/>
+          </p:nvPr>
+        </p:nvSpPr>
+        <p:spPr/>
+        <p:txBody>
+          <a:bodyPr/>
+          <a:lstStyle/>
+          <a:p>
+            <a:fld id="{37290FF7-652B-4475-AEAB-8B1A5D23AE09}" type="slidenum">
+              <a:rPr lang="en-US" smtClean="0"/>
+              <a:t>8</a:t>
+            </a:fld>
+            <a:endParaRPr lang="en-US"/>
+          </a:p>
+        </p:txBody>
+      </p:sp>
+      <p:sp>
+        <p:nvSpPr>
+          <p:cNvPr id="5" name="Footer Placeholder 4">
+            <a:extLst>
+              <a:ext uri="{FF2B5EF4-FFF2-40B4-BE49-F238E27FC236}">
+                <a16:creationId xmlns:a16="http://schemas.microsoft.com/office/drawing/2014/main" id="{DF90FA53-606D-CD23-C317-DADF22083B91}"/>
+              </a:ext>
+            </a:extLst>
+          </p:cNvPr>
+          <p:cNvSpPr>
+            <a:spLocks noGrp="1"/>
+          </p:cNvSpPr>
+          <p:nvPr>
+            <p:ph type="ftr" sz="quarter" idx="3"/>
+          </p:nvPr>
+        </p:nvSpPr>
+        <p:spPr/>
+        <p:txBody>
+          <a:bodyPr/>
+          <a:lstStyle/>
+          <a:p>
+            <a:r>
+              <a:rPr lang="en-US"/>
+              <a:t>Kwartler</a:t>
+            </a:r>
+            <a:endParaRPr lang="en-US" dirty="0"/>
+          </a:p>
+        </p:txBody>
+      </p:sp>
+      <p:pic>
+        <p:nvPicPr>
+          <p:cNvPr id="6" name="Picture 5">
+            <a:extLst>
+              <a:ext uri="{FF2B5EF4-FFF2-40B4-BE49-F238E27FC236}">
+                <a16:creationId xmlns:a16="http://schemas.microsoft.com/office/drawing/2014/main" id="{E0621D93-8BA8-040E-C0FF-B88AB32EA46C}"/>
+              </a:ext>
+            </a:extLst>
+          </p:cNvPr>
+          <p:cNvPicPr>
+            <a:picLocks noChangeAspect="1"/>
+          </p:cNvPicPr>
+          <p:nvPr/>
+        </p:nvPicPr>
+        <p:blipFill>
+          <a:blip r:embed="rId2"/>
+          <a:stretch>
+            <a:fillRect/>
+          </a:stretch>
+        </p:blipFill>
+        <p:spPr>
+          <a:xfrm>
+            <a:off x="3757120" y="1725010"/>
+            <a:ext cx="1629760" cy="4454677"/>
+          </a:xfrm>
+          <a:prstGeom prst="rect">
+            <a:avLst/>
+          </a:prstGeom>
+        </p:spPr>
+      </p:pic>
+    </p:spTree>
+    <p:extLst>
+      <p:ext uri="{BB962C8B-B14F-4D97-AF65-F5344CB8AC3E}">
+        <p14:creationId xmlns:p14="http://schemas.microsoft.com/office/powerpoint/2010/main" val="3646214551"/>
+      </p:ext>
+    </p:extLst>
+  </p:cSld>
+  <p:clrMapOvr>
+    <a:masterClrMapping/>
+  </p:clrMapOvr>
+</p:sld>
+</file>
+
+<file path=ppt/slides/slide9.xml><?xml version="1.0" encoding="utf-8"?>
+<p:sld xmlns:a="http://schemas.openxmlformats.org/drawingml/2006/main" xmlns:r="http://schemas.openxmlformats.org/officeDocument/2006/relationships" xmlns:p="http://schemas.openxmlformats.org/presentationml/2006/main">
+  <p:cSld>
+    <p:spTree>
+      <p:nvGrpSpPr>
+        <p:cNvPr id="1" name=""/>
+        <p:cNvGrpSpPr/>
+        <p:nvPr/>
+      </p:nvGrpSpPr>
+      <p:grpSpPr>
+        <a:xfrm>
+          <a:off x="0" y="0"/>
+          <a:ext cx="0" cy="0"/>
+          <a:chOff x="0" y="0"/>
+          <a:chExt cx="0" cy="0"/>
+        </a:xfrm>
+      </p:grpSpPr>
+      <p:sp>
+        <p:nvSpPr>
+          <p:cNvPr id="2" name="Date Placeholder 1">
+            <a:extLst>
+              <a:ext uri="{FF2B5EF4-FFF2-40B4-BE49-F238E27FC236}">
+                <a16:creationId xmlns:a16="http://schemas.microsoft.com/office/drawing/2014/main" id="{D8F2A6C2-62DC-79C4-A908-433E05FC1C4B}"/>
+              </a:ext>
+            </a:extLst>
+          </p:cNvPr>
+          <p:cNvSpPr>
+            <a:spLocks noGrp="1"/>
+          </p:cNvSpPr>
+          <p:nvPr>
+            <p:ph type="dt" sz="half" idx="10"/>
+          </p:nvPr>
+        </p:nvSpPr>
+        <p:spPr/>
+        <p:txBody>
+          <a:bodyPr/>
+          <a:lstStyle/>
+          <a:p>
+            <a:fld id="{6700A58B-DD98-43D0-B791-721480A02982}" type="datetime1">
+              <a:rPr lang="en-US" smtClean="0"/>
+              <a:t>5/19/23</a:t>
+            </a:fld>
+            <a:endParaRPr lang="en-US"/>
+          </a:p>
+        </p:txBody>
+      </p:sp>
+      <p:sp>
+        <p:nvSpPr>
+          <p:cNvPr id="3" name="Title 2">
+            <a:extLst>
+              <a:ext uri="{FF2B5EF4-FFF2-40B4-BE49-F238E27FC236}">
+                <a16:creationId xmlns:a16="http://schemas.microsoft.com/office/drawing/2014/main" id="{E93829F7-A00D-440E-7708-D14BBFDCBA67}"/>
+              </a:ext>
+            </a:extLst>
+          </p:cNvPr>
+          <p:cNvSpPr>
+            <a:spLocks noGrp="1"/>
+          </p:cNvSpPr>
+          <p:nvPr>
+            <p:ph type="title"/>
+          </p:nvPr>
+        </p:nvSpPr>
+        <p:spPr>
+          <a:xfrm>
+            <a:off x="236483" y="365126"/>
+            <a:ext cx="8278867" cy="591477"/>
+          </a:xfrm>
+        </p:spPr>
+        <p:txBody>
+          <a:bodyPr/>
+          <a:lstStyle/>
+          <a:p>
+            <a:r>
+              <a:rPr lang="en-US" dirty="0"/>
+              <a:t>You can check these components with functions</a:t>
+            </a:r>
+          </a:p>
+        </p:txBody>
+      </p:sp>
+      <p:sp>
+        <p:nvSpPr>
+          <p:cNvPr id="4" name="Slide Number Placeholder 3">
+            <a:extLst>
+              <a:ext uri="{FF2B5EF4-FFF2-40B4-BE49-F238E27FC236}">
+                <a16:creationId xmlns:a16="http://schemas.microsoft.com/office/drawing/2014/main" id="{32EE4436-9C87-2ABB-491C-9198C7F5F1F0}"/>
+              </a:ext>
+            </a:extLst>
+          </p:cNvPr>
+          <p:cNvSpPr>
+            <a:spLocks noGrp="1"/>
+          </p:cNvSpPr>
+          <p:nvPr>
+            <p:ph type="sldNum" sz="quarter" idx="12"/>
+          </p:nvPr>
+        </p:nvSpPr>
+        <p:spPr/>
+        <p:txBody>
+          <a:bodyPr/>
+          <a:lstStyle/>
+          <a:p>
+            <a:fld id="{37290FF7-652B-4475-AEAB-8B1A5D23AE09}" type="slidenum">
+              <a:rPr lang="en-US" smtClean="0"/>
+              <a:t>9</a:t>
+            </a:fld>
+            <a:endParaRPr lang="en-US"/>
+          </a:p>
+        </p:txBody>
+      </p:sp>
+      <p:sp>
+        <p:nvSpPr>
+          <p:cNvPr id="5" name="Footer Placeholder 4">
+            <a:extLst>
+              <a:ext uri="{FF2B5EF4-FFF2-40B4-BE49-F238E27FC236}">
+                <a16:creationId xmlns:a16="http://schemas.microsoft.com/office/drawing/2014/main" id="{DF90FA53-606D-CD23-C317-DADF22083B91}"/>
+              </a:ext>
+            </a:extLst>
+          </p:cNvPr>
+          <p:cNvSpPr>
+            <a:spLocks noGrp="1"/>
+          </p:cNvSpPr>
+          <p:nvPr>
+            <p:ph type="ftr" sz="quarter" idx="3"/>
+          </p:nvPr>
+        </p:nvSpPr>
+        <p:spPr/>
+        <p:txBody>
+          <a:bodyPr/>
+          <a:lstStyle/>
+          <a:p>
+            <a:r>
+              <a:rPr lang="en-US"/>
+              <a:t>Kwartler</a:t>
+            </a:r>
+            <a:endParaRPr lang="en-US" dirty="0"/>
+          </a:p>
+        </p:txBody>
+      </p:sp>
+      <p:pic>
+        <p:nvPicPr>
+          <p:cNvPr id="7" name="Picture 6">
+            <a:extLst>
+              <a:ext uri="{FF2B5EF4-FFF2-40B4-BE49-F238E27FC236}">
+                <a16:creationId xmlns:a16="http://schemas.microsoft.com/office/drawing/2014/main" id="{6B019B5B-24C3-2EF4-6173-691FAFDC3F8C}"/>
+              </a:ext>
+            </a:extLst>
+          </p:cNvPr>
+          <p:cNvPicPr>
+            <a:picLocks noChangeAspect="1"/>
+          </p:cNvPicPr>
+          <p:nvPr/>
+        </p:nvPicPr>
+        <p:blipFill>
+          <a:blip r:embed="rId2"/>
+          <a:stretch>
+            <a:fillRect/>
+          </a:stretch>
+        </p:blipFill>
+        <p:spPr>
+          <a:xfrm>
+            <a:off x="628650" y="3009175"/>
+            <a:ext cx="8172584" cy="839649"/>
+          </a:xfrm>
+          <a:prstGeom prst="rect">
+            <a:avLst/>
+          </a:prstGeom>
+        </p:spPr>
+      </p:pic>
+    </p:spTree>
+    <p:extLst>
+      <p:ext uri="{BB962C8B-B14F-4D97-AF65-F5344CB8AC3E}">
+        <p14:creationId xmlns:p14="http://schemas.microsoft.com/office/powerpoint/2010/main" val="3429838195"/>
       </p:ext>
     </p:extLst>
   </p:cSld>
